--- a/ppt/EZJava-Session3-Hello World!.pptx
+++ b/ppt/EZJava-Session3-Hello World!.pptx
@@ -6,15 +6,17 @@
     <p:sldMasterId id="2147483660" r:id="rId2"/>
   </p:sldMasterIdLst>
   <p:notesMasterIdLst>
-    <p:notesMasterId r:id="rId9"/>
+    <p:notesMasterId r:id="rId11"/>
   </p:notesMasterIdLst>
   <p:sldIdLst>
     <p:sldId id="256" r:id="rId3"/>
     <p:sldId id="257" r:id="rId4"/>
-    <p:sldId id="258" r:id="rId5"/>
-    <p:sldId id="262" r:id="rId6"/>
+    <p:sldId id="263" r:id="rId5"/>
+    <p:sldId id="264" r:id="rId6"/>
     <p:sldId id="260" r:id="rId7"/>
-    <p:sldId id="261" r:id="rId8"/>
+    <p:sldId id="265" r:id="rId8"/>
+    <p:sldId id="262" r:id="rId9"/>
+    <p:sldId id="261" r:id="rId10"/>
   </p:sldIdLst>
   <p:sldSz cx="12192000" cy="6858000"/>
   <p:notesSz cx="6858000" cy="9144000"/>
@@ -203,7 +205,7 @@
           <a:p>
             <a:fld id="{9E81D129-DB94-4AB1-9CFE-D1B233D5984C}" type="datetimeFigureOut">
               <a:rPr lang="zh-CN" altLang="en-US" smtClean="0"/>
-              <a:t>2018/3/25</a:t>
+              <a:t>2018/4/1</a:t>
             </a:fld>
             <a:endParaRPr lang="zh-CN" altLang="en-US"/>
           </a:p>
@@ -803,1603 +805,6 @@
           <a:bodyPr/>
           <a:lstStyle/>
           <a:p>
-            <a:r>
-              <a:rPr lang="zh-CN" altLang="en-US" sz="1200" b="0" i="0" kern="1200" dirty="0" smtClean="0">
-                <a:solidFill>
-                  <a:schemeClr val="tx1"/>
-                </a:solidFill>
-                <a:effectLst/>
-                <a:latin typeface="+mn-lt"/>
-                <a:ea typeface="+mn-ea"/>
-                <a:cs typeface="+mn-cs"/>
-              </a:rPr>
-              <a:t>关于优点：计算机的灵魂是</a:t>
-            </a:r>
-            <a:r>
-              <a:rPr lang="en-US" altLang="zh-CN" sz="1200" b="0" i="0" kern="1200" dirty="0" smtClean="0">
-                <a:solidFill>
-                  <a:schemeClr val="tx1"/>
-                </a:solidFill>
-                <a:effectLst/>
-                <a:latin typeface="+mn-lt"/>
-                <a:ea typeface="+mn-ea"/>
-                <a:cs typeface="+mn-cs"/>
-              </a:rPr>
-              <a:t>01</a:t>
-            </a:r>
-            <a:r>
-              <a:rPr lang="zh-CN" altLang="en-US" sz="1200" b="0" i="0" kern="1200" dirty="0" smtClean="0">
-                <a:solidFill>
-                  <a:schemeClr val="tx1"/>
-                </a:solidFill>
-                <a:effectLst/>
-                <a:latin typeface="+mn-lt"/>
-                <a:ea typeface="+mn-ea"/>
-                <a:cs typeface="+mn-cs"/>
-              </a:rPr>
-              <a:t>码，她所能够直接理解的就是</a:t>
-            </a:r>
-            <a:r>
-              <a:rPr lang="en-US" altLang="zh-CN" sz="1200" b="0" i="0" kern="1200" dirty="0" smtClean="0">
-                <a:solidFill>
-                  <a:schemeClr val="tx1"/>
-                </a:solidFill>
-                <a:effectLst/>
-                <a:latin typeface="+mn-lt"/>
-                <a:ea typeface="+mn-ea"/>
-                <a:cs typeface="+mn-cs"/>
-              </a:rPr>
-              <a:t>01</a:t>
-            </a:r>
-            <a:r>
-              <a:rPr lang="zh-CN" altLang="en-US" sz="1200" b="0" i="0" kern="1200" dirty="0" smtClean="0">
-                <a:solidFill>
-                  <a:schemeClr val="tx1"/>
-                </a:solidFill>
-                <a:effectLst/>
-                <a:latin typeface="+mn-lt"/>
-                <a:ea typeface="+mn-ea"/>
-                <a:cs typeface="+mn-cs"/>
-              </a:rPr>
-              <a:t>了，没有任何的中介，故而最快</a:t>
-            </a:r>
-            <a:endParaRPr lang="en-US" altLang="zh-CN" sz="1200" b="0" i="0" kern="1200" dirty="0" smtClean="0">
-              <a:solidFill>
-                <a:schemeClr val="tx1"/>
-              </a:solidFill>
-              <a:effectLst/>
-              <a:latin typeface="+mn-lt"/>
-              <a:ea typeface="+mn-ea"/>
-              <a:cs typeface="+mn-cs"/>
-            </a:endParaRPr>
-          </a:p>
-          <a:p>
-            <a:endParaRPr lang="en-US" altLang="zh-CN" sz="1200" b="0" i="0" kern="1200" dirty="0" smtClean="0">
-              <a:solidFill>
-                <a:schemeClr val="tx1"/>
-              </a:solidFill>
-              <a:effectLst/>
-              <a:latin typeface="+mn-lt"/>
-              <a:ea typeface="+mn-ea"/>
-              <a:cs typeface="+mn-cs"/>
-            </a:endParaRPr>
-          </a:p>
-          <a:p>
-            <a:r>
-              <a:rPr lang="zh-CN" altLang="en-US" sz="1200" b="0" i="0" kern="1200" dirty="0" smtClean="0">
-                <a:solidFill>
-                  <a:schemeClr val="tx1"/>
-                </a:solidFill>
-                <a:effectLst/>
-                <a:latin typeface="+mn-lt"/>
-                <a:ea typeface="+mn-ea"/>
-                <a:cs typeface="+mn-cs"/>
-              </a:rPr>
-              <a:t>关于缺点：看示例，电脑手机同一段</a:t>
-            </a:r>
-            <a:r>
-              <a:rPr lang="en-US" altLang="zh-CN" sz="1200" b="0" i="0" kern="1200" dirty="0" smtClean="0">
-                <a:solidFill>
-                  <a:schemeClr val="tx1"/>
-                </a:solidFill>
-                <a:effectLst/>
-                <a:latin typeface="+mn-lt"/>
-                <a:ea typeface="+mn-ea"/>
-                <a:cs typeface="+mn-cs"/>
-              </a:rPr>
-              <a:t>01</a:t>
-            </a:r>
-            <a:r>
-              <a:rPr lang="zh-CN" altLang="en-US" sz="1200" b="0" i="0" kern="1200" dirty="0" smtClean="0">
-                <a:solidFill>
-                  <a:schemeClr val="tx1"/>
-                </a:solidFill>
-                <a:effectLst/>
-                <a:latin typeface="+mn-lt"/>
-                <a:ea typeface="+mn-ea"/>
-                <a:cs typeface="+mn-cs"/>
-              </a:rPr>
-              <a:t>码表示不同的含义，在电脑上运行的代码无法在手机上运行</a:t>
-            </a:r>
-            <a:endParaRPr lang="en-US" altLang="zh-CN" sz="1200" b="0" i="0" kern="1200" dirty="0" smtClean="0">
-              <a:solidFill>
-                <a:schemeClr val="tx1"/>
-              </a:solidFill>
-              <a:effectLst/>
-              <a:latin typeface="+mn-lt"/>
-              <a:ea typeface="+mn-ea"/>
-              <a:cs typeface="+mn-cs"/>
-            </a:endParaRPr>
-          </a:p>
-          <a:p>
-            <a:endParaRPr lang="en-US" altLang="zh-CN" sz="1200" b="0" i="0" kern="1200" dirty="0" smtClean="0">
-              <a:solidFill>
-                <a:schemeClr val="tx1"/>
-              </a:solidFill>
-              <a:effectLst/>
-              <a:latin typeface="+mn-lt"/>
-              <a:ea typeface="+mn-ea"/>
-              <a:cs typeface="+mn-cs"/>
-            </a:endParaRPr>
-          </a:p>
-          <a:p>
-            <a:r>
-              <a:rPr lang="zh-CN" altLang="en-US" sz="1200" b="0" i="0" kern="1200" dirty="0" smtClean="0">
-                <a:solidFill>
-                  <a:schemeClr val="tx1"/>
-                </a:solidFill>
-                <a:effectLst/>
-                <a:latin typeface="+mn-lt"/>
-                <a:ea typeface="+mn-ea"/>
-                <a:cs typeface="+mn-cs"/>
-              </a:rPr>
-              <a:t>关于示例：看到这段</a:t>
-            </a:r>
-            <a:r>
-              <a:rPr lang="en-US" altLang="zh-CN" sz="1200" b="0" i="0" kern="1200" dirty="0" smtClean="0">
-                <a:solidFill>
-                  <a:schemeClr val="tx1"/>
-                </a:solidFill>
-                <a:effectLst/>
-                <a:latin typeface="+mn-lt"/>
-                <a:ea typeface="+mn-ea"/>
-                <a:cs typeface="+mn-cs"/>
-              </a:rPr>
-              <a:t>01</a:t>
-            </a:r>
-            <a:r>
-              <a:rPr lang="zh-CN" altLang="en-US" sz="1200" b="0" i="0" kern="1200" dirty="0" smtClean="0">
-                <a:solidFill>
-                  <a:schemeClr val="tx1"/>
-                </a:solidFill>
-                <a:effectLst/>
-                <a:latin typeface="+mn-lt"/>
-                <a:ea typeface="+mn-ea"/>
-                <a:cs typeface="+mn-cs"/>
-              </a:rPr>
-              <a:t>码那，非常难以理解，没有任何的提示内容，这段</a:t>
-            </a:r>
-            <a:r>
-              <a:rPr lang="en-US" altLang="zh-CN" sz="1200" b="0" i="0" kern="1200" dirty="0" smtClean="0">
-                <a:solidFill>
-                  <a:schemeClr val="tx1"/>
-                </a:solidFill>
-                <a:effectLst/>
-                <a:latin typeface="+mn-lt"/>
-                <a:ea typeface="+mn-ea"/>
-                <a:cs typeface="+mn-cs"/>
-              </a:rPr>
-              <a:t>01</a:t>
-            </a:r>
-            <a:r>
-              <a:rPr lang="zh-CN" altLang="en-US" sz="1200" b="0" i="0" kern="1200" dirty="0" smtClean="0">
-                <a:solidFill>
-                  <a:schemeClr val="tx1"/>
-                </a:solidFill>
-                <a:effectLst/>
-                <a:latin typeface="+mn-lt"/>
-                <a:ea typeface="+mn-ea"/>
-                <a:cs typeface="+mn-cs"/>
-              </a:rPr>
-              <a:t>码同他所表示的含义之间我们人类是看不出任何联系的</a:t>
-            </a:r>
-            <a:endParaRPr lang="en-US" altLang="zh-CN" sz="1200" b="0" i="0" kern="1200" dirty="0" smtClean="0">
-              <a:solidFill>
-                <a:schemeClr val="tx1"/>
-              </a:solidFill>
-              <a:effectLst/>
-              <a:latin typeface="+mn-lt"/>
-              <a:ea typeface="+mn-ea"/>
-              <a:cs typeface="+mn-cs"/>
-            </a:endParaRPr>
-          </a:p>
-          <a:p>
-            <a:endParaRPr lang="en-US" altLang="zh-CN" sz="1200" b="0" i="0" kern="1200" dirty="0" smtClean="0">
-              <a:solidFill>
-                <a:schemeClr val="tx1"/>
-              </a:solidFill>
-              <a:effectLst/>
-              <a:latin typeface="+mn-lt"/>
-              <a:ea typeface="+mn-ea"/>
-              <a:cs typeface="+mn-cs"/>
-            </a:endParaRPr>
-          </a:p>
-          <a:p>
-            <a:r>
-              <a:rPr lang="zh-CN" altLang="en-US" sz="1200" b="0" i="0" kern="1200" dirty="0" smtClean="0">
-                <a:solidFill>
-                  <a:schemeClr val="tx1"/>
-                </a:solidFill>
-                <a:effectLst/>
-                <a:latin typeface="+mn-lt"/>
-                <a:ea typeface="+mn-ea"/>
-                <a:cs typeface="+mn-cs"/>
-              </a:rPr>
-              <a:t>为了解决机器语言的问题。。</a:t>
-            </a:r>
-            <a:endParaRPr lang="en-US" altLang="zh-CN" sz="1200" b="0" i="0" kern="1200" dirty="0" smtClean="0">
-              <a:solidFill>
-                <a:schemeClr val="tx1"/>
-              </a:solidFill>
-              <a:effectLst/>
-              <a:latin typeface="+mn-lt"/>
-              <a:ea typeface="+mn-ea"/>
-              <a:cs typeface="+mn-cs"/>
-            </a:endParaRPr>
-          </a:p>
-        </p:txBody>
-      </p:sp>
-      <p:sp>
-        <p:nvSpPr>
-          <p:cNvPr id="4" name="灯片编号占位符 3"/>
-          <p:cNvSpPr>
-            <a:spLocks noGrp="1"/>
-          </p:cNvSpPr>
-          <p:nvPr>
-            <p:ph type="sldNum" sz="quarter" idx="10"/>
-          </p:nvPr>
-        </p:nvSpPr>
-        <p:spPr/>
-        <p:txBody>
-          <a:bodyPr/>
-          <a:lstStyle/>
-          <a:p>
-            <a:pPr marL="0" marR="0" lvl="0" indent="0" algn="r" defTabSz="914400" rtl="0" eaLnBrk="1" fontAlgn="auto" latinLnBrk="0" hangingPunct="1">
-              <a:lnSpc>
-                <a:spcPct val="100000"/>
-              </a:lnSpc>
-              <a:spcBef>
-                <a:spcPts val="0"/>
-              </a:spcBef>
-              <a:spcAft>
-                <a:spcPts val="0"/>
-              </a:spcAft>
-              <a:buClrTx/>
-              <a:buSzTx/>
-              <a:buFontTx/>
-              <a:buNone/>
-              <a:tabLst/>
-              <a:defRPr/>
-            </a:pPr>
-            <a:fld id="{38A8ACF5-C29D-4199-AE4F-AD7991FDFB26}" type="slidenum">
-              <a:rPr kumimoji="0" lang="zh-CN" altLang="en-US" sz="1200" b="0" i="0" u="none" strike="noStrike" kern="1200" cap="none" spc="0" normalizeH="0" baseline="0" noProof="0" smtClean="0">
-                <a:ln>
-                  <a:noFill/>
-                </a:ln>
-                <a:solidFill>
-                  <a:prstClr val="black"/>
-                </a:solidFill>
-                <a:effectLst/>
-                <a:uLnTx/>
-                <a:uFillTx/>
-                <a:latin typeface="等线" panose="020F0502020204030204"/>
-                <a:ea typeface="等线" panose="02010600030101010101" pitchFamily="2" charset="-122"/>
-                <a:cs typeface="+mn-cs"/>
-              </a:rPr>
-              <a:pPr marL="0" marR="0" lvl="0" indent="0" algn="r" defTabSz="914400" rtl="0" eaLnBrk="1" fontAlgn="auto" latinLnBrk="0" hangingPunct="1">
-                <a:lnSpc>
-                  <a:spcPct val="100000"/>
-                </a:lnSpc>
-                <a:spcBef>
-                  <a:spcPts val="0"/>
-                </a:spcBef>
-                <a:spcAft>
-                  <a:spcPts val="0"/>
-                </a:spcAft>
-                <a:buClrTx/>
-                <a:buSzTx/>
-                <a:buFontTx/>
-                <a:buNone/>
-                <a:tabLst/>
-                <a:defRPr/>
-              </a:pPr>
-              <a:t>3</a:t>
-            </a:fld>
-            <a:endParaRPr kumimoji="0" lang="zh-CN" altLang="en-US" sz="1200" b="0" i="0" u="none" strike="noStrike" kern="1200" cap="none" spc="0" normalizeH="0" baseline="0" noProof="0">
-              <a:ln>
-                <a:noFill/>
-              </a:ln>
-              <a:solidFill>
-                <a:prstClr val="black"/>
-              </a:solidFill>
-              <a:effectLst/>
-              <a:uLnTx/>
-              <a:uFillTx/>
-              <a:latin typeface="等线" panose="020F0502020204030204"/>
-              <a:ea typeface="等线" panose="02010600030101010101" pitchFamily="2" charset="-122"/>
-              <a:cs typeface="+mn-cs"/>
-            </a:endParaRPr>
-          </a:p>
-        </p:txBody>
-      </p:sp>
-    </p:spTree>
-    <p:extLst>
-      <p:ext uri="{BB962C8B-B14F-4D97-AF65-F5344CB8AC3E}">
-        <p14:creationId xmlns:p14="http://schemas.microsoft.com/office/powerpoint/2010/main" val="306973625"/>
-      </p:ext>
-    </p:extLst>
-  </p:cSld>
-  <p:clrMapOvr>
-    <a:masterClrMapping/>
-  </p:clrMapOvr>
-</p:notes>
-</file>
-
-<file path=ppt/notesSlides/notesSlide4.xml><?xml version="1.0" encoding="utf-8"?>
-<p:notes xmlns:a="http://schemas.openxmlformats.org/drawingml/2006/main" xmlns:r="http://schemas.openxmlformats.org/officeDocument/2006/relationships" xmlns:p="http://schemas.openxmlformats.org/presentationml/2006/main">
-  <p:cSld>
-    <p:spTree>
-      <p:nvGrpSpPr>
-        <p:cNvPr id="1" name=""/>
-        <p:cNvGrpSpPr/>
-        <p:nvPr/>
-      </p:nvGrpSpPr>
-      <p:grpSpPr>
-        <a:xfrm>
-          <a:off x="0" y="0"/>
-          <a:ext cx="0" cy="0"/>
-          <a:chOff x="0" y="0"/>
-          <a:chExt cx="0" cy="0"/>
-        </a:xfrm>
-      </p:grpSpPr>
-      <p:sp>
-        <p:nvSpPr>
-          <p:cNvPr id="2" name="幻灯片图像占位符 1"/>
-          <p:cNvSpPr>
-            <a:spLocks noGrp="1" noRot="1" noChangeAspect="1"/>
-          </p:cNvSpPr>
-          <p:nvPr>
-            <p:ph type="sldImg"/>
-          </p:nvPr>
-        </p:nvSpPr>
-        <p:spPr/>
-      </p:sp>
-      <p:sp>
-        <p:nvSpPr>
-          <p:cNvPr id="3" name="备注占位符 2"/>
-          <p:cNvSpPr>
-            <a:spLocks noGrp="1"/>
-          </p:cNvSpPr>
-          <p:nvPr>
-            <p:ph type="body" idx="1"/>
-          </p:nvPr>
-        </p:nvSpPr>
-        <p:spPr/>
-        <p:txBody>
-          <a:bodyPr/>
-          <a:lstStyle/>
-          <a:p>
-            <a:r>
-              <a:rPr lang="zh-CN" altLang="en-US" dirty="0" smtClean="0"/>
-              <a:t>最后那，再介绍给大家几本武林秘籍哈</a:t>
-            </a:r>
-            <a:endParaRPr lang="en-US" altLang="zh-CN" dirty="0" smtClean="0"/>
-          </a:p>
-          <a:p>
-            <a:r>
-              <a:rPr lang="zh-CN" altLang="en-US" dirty="0" smtClean="0"/>
-              <a:t>最近听到一句话挺好玩的，</a:t>
-            </a:r>
-            <a:r>
-              <a:rPr lang="en-US" altLang="zh-CN" dirty="0" smtClean="0"/>
-              <a:t>You are what your read</a:t>
-            </a:r>
-            <a:r>
-              <a:rPr lang="zh-CN" altLang="en-US" dirty="0" smtClean="0"/>
-              <a:t>，你是你所读的东西，读好书有多么的重要，很多书呀，作者自己没弄明白，就开始瞎讲了，有很多书都是抄吧抄吧就发表了，读了真的就是浪费时间，浪费脑细胞</a:t>
-            </a:r>
-            <a:endParaRPr lang="en-US" altLang="zh-CN" dirty="0" smtClean="0"/>
-          </a:p>
-          <a:p>
-            <a:r>
-              <a:rPr lang="en-US" altLang="zh-CN" dirty="0" smtClean="0"/>
-              <a:t>Java</a:t>
-            </a:r>
-            <a:r>
-              <a:rPr lang="zh-CN" altLang="en-US" dirty="0" smtClean="0"/>
-              <a:t>编程界的圣经，</a:t>
-            </a:r>
-            <a:r>
-              <a:rPr lang="en-US" altLang="zh-CN" sz="1200" b="0" i="0" kern="1200" dirty="0" smtClean="0">
-                <a:solidFill>
-                  <a:schemeClr val="tx1"/>
-                </a:solidFill>
-                <a:effectLst/>
-                <a:latin typeface="+mn-lt"/>
-                <a:ea typeface="+mn-ea"/>
-                <a:cs typeface="+mn-cs"/>
-              </a:rPr>
-              <a:t>Bruce </a:t>
-            </a:r>
-            <a:r>
-              <a:rPr lang="en-US" altLang="zh-CN" sz="1200" b="0" i="0" kern="1200" dirty="0" err="1" smtClean="0">
-                <a:solidFill>
-                  <a:schemeClr val="tx1"/>
-                </a:solidFill>
-                <a:effectLst/>
-                <a:latin typeface="+mn-lt"/>
-                <a:ea typeface="+mn-ea"/>
-                <a:cs typeface="+mn-cs"/>
-              </a:rPr>
-              <a:t>Eckel</a:t>
-            </a:r>
-            <a:r>
-              <a:rPr lang="zh-CN" altLang="en-US" sz="1200" b="0" i="0" kern="1200" dirty="0" smtClean="0">
-                <a:solidFill>
-                  <a:schemeClr val="tx1"/>
-                </a:solidFill>
-                <a:effectLst/>
-                <a:latin typeface="+mn-lt"/>
-                <a:ea typeface="+mn-ea"/>
-                <a:cs typeface="+mn-cs"/>
-              </a:rPr>
-              <a:t>是</a:t>
-            </a:r>
-            <a:r>
-              <a:rPr lang="en-US" altLang="zh-CN" sz="1200" b="0" i="0" kern="1200" dirty="0" err="1" smtClean="0">
-                <a:solidFill>
-                  <a:schemeClr val="tx1"/>
-                </a:solidFill>
-                <a:effectLst/>
-                <a:latin typeface="+mn-lt"/>
-                <a:ea typeface="+mn-ea"/>
-                <a:cs typeface="+mn-cs"/>
-              </a:rPr>
-              <a:t>MindView</a:t>
-            </a:r>
-            <a:r>
-              <a:rPr lang="zh-CN" altLang="en-US" sz="1200" b="0" i="0" kern="1200" dirty="0" smtClean="0">
-                <a:solidFill>
-                  <a:schemeClr val="tx1"/>
-                </a:solidFill>
-                <a:effectLst/>
-                <a:latin typeface="+mn-lt"/>
-                <a:ea typeface="+mn-ea"/>
-                <a:cs typeface="+mn-cs"/>
-              </a:rPr>
-              <a:t>公司的总裁，</a:t>
-            </a:r>
-            <a:r>
-              <a:rPr lang="en-US" altLang="zh-CN" sz="1200" b="0" i="0" kern="1200" dirty="0" smtClean="0">
-                <a:solidFill>
-                  <a:schemeClr val="tx1"/>
-                </a:solidFill>
-                <a:effectLst/>
-                <a:latin typeface="+mn-lt"/>
-                <a:ea typeface="+mn-ea"/>
-                <a:cs typeface="+mn-cs"/>
-              </a:rPr>
-              <a:t>C++</a:t>
-            </a:r>
-            <a:r>
-              <a:rPr lang="zh-CN" altLang="en-US" sz="1200" b="0" i="0" kern="1200" dirty="0" smtClean="0">
-                <a:solidFill>
-                  <a:schemeClr val="tx1"/>
-                </a:solidFill>
-                <a:effectLst/>
-                <a:latin typeface="+mn-lt"/>
-                <a:ea typeface="+mn-ea"/>
-                <a:cs typeface="+mn-cs"/>
-              </a:rPr>
-              <a:t>标准委员会拥有表决权的成员之一，拥有应用物理学学士和计算机工程硕士学位。</a:t>
-            </a:r>
-            <a:r>
-              <a:rPr lang="en-US" altLang="zh-CN" sz="1200" b="0" i="0" kern="1200" dirty="0" smtClean="0">
-                <a:solidFill>
-                  <a:schemeClr val="tx1"/>
-                </a:solidFill>
-                <a:effectLst/>
-                <a:latin typeface="+mn-lt"/>
-                <a:ea typeface="+mn-ea"/>
-                <a:cs typeface="+mn-cs"/>
-              </a:rPr>
-              <a:t>Bruce </a:t>
-            </a:r>
-            <a:r>
-              <a:rPr lang="en-US" altLang="zh-CN" sz="1200" b="0" i="0" kern="1200" dirty="0" err="1" smtClean="0">
-                <a:solidFill>
-                  <a:schemeClr val="tx1"/>
-                </a:solidFill>
-                <a:effectLst/>
-                <a:latin typeface="+mn-lt"/>
-                <a:ea typeface="+mn-ea"/>
-                <a:cs typeface="+mn-cs"/>
-              </a:rPr>
-              <a:t>Eckel</a:t>
-            </a:r>
-            <a:r>
-              <a:rPr lang="zh-CN" altLang="en-US" sz="1200" b="0" i="0" kern="1200" dirty="0" smtClean="0">
-                <a:solidFill>
-                  <a:schemeClr val="tx1"/>
-                </a:solidFill>
-                <a:effectLst/>
-                <a:latin typeface="+mn-lt"/>
-                <a:ea typeface="+mn-ea"/>
-                <a:cs typeface="+mn-cs"/>
-              </a:rPr>
-              <a:t>从</a:t>
-            </a:r>
-            <a:r>
-              <a:rPr lang="en-US" altLang="zh-CN" sz="1200" b="0" i="0" kern="1200" dirty="0" smtClean="0">
-                <a:solidFill>
-                  <a:schemeClr val="tx1"/>
-                </a:solidFill>
-                <a:effectLst/>
-                <a:latin typeface="+mn-lt"/>
-                <a:ea typeface="+mn-ea"/>
-                <a:cs typeface="+mn-cs"/>
-              </a:rPr>
-              <a:t>1984</a:t>
-            </a:r>
-            <a:r>
-              <a:rPr lang="zh-CN" altLang="en-US" sz="1200" b="0" i="0" kern="1200" dirty="0" smtClean="0">
-                <a:solidFill>
-                  <a:schemeClr val="tx1"/>
-                </a:solidFill>
-                <a:effectLst/>
-                <a:latin typeface="+mn-lt"/>
-                <a:ea typeface="+mn-ea"/>
-                <a:cs typeface="+mn-cs"/>
-              </a:rPr>
-              <a:t>年至今，已经发表了超过</a:t>
-            </a:r>
-            <a:r>
-              <a:rPr lang="en-US" altLang="zh-CN" sz="1200" b="0" i="0" kern="1200" dirty="0" smtClean="0">
-                <a:solidFill>
-                  <a:schemeClr val="tx1"/>
-                </a:solidFill>
-                <a:effectLst/>
-                <a:latin typeface="+mn-lt"/>
-                <a:ea typeface="+mn-ea"/>
-                <a:cs typeface="+mn-cs"/>
-              </a:rPr>
-              <a:t>150</a:t>
-            </a:r>
-            <a:r>
-              <a:rPr lang="zh-CN" altLang="en-US" sz="1200" b="0" i="0" kern="1200" dirty="0" smtClean="0">
-                <a:solidFill>
-                  <a:schemeClr val="tx1"/>
-                </a:solidFill>
-                <a:effectLst/>
-                <a:latin typeface="+mn-lt"/>
-                <a:ea typeface="+mn-ea"/>
-                <a:cs typeface="+mn-cs"/>
-              </a:rPr>
-              <a:t>篇计算机技术文章，出版了</a:t>
-            </a:r>
-            <a:r>
-              <a:rPr lang="en-US" altLang="zh-CN" sz="1200" b="0" i="0" kern="1200" dirty="0" smtClean="0">
-                <a:solidFill>
-                  <a:schemeClr val="tx1"/>
-                </a:solidFill>
-                <a:effectLst/>
-                <a:latin typeface="+mn-lt"/>
-                <a:ea typeface="+mn-ea"/>
-                <a:cs typeface="+mn-cs"/>
-              </a:rPr>
-              <a:t>6</a:t>
-            </a:r>
-            <a:r>
-              <a:rPr lang="zh-CN" altLang="en-US" sz="1200" b="0" i="0" kern="1200" dirty="0" smtClean="0">
-                <a:solidFill>
-                  <a:schemeClr val="tx1"/>
-                </a:solidFill>
-                <a:effectLst/>
-                <a:latin typeface="+mn-lt"/>
-                <a:ea typeface="+mn-ea"/>
-                <a:cs typeface="+mn-cs"/>
-              </a:rPr>
-              <a:t>本书</a:t>
-            </a:r>
-            <a:r>
-              <a:rPr lang="en-US" altLang="zh-CN" sz="1200" b="0" i="0" kern="1200" dirty="0" smtClean="0">
-                <a:solidFill>
-                  <a:schemeClr val="tx1"/>
-                </a:solidFill>
-                <a:effectLst/>
-                <a:latin typeface="+mn-lt"/>
-                <a:ea typeface="+mn-ea"/>
-                <a:cs typeface="+mn-cs"/>
-              </a:rPr>
-              <a:t>.</a:t>
-            </a:r>
-            <a:r>
-              <a:rPr lang="zh-CN" altLang="en-US" sz="1200" b="0" i="0" kern="1200" dirty="0" smtClean="0">
-                <a:solidFill>
-                  <a:schemeClr val="tx1"/>
-                </a:solidFill>
-                <a:effectLst/>
-                <a:latin typeface="+mn-lt"/>
-                <a:ea typeface="+mn-ea"/>
-                <a:cs typeface="+mn-cs"/>
-              </a:rPr>
-              <a:t>他的</a:t>
-            </a:r>
-            <a:r>
-              <a:rPr lang="en-US" altLang="zh-CN" sz="1200" b="0" i="0" kern="1200" dirty="0" smtClean="0">
-                <a:solidFill>
-                  <a:schemeClr val="tx1"/>
-                </a:solidFill>
-                <a:effectLst/>
-                <a:latin typeface="+mn-lt"/>
-                <a:ea typeface="+mn-ea"/>
-                <a:cs typeface="+mn-cs"/>
-              </a:rPr>
-              <a:t>《Thinking in C++》</a:t>
-            </a:r>
-            <a:r>
-              <a:rPr lang="zh-CN" altLang="en-US" sz="1200" b="0" i="0" kern="1200" dirty="0" smtClean="0">
-                <a:solidFill>
-                  <a:schemeClr val="tx1"/>
-                </a:solidFill>
-                <a:effectLst/>
-                <a:latin typeface="+mn-lt"/>
-                <a:ea typeface="+mn-ea"/>
-                <a:cs typeface="+mn-cs"/>
-              </a:rPr>
-              <a:t>一本书在</a:t>
-            </a:r>
-            <a:r>
-              <a:rPr lang="en-US" altLang="zh-CN" sz="1200" b="0" i="0" kern="1200" dirty="0" smtClean="0">
-                <a:solidFill>
-                  <a:schemeClr val="tx1"/>
-                </a:solidFill>
-                <a:effectLst/>
-                <a:latin typeface="+mn-lt"/>
-                <a:ea typeface="+mn-ea"/>
-                <a:cs typeface="+mn-cs"/>
-              </a:rPr>
-              <a:t>1995</a:t>
-            </a:r>
-            <a:r>
-              <a:rPr lang="zh-CN" altLang="en-US" sz="1200" b="0" i="0" kern="1200" dirty="0" smtClean="0">
-                <a:solidFill>
-                  <a:schemeClr val="tx1"/>
-                </a:solidFill>
-                <a:effectLst/>
-                <a:latin typeface="+mn-lt"/>
-                <a:ea typeface="+mn-ea"/>
-                <a:cs typeface="+mn-cs"/>
-              </a:rPr>
-              <a:t>年被评为“最佳软件开发图书”，</a:t>
-            </a:r>
-            <a:r>
-              <a:rPr lang="en-US" altLang="zh-CN" sz="1200" b="0" i="0" kern="1200" dirty="0" smtClean="0">
-                <a:solidFill>
-                  <a:schemeClr val="tx1"/>
-                </a:solidFill>
-                <a:effectLst/>
-                <a:latin typeface="+mn-lt"/>
-                <a:ea typeface="+mn-ea"/>
-                <a:cs typeface="+mn-cs"/>
-              </a:rPr>
-              <a:t>《Thinking in Java》</a:t>
-            </a:r>
-            <a:r>
-              <a:rPr lang="zh-CN" altLang="en-US" sz="1200" b="0" i="0" kern="1200" dirty="0" smtClean="0">
-                <a:solidFill>
-                  <a:schemeClr val="tx1"/>
-                </a:solidFill>
-                <a:effectLst/>
-                <a:latin typeface="+mn-lt"/>
-                <a:ea typeface="+mn-ea"/>
-                <a:cs typeface="+mn-cs"/>
-              </a:rPr>
-              <a:t>被评为</a:t>
-            </a:r>
-            <a:r>
-              <a:rPr lang="en-US" altLang="zh-CN" sz="1200" b="0" i="0" kern="1200" dirty="0" smtClean="0">
-                <a:solidFill>
-                  <a:schemeClr val="tx1"/>
-                </a:solidFill>
-                <a:effectLst/>
-                <a:latin typeface="+mn-lt"/>
-                <a:ea typeface="+mn-ea"/>
-                <a:cs typeface="+mn-cs"/>
-              </a:rPr>
-              <a:t>1999</a:t>
-            </a:r>
-            <a:r>
-              <a:rPr lang="zh-CN" altLang="en-US" sz="1200" b="0" i="0" kern="1200" dirty="0" smtClean="0">
-                <a:solidFill>
-                  <a:schemeClr val="tx1"/>
-                </a:solidFill>
-                <a:effectLst/>
-                <a:latin typeface="+mn-lt"/>
-                <a:ea typeface="+mn-ea"/>
-                <a:cs typeface="+mn-cs"/>
-              </a:rPr>
-              <a:t>年</a:t>
-            </a:r>
-            <a:r>
-              <a:rPr lang="en-US" altLang="zh-CN" sz="1200" b="0" i="0" kern="1200" dirty="0" smtClean="0">
-                <a:solidFill>
-                  <a:schemeClr val="tx1"/>
-                </a:solidFill>
-                <a:effectLst/>
-                <a:latin typeface="+mn-lt"/>
-                <a:ea typeface="+mn-ea"/>
-                <a:cs typeface="+mn-cs"/>
-              </a:rPr>
-              <a:t>Java World“</a:t>
-            </a:r>
-            <a:r>
-              <a:rPr lang="zh-CN" altLang="en-US" sz="1200" b="0" i="0" kern="1200" dirty="0" smtClean="0">
-                <a:solidFill>
-                  <a:schemeClr val="tx1"/>
-                </a:solidFill>
-                <a:effectLst/>
-                <a:latin typeface="+mn-lt"/>
-                <a:ea typeface="+mn-ea"/>
-                <a:cs typeface="+mn-cs"/>
-              </a:rPr>
-              <a:t>最受读者欢迎图书”，并且赢得了编辑首选图书奖。</a:t>
-            </a:r>
-            <a:endParaRPr lang="en-US" altLang="zh-CN" sz="1200" b="0" i="0" kern="1200" dirty="0" smtClean="0">
-              <a:solidFill>
-                <a:schemeClr val="tx1"/>
-              </a:solidFill>
-              <a:effectLst/>
-              <a:latin typeface="+mn-lt"/>
-              <a:ea typeface="+mn-ea"/>
-              <a:cs typeface="+mn-cs"/>
-            </a:endParaRPr>
-          </a:p>
-          <a:p>
-            <a:r>
-              <a:rPr lang="zh-CN" altLang="en-US" sz="1200" b="0" i="0" kern="1200" dirty="0" smtClean="0">
-                <a:solidFill>
-                  <a:schemeClr val="tx1"/>
-                </a:solidFill>
-                <a:effectLst/>
-                <a:latin typeface="+mn-lt"/>
-                <a:ea typeface="+mn-ea"/>
-                <a:cs typeface="+mn-cs"/>
-              </a:rPr>
-              <a:t>作者本身对</a:t>
-            </a:r>
-            <a:r>
-              <a:rPr lang="en-US" altLang="zh-CN" sz="1200" b="0" i="0" kern="1200" dirty="0" smtClean="0">
-                <a:solidFill>
-                  <a:schemeClr val="tx1"/>
-                </a:solidFill>
-                <a:effectLst/>
-                <a:latin typeface="+mn-lt"/>
-                <a:ea typeface="+mn-ea"/>
-                <a:cs typeface="+mn-cs"/>
-              </a:rPr>
-              <a:t>C</a:t>
-            </a:r>
-            <a:r>
-              <a:rPr lang="zh-CN" altLang="en-US" sz="1200" b="0" i="0" kern="1200" dirty="0" smtClean="0">
-                <a:solidFill>
-                  <a:schemeClr val="tx1"/>
-                </a:solidFill>
-                <a:effectLst/>
-                <a:latin typeface="+mn-lt"/>
-                <a:ea typeface="+mn-ea"/>
-                <a:cs typeface="+mn-cs"/>
-              </a:rPr>
-              <a:t>和</a:t>
-            </a:r>
-            <a:r>
-              <a:rPr lang="en-US" altLang="zh-CN" sz="1200" b="0" i="0" kern="1200" dirty="0" smtClean="0">
-                <a:solidFill>
-                  <a:schemeClr val="tx1"/>
-                </a:solidFill>
-                <a:effectLst/>
-                <a:latin typeface="+mn-lt"/>
-                <a:ea typeface="+mn-ea"/>
-                <a:cs typeface="+mn-cs"/>
-              </a:rPr>
-              <a:t>C++</a:t>
-            </a:r>
-            <a:r>
-              <a:rPr lang="zh-CN" altLang="en-US" sz="1200" b="0" i="0" kern="1200" dirty="0" smtClean="0">
-                <a:solidFill>
-                  <a:schemeClr val="tx1"/>
-                </a:solidFill>
-                <a:effectLst/>
-                <a:latin typeface="+mn-lt"/>
-                <a:ea typeface="+mn-ea"/>
-                <a:cs typeface="+mn-cs"/>
-              </a:rPr>
-              <a:t>有非常深刻的理解和认识，因此更加能够了解</a:t>
-            </a:r>
-            <a:r>
-              <a:rPr lang="en-US" altLang="zh-CN" sz="1200" b="0" i="0" kern="1200" dirty="0" smtClean="0">
-                <a:solidFill>
-                  <a:schemeClr val="tx1"/>
-                </a:solidFill>
-                <a:effectLst/>
-                <a:latin typeface="+mn-lt"/>
-                <a:ea typeface="+mn-ea"/>
-                <a:cs typeface="+mn-cs"/>
-              </a:rPr>
-              <a:t>Java</a:t>
-            </a:r>
-            <a:r>
-              <a:rPr lang="zh-CN" altLang="en-US" sz="1200" b="0" i="0" kern="1200" dirty="0" smtClean="0">
-                <a:solidFill>
-                  <a:schemeClr val="tx1"/>
-                </a:solidFill>
-                <a:effectLst/>
-                <a:latin typeface="+mn-lt"/>
-                <a:ea typeface="+mn-ea"/>
-                <a:cs typeface="+mn-cs"/>
-              </a:rPr>
-              <a:t>语言的好处，编程思想，</a:t>
-            </a:r>
-            <a:r>
-              <a:rPr lang="en-US" altLang="zh-CN" sz="1200" b="0" i="0" kern="1200" dirty="0" smtClean="0">
-                <a:solidFill>
-                  <a:schemeClr val="tx1"/>
-                </a:solidFill>
-                <a:effectLst/>
-                <a:latin typeface="+mn-lt"/>
-                <a:ea typeface="+mn-ea"/>
-                <a:cs typeface="+mn-cs"/>
-              </a:rPr>
-              <a:t>Thinking in</a:t>
-            </a:r>
-            <a:r>
-              <a:rPr lang="zh-CN" altLang="en-US" sz="1200" b="0" i="0" kern="1200" dirty="0" smtClean="0">
-                <a:solidFill>
-                  <a:schemeClr val="tx1"/>
-                </a:solidFill>
-                <a:effectLst/>
-                <a:latin typeface="+mn-lt"/>
-                <a:ea typeface="+mn-ea"/>
-                <a:cs typeface="+mn-cs"/>
-              </a:rPr>
-              <a:t>，作者不单单是在简单的介绍语法，而是在同我们一起思考，</a:t>
-            </a:r>
-            <a:r>
-              <a:rPr lang="en-US" altLang="zh-CN" sz="1200" b="0" i="0" kern="1200" dirty="0" smtClean="0">
-                <a:solidFill>
-                  <a:schemeClr val="tx1"/>
-                </a:solidFill>
-                <a:effectLst/>
-                <a:latin typeface="+mn-lt"/>
-                <a:ea typeface="+mn-ea"/>
-                <a:cs typeface="+mn-cs"/>
-              </a:rPr>
-              <a:t>java</a:t>
-            </a:r>
-            <a:r>
-              <a:rPr lang="zh-CN" altLang="en-US" sz="1200" b="0" i="0" kern="1200" dirty="0" smtClean="0">
-                <a:solidFill>
-                  <a:schemeClr val="tx1"/>
-                </a:solidFill>
-                <a:effectLst/>
-                <a:latin typeface="+mn-lt"/>
-                <a:ea typeface="+mn-ea"/>
-                <a:cs typeface="+mn-cs"/>
-              </a:rPr>
-              <a:t>中为什么这样去做，相比于其他编程语言有怎样的好处，我们的课程呢，也将会以这本书为主要参考</a:t>
-            </a:r>
-            <a:endParaRPr lang="en-US" altLang="zh-CN" sz="1200" b="0" i="0" kern="1200" dirty="0" smtClean="0">
-              <a:solidFill>
-                <a:schemeClr val="tx1"/>
-              </a:solidFill>
-              <a:effectLst/>
-              <a:latin typeface="+mn-lt"/>
-              <a:ea typeface="+mn-ea"/>
-              <a:cs typeface="+mn-cs"/>
-            </a:endParaRPr>
-          </a:p>
-          <a:p>
-            <a:endParaRPr lang="en-US" altLang="zh-CN" sz="1200" b="0" i="0" kern="1200" dirty="0" smtClean="0">
-              <a:solidFill>
-                <a:schemeClr val="tx1"/>
-              </a:solidFill>
-              <a:effectLst/>
-              <a:latin typeface="+mn-lt"/>
-              <a:ea typeface="+mn-ea"/>
-              <a:cs typeface="+mn-cs"/>
-            </a:endParaRPr>
-          </a:p>
-          <a:p>
-            <a:r>
-              <a:rPr lang="zh-CN" altLang="en-US" sz="1200" b="0" i="0" kern="1200" dirty="0" smtClean="0">
-                <a:solidFill>
-                  <a:schemeClr val="tx1"/>
-                </a:solidFill>
-                <a:effectLst/>
-                <a:latin typeface="+mn-lt"/>
-                <a:ea typeface="+mn-ea"/>
-                <a:cs typeface="+mn-cs"/>
-              </a:rPr>
-              <a:t>设计模式，四人帮，四位面向对象方面的大师写的，不过是</a:t>
-            </a:r>
-            <a:r>
-              <a:rPr lang="en-US" altLang="zh-CN" sz="1200" b="0" i="0" kern="1200" dirty="0" smtClean="0">
-                <a:solidFill>
-                  <a:schemeClr val="tx1"/>
-                </a:solidFill>
-                <a:effectLst/>
-                <a:latin typeface="+mn-lt"/>
-                <a:ea typeface="+mn-ea"/>
-                <a:cs typeface="+mn-cs"/>
-              </a:rPr>
-              <a:t>C++</a:t>
-            </a:r>
-            <a:r>
-              <a:rPr lang="zh-CN" altLang="en-US" sz="1200" b="0" i="0" kern="1200" dirty="0" smtClean="0">
-                <a:solidFill>
-                  <a:schemeClr val="tx1"/>
-                </a:solidFill>
-                <a:effectLst/>
-                <a:latin typeface="+mn-lt"/>
-                <a:ea typeface="+mn-ea"/>
-                <a:cs typeface="+mn-cs"/>
-              </a:rPr>
-              <a:t>语言的，稍有可惜，但是这个</a:t>
-            </a:r>
-            <a:r>
-              <a:rPr lang="en-US" altLang="zh-CN" sz="1200" b="0" i="0" kern="1200" dirty="0" smtClean="0">
-                <a:solidFill>
-                  <a:schemeClr val="tx1"/>
-                </a:solidFill>
-                <a:effectLst/>
-                <a:latin typeface="+mn-lt"/>
-                <a:ea typeface="+mn-ea"/>
-                <a:cs typeface="+mn-cs"/>
-              </a:rPr>
-              <a:t>23</a:t>
-            </a:r>
-            <a:r>
-              <a:rPr lang="zh-CN" altLang="en-US" sz="1200" b="0" i="0" kern="1200" dirty="0" smtClean="0">
-                <a:solidFill>
-                  <a:schemeClr val="tx1"/>
-                </a:solidFill>
-                <a:effectLst/>
-                <a:latin typeface="+mn-lt"/>
-                <a:ea typeface="+mn-ea"/>
-                <a:cs typeface="+mn-cs"/>
-              </a:rPr>
-              <a:t>种模式是他们所提出的，总结的在面向对象编程中的宝贵经验和最佳实践呢，这本可以说概括总结的最好，你看其中的每一种模式，你都会感觉像是艺术品一样，真的体现了设计的智慧，大家在学习</a:t>
-            </a:r>
-            <a:r>
-              <a:rPr lang="en-US" altLang="zh-CN" sz="1200" b="0" i="0" kern="1200" dirty="0" smtClean="0">
-                <a:solidFill>
-                  <a:schemeClr val="tx1"/>
-                </a:solidFill>
-                <a:effectLst/>
-                <a:latin typeface="+mn-lt"/>
-                <a:ea typeface="+mn-ea"/>
-                <a:cs typeface="+mn-cs"/>
-              </a:rPr>
-              <a:t>java</a:t>
-            </a:r>
-            <a:r>
-              <a:rPr lang="zh-CN" altLang="en-US" sz="1200" b="0" i="0" kern="1200" dirty="0" smtClean="0">
-                <a:solidFill>
-                  <a:schemeClr val="tx1"/>
-                </a:solidFill>
-                <a:effectLst/>
-                <a:latin typeface="+mn-lt"/>
-                <a:ea typeface="+mn-ea"/>
-                <a:cs typeface="+mn-cs"/>
-              </a:rPr>
-              <a:t>一段时间之后可以来看一看真的会感觉收获良多</a:t>
-            </a:r>
-            <a:endParaRPr lang="en-US" altLang="zh-CN" sz="1200" b="0" i="0" kern="1200" dirty="0" smtClean="0">
-              <a:solidFill>
-                <a:schemeClr val="tx1"/>
-              </a:solidFill>
-              <a:effectLst/>
-              <a:latin typeface="+mn-lt"/>
-              <a:ea typeface="+mn-ea"/>
-              <a:cs typeface="+mn-cs"/>
-            </a:endParaRPr>
-          </a:p>
-          <a:p>
-            <a:endParaRPr lang="en-US" altLang="zh-CN" sz="1200" b="0" i="0" kern="1200" dirty="0" smtClean="0">
-              <a:solidFill>
-                <a:schemeClr val="tx1"/>
-              </a:solidFill>
-              <a:effectLst/>
-              <a:latin typeface="+mn-lt"/>
-              <a:ea typeface="+mn-ea"/>
-              <a:cs typeface="+mn-cs"/>
-            </a:endParaRPr>
-          </a:p>
-          <a:p>
-            <a:endParaRPr lang="en-US" altLang="zh-CN" sz="1200" b="0" i="0" kern="1200" dirty="0" smtClean="0">
-              <a:solidFill>
-                <a:schemeClr val="tx1"/>
-              </a:solidFill>
-              <a:effectLst/>
-              <a:latin typeface="+mn-lt"/>
-              <a:ea typeface="+mn-ea"/>
-              <a:cs typeface="+mn-cs"/>
-            </a:endParaRPr>
-          </a:p>
-          <a:p>
-            <a:r>
-              <a:rPr lang="zh-CN" altLang="en-US" sz="1200" b="0" i="0" kern="1200" dirty="0" smtClean="0">
-                <a:solidFill>
-                  <a:schemeClr val="tx1"/>
-                </a:solidFill>
-                <a:effectLst/>
-                <a:latin typeface="+mn-lt"/>
-                <a:ea typeface="+mn-ea"/>
-                <a:cs typeface="+mn-cs"/>
-              </a:rPr>
-              <a:t>重构，啥意思呢？重构（</a:t>
-            </a:r>
-            <a:r>
-              <a:rPr lang="en-US" altLang="zh-CN" sz="1200" b="0" i="0" kern="1200" dirty="0" smtClean="0">
-                <a:solidFill>
-                  <a:schemeClr val="tx1"/>
-                </a:solidFill>
-                <a:effectLst/>
-                <a:latin typeface="+mn-lt"/>
-                <a:ea typeface="+mn-ea"/>
-                <a:cs typeface="+mn-cs"/>
-              </a:rPr>
-              <a:t>Refactoring</a:t>
-            </a:r>
-            <a:r>
-              <a:rPr lang="zh-CN" altLang="en-US" sz="1200" b="0" i="0" kern="1200" dirty="0" smtClean="0">
-                <a:solidFill>
-                  <a:schemeClr val="tx1"/>
-                </a:solidFill>
-                <a:effectLst/>
-                <a:latin typeface="+mn-lt"/>
-                <a:ea typeface="+mn-ea"/>
-                <a:cs typeface="+mn-cs"/>
-              </a:rPr>
-              <a:t>）就是通过调整程序代码改善软件的质量、性能，使其程序的设计模式和架构更趋合理，提高软件的扩展性和维护性。我觉得呢，最开始就可以看这本书了，因为其中很多都是编码的规范，有时候我们的重构一开始就开始了，小到起名字这件事上，不多说，这也是一本好书，这个可以在学习完</a:t>
-            </a:r>
-            <a:r>
-              <a:rPr lang="en-US" altLang="zh-CN" sz="1200" b="0" i="0" kern="1200" dirty="0" smtClean="0">
-                <a:solidFill>
-                  <a:schemeClr val="tx1"/>
-                </a:solidFill>
-                <a:effectLst/>
-                <a:latin typeface="+mn-lt"/>
-                <a:ea typeface="+mn-ea"/>
-                <a:cs typeface="+mn-cs"/>
-              </a:rPr>
-              <a:t>java</a:t>
-            </a:r>
-            <a:r>
-              <a:rPr lang="zh-CN" altLang="en-US" sz="1200" b="0" i="0" kern="1200" dirty="0" smtClean="0">
-                <a:solidFill>
-                  <a:schemeClr val="tx1"/>
-                </a:solidFill>
-                <a:effectLst/>
-                <a:latin typeface="+mn-lt"/>
-                <a:ea typeface="+mn-ea"/>
-                <a:cs typeface="+mn-cs"/>
-              </a:rPr>
-              <a:t>语法就看起来了</a:t>
-            </a:r>
-            <a:endParaRPr lang="en-US" altLang="zh-CN" sz="1200" b="0" i="0" kern="1200" dirty="0" smtClean="0">
-              <a:solidFill>
-                <a:schemeClr val="tx1"/>
-              </a:solidFill>
-              <a:effectLst/>
-              <a:latin typeface="+mn-lt"/>
-              <a:ea typeface="+mn-ea"/>
-              <a:cs typeface="+mn-cs"/>
-            </a:endParaRPr>
-          </a:p>
-          <a:p>
-            <a:endParaRPr lang="en-US" altLang="zh-CN" sz="1200" b="0" i="0" kern="1200" dirty="0" smtClean="0">
-              <a:solidFill>
-                <a:schemeClr val="tx1"/>
-              </a:solidFill>
-              <a:effectLst/>
-              <a:latin typeface="+mn-lt"/>
-              <a:ea typeface="+mn-ea"/>
-              <a:cs typeface="+mn-cs"/>
-            </a:endParaRPr>
-          </a:p>
-          <a:p>
-            <a:r>
-              <a:rPr lang="en-US" altLang="zh-CN" sz="1200" b="0" i="0" kern="1200" dirty="0" smtClean="0">
-                <a:solidFill>
-                  <a:schemeClr val="tx1"/>
-                </a:solidFill>
-                <a:effectLst/>
-                <a:latin typeface="+mn-lt"/>
-                <a:ea typeface="+mn-ea"/>
-                <a:cs typeface="+mn-cs"/>
-              </a:rPr>
-              <a:t>C</a:t>
-            </a:r>
-            <a:r>
-              <a:rPr lang="zh-CN" altLang="en-US" sz="1200" b="0" i="0" kern="1200" dirty="0" smtClean="0">
-                <a:solidFill>
-                  <a:schemeClr val="tx1"/>
-                </a:solidFill>
-                <a:effectLst/>
-                <a:latin typeface="+mn-lt"/>
-                <a:ea typeface="+mn-ea"/>
-                <a:cs typeface="+mn-cs"/>
-              </a:rPr>
-              <a:t>语言程序设计，很薄的一本书，</a:t>
-            </a:r>
-            <a:r>
-              <a:rPr lang="en-US" altLang="zh-CN" sz="1200" b="0" i="0" kern="1200" dirty="0" smtClean="0">
-                <a:solidFill>
-                  <a:schemeClr val="tx1"/>
-                </a:solidFill>
-                <a:effectLst/>
-                <a:latin typeface="+mn-lt"/>
-                <a:ea typeface="+mn-ea"/>
-                <a:cs typeface="+mn-cs"/>
-              </a:rPr>
-              <a:t>C</a:t>
-            </a:r>
-            <a:r>
-              <a:rPr lang="zh-CN" altLang="en-US" sz="1200" b="0" i="0" kern="1200" dirty="0" smtClean="0">
-                <a:solidFill>
-                  <a:schemeClr val="tx1"/>
-                </a:solidFill>
-                <a:effectLst/>
-                <a:latin typeface="+mn-lt"/>
-                <a:ea typeface="+mn-ea"/>
-                <a:cs typeface="+mn-cs"/>
-              </a:rPr>
-              <a:t>语言的语法规则本来就是简洁的，看这本书我们能了解到</a:t>
-            </a:r>
-            <a:r>
-              <a:rPr lang="en-US" altLang="zh-CN" sz="1200" b="0" i="0" kern="1200" dirty="0" smtClean="0">
-                <a:solidFill>
-                  <a:schemeClr val="tx1"/>
-                </a:solidFill>
-                <a:effectLst/>
-                <a:latin typeface="+mn-lt"/>
-                <a:ea typeface="+mn-ea"/>
-                <a:cs typeface="+mn-cs"/>
-              </a:rPr>
-              <a:t>C</a:t>
-            </a:r>
-            <a:r>
-              <a:rPr lang="zh-CN" altLang="en-US" sz="1200" b="0" i="0" kern="1200" dirty="0" smtClean="0">
-                <a:solidFill>
-                  <a:schemeClr val="tx1"/>
-                </a:solidFill>
-                <a:effectLst/>
-                <a:latin typeface="+mn-lt"/>
-                <a:ea typeface="+mn-ea"/>
-                <a:cs typeface="+mn-cs"/>
-              </a:rPr>
-              <a:t>语言的简洁之美，不过也会知道其中的很多令人苦恼的地方，在看到这些地方后，你会明白，</a:t>
-            </a:r>
-            <a:r>
-              <a:rPr lang="en-US" altLang="zh-CN" sz="1200" b="0" i="0" kern="1200" dirty="0" smtClean="0">
-                <a:solidFill>
-                  <a:schemeClr val="tx1"/>
-                </a:solidFill>
-                <a:effectLst/>
-                <a:latin typeface="+mn-lt"/>
-                <a:ea typeface="+mn-ea"/>
-                <a:cs typeface="+mn-cs"/>
-              </a:rPr>
-              <a:t>Java</a:t>
-            </a:r>
-            <a:r>
-              <a:rPr lang="zh-CN" altLang="en-US" sz="1200" b="0" i="0" kern="1200" dirty="0" smtClean="0">
-                <a:solidFill>
-                  <a:schemeClr val="tx1"/>
-                </a:solidFill>
-                <a:effectLst/>
-                <a:latin typeface="+mn-lt"/>
-                <a:ea typeface="+mn-ea"/>
-                <a:cs typeface="+mn-cs"/>
-              </a:rPr>
-              <a:t>语言为什么是这样的原因，</a:t>
-            </a:r>
-            <a:r>
-              <a:rPr lang="en-US" altLang="zh-CN" sz="1200" b="0" i="0" kern="1200" dirty="0" smtClean="0">
-                <a:solidFill>
-                  <a:schemeClr val="tx1"/>
-                </a:solidFill>
-                <a:effectLst/>
-                <a:latin typeface="+mn-lt"/>
-                <a:ea typeface="+mn-ea"/>
-                <a:cs typeface="+mn-cs"/>
-              </a:rPr>
-              <a:t>java</a:t>
-            </a:r>
-            <a:r>
-              <a:rPr lang="zh-CN" altLang="en-US" sz="1200" b="0" i="0" kern="1200" dirty="0" smtClean="0">
-                <a:solidFill>
-                  <a:schemeClr val="tx1"/>
-                </a:solidFill>
-                <a:effectLst/>
-                <a:latin typeface="+mn-lt"/>
-                <a:ea typeface="+mn-ea"/>
-                <a:cs typeface="+mn-cs"/>
-              </a:rPr>
-              <a:t>为我们带来了多少的方便，通过对比我们也可能会认识到</a:t>
-            </a:r>
-            <a:r>
-              <a:rPr lang="en-US" altLang="zh-CN" sz="1200" b="0" i="0" kern="1200" dirty="0" smtClean="0">
-                <a:solidFill>
-                  <a:schemeClr val="tx1"/>
-                </a:solidFill>
-                <a:effectLst/>
-                <a:latin typeface="+mn-lt"/>
-                <a:ea typeface="+mn-ea"/>
-                <a:cs typeface="+mn-cs"/>
-              </a:rPr>
-              <a:t>Java</a:t>
-            </a:r>
-            <a:r>
-              <a:rPr lang="zh-CN" altLang="en-US" sz="1200" b="0" i="0" kern="1200" dirty="0" smtClean="0">
-                <a:solidFill>
-                  <a:schemeClr val="tx1"/>
-                </a:solidFill>
-                <a:effectLst/>
-                <a:latin typeface="+mn-lt"/>
-                <a:ea typeface="+mn-ea"/>
-                <a:cs typeface="+mn-cs"/>
-              </a:rPr>
-              <a:t>的一些局限，对比可能会让你对</a:t>
-            </a:r>
-            <a:r>
-              <a:rPr lang="en-US" altLang="zh-CN" sz="1200" b="0" i="0" kern="1200" dirty="0" smtClean="0">
-                <a:solidFill>
-                  <a:schemeClr val="tx1"/>
-                </a:solidFill>
-                <a:effectLst/>
-                <a:latin typeface="+mn-lt"/>
-                <a:ea typeface="+mn-ea"/>
-                <a:cs typeface="+mn-cs"/>
-              </a:rPr>
-              <a:t>Java</a:t>
-            </a:r>
-            <a:r>
-              <a:rPr lang="zh-CN" altLang="en-US" sz="1200" b="0" i="0" kern="1200" dirty="0" smtClean="0">
-                <a:solidFill>
-                  <a:schemeClr val="tx1"/>
-                </a:solidFill>
-                <a:effectLst/>
-                <a:latin typeface="+mn-lt"/>
-                <a:ea typeface="+mn-ea"/>
-                <a:cs typeface="+mn-cs"/>
-              </a:rPr>
-              <a:t>的理解更为深入</a:t>
-            </a:r>
-            <a:endParaRPr lang="en-US" altLang="zh-CN" sz="1200" b="0" i="0" kern="1200" dirty="0" smtClean="0">
-              <a:solidFill>
-                <a:schemeClr val="tx1"/>
-              </a:solidFill>
-              <a:effectLst/>
-              <a:latin typeface="+mn-lt"/>
-              <a:ea typeface="+mn-ea"/>
-              <a:cs typeface="+mn-cs"/>
-            </a:endParaRPr>
-          </a:p>
-          <a:p>
-            <a:endParaRPr lang="en-US" altLang="zh-CN" sz="1200" b="0" i="0" kern="1200" dirty="0" smtClean="0">
-              <a:solidFill>
-                <a:schemeClr val="tx1"/>
-              </a:solidFill>
-              <a:effectLst/>
-              <a:latin typeface="+mn-lt"/>
-              <a:ea typeface="+mn-ea"/>
-              <a:cs typeface="+mn-cs"/>
-            </a:endParaRPr>
-          </a:p>
-          <a:p>
-            <a:r>
-              <a:rPr lang="zh-CN" altLang="en-US" sz="1200" b="0" i="0" kern="1200" dirty="0" smtClean="0">
-                <a:solidFill>
-                  <a:schemeClr val="tx1"/>
-                </a:solidFill>
-                <a:effectLst/>
-                <a:latin typeface="+mn-lt"/>
-                <a:ea typeface="+mn-ea"/>
-                <a:cs typeface="+mn-cs"/>
-              </a:rPr>
-              <a:t>最后一本书是国人写的，写的关键还很棒，真的是国人的骄傲，如果我们编写</a:t>
-            </a:r>
-            <a:r>
-              <a:rPr lang="en-US" altLang="zh-CN" sz="1200" b="0" i="0" kern="1200" dirty="0" smtClean="0">
-                <a:solidFill>
-                  <a:schemeClr val="tx1"/>
-                </a:solidFill>
-                <a:effectLst/>
-                <a:latin typeface="+mn-lt"/>
-                <a:ea typeface="+mn-ea"/>
-                <a:cs typeface="+mn-cs"/>
-              </a:rPr>
-              <a:t>java</a:t>
-            </a:r>
-            <a:r>
-              <a:rPr lang="zh-CN" altLang="en-US" sz="1200" b="0" i="0" kern="1200" dirty="0" smtClean="0">
-                <a:solidFill>
-                  <a:schemeClr val="tx1"/>
-                </a:solidFill>
-                <a:effectLst/>
-                <a:latin typeface="+mn-lt"/>
-                <a:ea typeface="+mn-ea"/>
-                <a:cs typeface="+mn-cs"/>
-              </a:rPr>
-              <a:t>程序有一段时间了，想要进一步深入了解下</a:t>
-            </a:r>
-            <a:r>
-              <a:rPr lang="en-US" altLang="zh-CN" sz="1200" b="0" i="0" kern="1200" dirty="0" smtClean="0">
-                <a:solidFill>
-                  <a:schemeClr val="tx1"/>
-                </a:solidFill>
-                <a:effectLst/>
-                <a:latin typeface="+mn-lt"/>
-                <a:ea typeface="+mn-ea"/>
-                <a:cs typeface="+mn-cs"/>
-              </a:rPr>
-              <a:t>java</a:t>
-            </a:r>
-            <a:r>
-              <a:rPr lang="zh-CN" altLang="en-US" sz="1200" b="0" i="0" kern="1200" dirty="0" smtClean="0">
-                <a:solidFill>
-                  <a:schemeClr val="tx1"/>
-                </a:solidFill>
-                <a:effectLst/>
-                <a:latin typeface="+mn-lt"/>
-                <a:ea typeface="+mn-ea"/>
-                <a:cs typeface="+mn-cs"/>
-              </a:rPr>
-              <a:t>运行的原理，我推荐大家看下这本书，写的真的很好</a:t>
-            </a:r>
-            <a:endParaRPr lang="en-US" altLang="zh-CN" sz="1200" b="0" i="0" kern="1200" dirty="0" smtClean="0">
-              <a:solidFill>
-                <a:schemeClr val="tx1"/>
-              </a:solidFill>
-              <a:effectLst/>
-              <a:latin typeface="+mn-lt"/>
-              <a:ea typeface="+mn-ea"/>
-              <a:cs typeface="+mn-cs"/>
-            </a:endParaRPr>
-          </a:p>
-          <a:p>
-            <a:endParaRPr lang="en-US" altLang="zh-CN" sz="1200" b="0" i="0" kern="1200" dirty="0" smtClean="0">
-              <a:solidFill>
-                <a:schemeClr val="tx1"/>
-              </a:solidFill>
-              <a:effectLst/>
-              <a:latin typeface="+mn-lt"/>
-              <a:ea typeface="+mn-ea"/>
-              <a:cs typeface="+mn-cs"/>
-            </a:endParaRPr>
-          </a:p>
-          <a:p>
-            <a:endParaRPr lang="en-US" altLang="zh-CN" sz="1200" b="0" i="0" kern="1200" dirty="0" smtClean="0">
-              <a:solidFill>
-                <a:schemeClr val="tx1"/>
-              </a:solidFill>
-              <a:effectLst/>
-              <a:latin typeface="+mn-lt"/>
-              <a:ea typeface="+mn-ea"/>
-              <a:cs typeface="+mn-cs"/>
-            </a:endParaRPr>
-          </a:p>
-          <a:p>
-            <a:endParaRPr lang="en-US" altLang="zh-CN" sz="1200" b="0" i="0" kern="1200" dirty="0" smtClean="0">
-              <a:solidFill>
-                <a:schemeClr val="tx1"/>
-              </a:solidFill>
-              <a:effectLst/>
-              <a:latin typeface="+mn-lt"/>
-              <a:ea typeface="+mn-ea"/>
-              <a:cs typeface="+mn-cs"/>
-            </a:endParaRPr>
-          </a:p>
-          <a:p>
-            <a:endParaRPr lang="en-US" altLang="zh-CN" sz="1200" b="0" i="0" kern="1200" dirty="0" smtClean="0">
-              <a:solidFill>
-                <a:schemeClr val="tx1"/>
-              </a:solidFill>
-              <a:effectLst/>
-              <a:latin typeface="+mn-lt"/>
-              <a:ea typeface="+mn-ea"/>
-              <a:cs typeface="+mn-cs"/>
-            </a:endParaRPr>
-          </a:p>
-          <a:p>
-            <a:endParaRPr lang="zh-CN" altLang="en-US" dirty="0"/>
-          </a:p>
-        </p:txBody>
-      </p:sp>
-      <p:sp>
-        <p:nvSpPr>
-          <p:cNvPr id="4" name="灯片编号占位符 3"/>
-          <p:cNvSpPr>
-            <a:spLocks noGrp="1"/>
-          </p:cNvSpPr>
-          <p:nvPr>
-            <p:ph type="sldNum" sz="quarter" idx="10"/>
-          </p:nvPr>
-        </p:nvSpPr>
-        <p:spPr/>
-        <p:txBody>
-          <a:bodyPr/>
-          <a:lstStyle/>
-          <a:p>
-            <a:pPr marL="0" marR="0" lvl="0" indent="0" algn="r" defTabSz="914400" rtl="0" eaLnBrk="1" fontAlgn="auto" latinLnBrk="0" hangingPunct="1">
-              <a:lnSpc>
-                <a:spcPct val="100000"/>
-              </a:lnSpc>
-              <a:spcBef>
-                <a:spcPts val="0"/>
-              </a:spcBef>
-              <a:spcAft>
-                <a:spcPts val="0"/>
-              </a:spcAft>
-              <a:buClrTx/>
-              <a:buSzTx/>
-              <a:buFontTx/>
-              <a:buNone/>
-              <a:tabLst/>
-              <a:defRPr/>
-            </a:pPr>
-            <a:fld id="{38A8ACF5-C29D-4199-AE4F-AD7991FDFB26}" type="slidenum">
-              <a:rPr kumimoji="0" lang="zh-CN" altLang="en-US" sz="1200" b="0" i="0" u="none" strike="noStrike" kern="1200" cap="none" spc="0" normalizeH="0" baseline="0" noProof="0" smtClean="0">
-                <a:ln>
-                  <a:noFill/>
-                </a:ln>
-                <a:solidFill>
-                  <a:prstClr val="black"/>
-                </a:solidFill>
-                <a:effectLst/>
-                <a:uLnTx/>
-                <a:uFillTx/>
-                <a:latin typeface="等线" panose="020F0502020204030204"/>
-                <a:ea typeface="等线" panose="02010600030101010101" pitchFamily="2" charset="-122"/>
-                <a:cs typeface="+mn-cs"/>
-              </a:rPr>
-              <a:pPr marL="0" marR="0" lvl="0" indent="0" algn="r" defTabSz="914400" rtl="0" eaLnBrk="1" fontAlgn="auto" latinLnBrk="0" hangingPunct="1">
-                <a:lnSpc>
-                  <a:spcPct val="100000"/>
-                </a:lnSpc>
-                <a:spcBef>
-                  <a:spcPts val="0"/>
-                </a:spcBef>
-                <a:spcAft>
-                  <a:spcPts val="0"/>
-                </a:spcAft>
-                <a:buClrTx/>
-                <a:buSzTx/>
-                <a:buFontTx/>
-                <a:buNone/>
-                <a:tabLst/>
-                <a:defRPr/>
-              </a:pPr>
-              <a:t>4</a:t>
-            </a:fld>
-            <a:endParaRPr kumimoji="0" lang="zh-CN" altLang="en-US" sz="1200" b="0" i="0" u="none" strike="noStrike" kern="1200" cap="none" spc="0" normalizeH="0" baseline="0" noProof="0">
-              <a:ln>
-                <a:noFill/>
-              </a:ln>
-              <a:solidFill>
-                <a:prstClr val="black"/>
-              </a:solidFill>
-              <a:effectLst/>
-              <a:uLnTx/>
-              <a:uFillTx/>
-              <a:latin typeface="等线" panose="020F0502020204030204"/>
-              <a:ea typeface="等线" panose="02010600030101010101" pitchFamily="2" charset="-122"/>
-              <a:cs typeface="+mn-cs"/>
-            </a:endParaRPr>
-          </a:p>
-        </p:txBody>
-      </p:sp>
-    </p:spTree>
-    <p:extLst>
-      <p:ext uri="{BB962C8B-B14F-4D97-AF65-F5344CB8AC3E}">
-        <p14:creationId xmlns:p14="http://schemas.microsoft.com/office/powerpoint/2010/main" val="1895426426"/>
-      </p:ext>
-    </p:extLst>
-  </p:cSld>
-  <p:clrMapOvr>
-    <a:masterClrMapping/>
-  </p:clrMapOvr>
-</p:notes>
-</file>
-
-<file path=ppt/notesSlides/notesSlide5.xml><?xml version="1.0" encoding="utf-8"?>
-<p:notes xmlns:a="http://schemas.openxmlformats.org/drawingml/2006/main" xmlns:r="http://schemas.openxmlformats.org/officeDocument/2006/relationships" xmlns:p="http://schemas.openxmlformats.org/presentationml/2006/main">
-  <p:cSld>
-    <p:spTree>
-      <p:nvGrpSpPr>
-        <p:cNvPr id="1" name=""/>
-        <p:cNvGrpSpPr/>
-        <p:nvPr/>
-      </p:nvGrpSpPr>
-      <p:grpSpPr>
-        <a:xfrm>
-          <a:off x="0" y="0"/>
-          <a:ext cx="0" cy="0"/>
-          <a:chOff x="0" y="0"/>
-          <a:chExt cx="0" cy="0"/>
-        </a:xfrm>
-      </p:grpSpPr>
-      <p:sp>
-        <p:nvSpPr>
-          <p:cNvPr id="2" name="幻灯片图像占位符 1"/>
-          <p:cNvSpPr>
-            <a:spLocks noGrp="1" noRot="1" noChangeAspect="1"/>
-          </p:cNvSpPr>
-          <p:nvPr>
-            <p:ph type="sldImg"/>
-          </p:nvPr>
-        </p:nvSpPr>
-        <p:spPr/>
-      </p:sp>
-      <p:sp>
-        <p:nvSpPr>
-          <p:cNvPr id="3" name="备注占位符 2"/>
-          <p:cNvSpPr>
-            <a:spLocks noGrp="1"/>
-          </p:cNvSpPr>
-          <p:nvPr>
-            <p:ph type="body" idx="1"/>
-          </p:nvPr>
-        </p:nvSpPr>
-        <p:spPr/>
-        <p:txBody>
-          <a:bodyPr/>
-          <a:lstStyle/>
-          <a:p>
-            <a:r>
-              <a:rPr lang="en-US" altLang="zh-CN" dirty="0" smtClean="0"/>
-              <a:t>OK</a:t>
-            </a:r>
-            <a:r>
-              <a:rPr lang="zh-CN" altLang="en-US" dirty="0" smtClean="0"/>
-              <a:t>，其他的全部可以忘记了，大家记住这两点就可以了，下一讲那，我将会带大家正式去写一个</a:t>
-            </a:r>
-            <a:r>
-              <a:rPr lang="en-US" altLang="zh-CN" dirty="0" smtClean="0"/>
-              <a:t>Java</a:t>
-            </a:r>
-            <a:r>
-              <a:rPr lang="zh-CN" altLang="en-US" dirty="0" smtClean="0"/>
-              <a:t>小程序，写完这个小程序那，大家就可以说，哦，我是一个</a:t>
-            </a:r>
-            <a:r>
-              <a:rPr lang="en-US" altLang="zh-CN" dirty="0" smtClean="0"/>
-              <a:t>Java</a:t>
-            </a:r>
-            <a:r>
-              <a:rPr lang="zh-CN" altLang="en-US" dirty="0" smtClean="0"/>
-              <a:t>程序员了，尽管要合格还需要努力，</a:t>
-            </a:r>
-            <a:r>
-              <a:rPr lang="en-US" altLang="zh-CN" dirty="0" smtClean="0"/>
-              <a:t>OK</a:t>
-            </a:r>
-            <a:r>
-              <a:rPr lang="zh-CN" altLang="en-US" dirty="0" smtClean="0"/>
-              <a:t>就是这些了</a:t>
-            </a:r>
             <a:endParaRPr lang="zh-CN" altLang="en-US" dirty="0"/>
           </a:p>
         </p:txBody>
@@ -2500,7 +905,7 @@
 </p:notes>
 </file>
 
-<file path=ppt/notesSlides/notesSlide6.xml><?xml version="1.0" encoding="utf-8"?>
+<file path=ppt/notesSlides/notesSlide4.xml><?xml version="1.0" encoding="utf-8"?>
 <p:notes xmlns:a="http://schemas.openxmlformats.org/drawingml/2006/main" xmlns:r="http://schemas.openxmlformats.org/officeDocument/2006/relationships" xmlns:p="http://schemas.openxmlformats.org/presentationml/2006/main">
   <p:cSld>
     <p:spTree>
@@ -2544,101 +949,7 @@
           <a:bodyPr/>
           <a:lstStyle/>
           <a:p>
-            <a:r>
-              <a:rPr lang="zh-CN" altLang="en-US" dirty="0" smtClean="0"/>
-              <a:t>最后那我想说下，和大家交流沟通的方式哈，首先是微博，如果新的视频或者分享那我会在微博上通知大家，如果大家有编程方面的相关问题呢，我也会尽量的回答大家，因为本人工作原因，可能会回答不及时哈，请大家见谅哈</a:t>
-            </a:r>
-            <a:endParaRPr lang="en-US" altLang="zh-CN" dirty="0" smtClean="0"/>
-          </a:p>
-          <a:p>
-            <a:r>
-              <a:rPr lang="zh-CN" altLang="en-US" dirty="0" smtClean="0"/>
-              <a:t>教学视频我会上传到优酷和</a:t>
-            </a:r>
-            <a:r>
-              <a:rPr lang="en-US" altLang="zh-CN" dirty="0" smtClean="0"/>
-              <a:t>BiliBili</a:t>
-            </a:r>
-            <a:r>
-              <a:rPr lang="zh-CN" altLang="en-US" dirty="0" smtClean="0"/>
-              <a:t>上的</a:t>
-            </a:r>
-            <a:endParaRPr lang="en-US" altLang="zh-CN" dirty="0" smtClean="0"/>
-          </a:p>
-          <a:p>
-            <a:r>
-              <a:rPr lang="en-US" altLang="zh-CN" dirty="0" smtClean="0"/>
-              <a:t>GitHub</a:t>
-            </a:r>
-            <a:r>
-              <a:rPr lang="zh-CN" altLang="en-US" dirty="0" smtClean="0"/>
-              <a:t>那这个网站可能大家不是很熟悉哈，这个是全球最大的同性交友网站哈，因为上这个网站的基本都是程序员，哈哈，如何使用</a:t>
-            </a:r>
-            <a:r>
-              <a:rPr lang="en-US" altLang="zh-CN" dirty="0" err="1" smtClean="0"/>
-              <a:t>git</a:t>
-            </a:r>
-            <a:r>
-              <a:rPr lang="zh-CN" altLang="en-US" dirty="0" smtClean="0"/>
-              <a:t>和</a:t>
-            </a:r>
-            <a:r>
-              <a:rPr lang="en-US" altLang="zh-CN" dirty="0" err="1" smtClean="0"/>
-              <a:t>github</a:t>
-            </a:r>
-            <a:r>
-              <a:rPr lang="zh-CN" altLang="en-US" dirty="0" smtClean="0"/>
-              <a:t>还需要大家学习一下呢，简单的讲那它可以帮助维护项目，可以上传到上面一些文件，而大家都可以进行下载，或者提交，我会将</a:t>
-            </a:r>
-            <a:r>
-              <a:rPr lang="en-US" altLang="zh-CN" dirty="0" err="1" smtClean="0"/>
-              <a:t>ppt</a:t>
-            </a:r>
-            <a:r>
-              <a:rPr lang="zh-CN" altLang="en-US" dirty="0" smtClean="0"/>
-              <a:t>和相关的资料上传到这个网站上，后期那，我会留一些题目，大家可以在这个网站上提交答案，另外后期我会带大家一起做一个小项目，进行简单的实战，我们的代码那，会在这个网站上进行维护</a:t>
-            </a:r>
-            <a:endParaRPr lang="en-US" altLang="zh-CN" dirty="0" smtClean="0"/>
-          </a:p>
-          <a:p>
-            <a:pPr marL="0" marR="0" indent="0" algn="l" defTabSz="914400" rtl="0" eaLnBrk="1" fontAlgn="auto" latinLnBrk="0" hangingPunct="1">
-              <a:lnSpc>
-                <a:spcPct val="100000"/>
-              </a:lnSpc>
-              <a:spcBef>
-                <a:spcPts val="0"/>
-              </a:spcBef>
-              <a:spcAft>
-                <a:spcPts val="0"/>
-              </a:spcAft>
-              <a:buClrTx/>
-              <a:buSzTx/>
-              <a:buFontTx/>
-              <a:buNone/>
-              <a:tabLst/>
-              <a:defRPr/>
-            </a:pPr>
-            <a:r>
-              <a:rPr lang="en-US" altLang="zh-CN" sz="1200" b="1" dirty="0" smtClean="0">
-                <a:latin typeface="幼圆" panose="02010509060101010101" pitchFamily="49" charset="-122"/>
-                <a:ea typeface="幼圆" panose="02010509060101010101" pitchFamily="49" charset="-122"/>
-              </a:rPr>
-              <a:t>www.ezcode.top</a:t>
-            </a:r>
-            <a:r>
-              <a:rPr lang="zh-CN" altLang="en-US" sz="1200" b="1" dirty="0" smtClean="0">
-                <a:latin typeface="幼圆" panose="02010509060101010101" pitchFamily="49" charset="-122"/>
-                <a:ea typeface="幼圆" panose="02010509060101010101" pitchFamily="49" charset="-122"/>
-              </a:rPr>
-              <a:t>，这个网站域名那我已经申请下来了，不过现在还没有开通，后期我会把这个网站搭起来，这样那以后和大家交流就会更加方便哈</a:t>
-            </a:r>
-            <a:endParaRPr lang="en-US" altLang="zh-CN" sz="1200" b="1" dirty="0" smtClean="0">
-              <a:latin typeface="幼圆" panose="02010509060101010101" pitchFamily="49" charset="-122"/>
-              <a:ea typeface="幼圆" panose="02010509060101010101" pitchFamily="49" charset="-122"/>
-            </a:endParaRPr>
-          </a:p>
-          <a:p>
-            <a:endParaRPr lang="en-US" altLang="zh-CN" dirty="0" smtClean="0"/>
+            <a:endParaRPr lang="zh-CN" altLang="en-US" dirty="0"/>
           </a:p>
         </p:txBody>
       </p:sp>
@@ -2706,7 +1017,151 @@
                 <a:tabLst/>
                 <a:defRPr/>
               </a:pPr>
-              <a:t>6</a:t>
+              <a:t>7</a:t>
+            </a:fld>
+            <a:endParaRPr kumimoji="0" lang="zh-CN" altLang="en-US" sz="1200" b="0" i="0" u="none" strike="noStrike" kern="1200" cap="none" spc="0" normalizeH="0" baseline="0" noProof="0">
+              <a:ln>
+                <a:noFill/>
+              </a:ln>
+              <a:solidFill>
+                <a:prstClr val="black"/>
+              </a:solidFill>
+              <a:effectLst/>
+              <a:uLnTx/>
+              <a:uFillTx/>
+              <a:latin typeface="等线" panose="020F0502020204030204"/>
+              <a:ea typeface="等线" panose="02010600030101010101" pitchFamily="2" charset="-122"/>
+              <a:cs typeface="+mn-cs"/>
+            </a:endParaRPr>
+          </a:p>
+        </p:txBody>
+      </p:sp>
+    </p:spTree>
+    <p:extLst>
+      <p:ext uri="{BB962C8B-B14F-4D97-AF65-F5344CB8AC3E}">
+        <p14:creationId xmlns:p14="http://schemas.microsoft.com/office/powerpoint/2010/main" val="3985392900"/>
+      </p:ext>
+    </p:extLst>
+  </p:cSld>
+  <p:clrMapOvr>
+    <a:masterClrMapping/>
+  </p:clrMapOvr>
+</p:notes>
+</file>
+
+<file path=ppt/notesSlides/notesSlide5.xml><?xml version="1.0" encoding="utf-8"?>
+<p:notes xmlns:a="http://schemas.openxmlformats.org/drawingml/2006/main" xmlns:r="http://schemas.openxmlformats.org/officeDocument/2006/relationships" xmlns:p="http://schemas.openxmlformats.org/presentationml/2006/main">
+  <p:cSld>
+    <p:spTree>
+      <p:nvGrpSpPr>
+        <p:cNvPr id="1" name=""/>
+        <p:cNvGrpSpPr/>
+        <p:nvPr/>
+      </p:nvGrpSpPr>
+      <p:grpSpPr>
+        <a:xfrm>
+          <a:off x="0" y="0"/>
+          <a:ext cx="0" cy="0"/>
+          <a:chOff x="0" y="0"/>
+          <a:chExt cx="0" cy="0"/>
+        </a:xfrm>
+      </p:grpSpPr>
+      <p:sp>
+        <p:nvSpPr>
+          <p:cNvPr id="2" name="幻灯片图像占位符 1"/>
+          <p:cNvSpPr>
+            <a:spLocks noGrp="1" noRot="1" noChangeAspect="1"/>
+          </p:cNvSpPr>
+          <p:nvPr>
+            <p:ph type="sldImg"/>
+          </p:nvPr>
+        </p:nvSpPr>
+        <p:spPr/>
+      </p:sp>
+      <p:sp>
+        <p:nvSpPr>
+          <p:cNvPr id="3" name="备注占位符 2"/>
+          <p:cNvSpPr>
+            <a:spLocks noGrp="1"/>
+          </p:cNvSpPr>
+          <p:nvPr>
+            <p:ph type="body" idx="1"/>
+          </p:nvPr>
+        </p:nvSpPr>
+        <p:spPr/>
+        <p:txBody>
+          <a:bodyPr/>
+          <a:lstStyle/>
+          <a:p>
+            <a:endParaRPr lang="en-US" altLang="zh-CN" dirty="0" smtClean="0"/>
+          </a:p>
+        </p:txBody>
+      </p:sp>
+      <p:sp>
+        <p:nvSpPr>
+          <p:cNvPr id="4" name="灯片编号占位符 3"/>
+          <p:cNvSpPr>
+            <a:spLocks noGrp="1"/>
+          </p:cNvSpPr>
+          <p:nvPr>
+            <p:ph type="sldNum" sz="quarter" idx="10"/>
+          </p:nvPr>
+        </p:nvSpPr>
+        <p:spPr/>
+        <p:txBody>
+          <a:bodyPr/>
+          <a:lstStyle/>
+          <a:p>
+            <a:pPr marL="0" marR="0" lvl="0" indent="0" algn="r" defTabSz="914400" rtl="0" eaLnBrk="1" fontAlgn="auto" latinLnBrk="0" hangingPunct="1">
+              <a:lnSpc>
+                <a:spcPct val="100000"/>
+              </a:lnSpc>
+              <a:spcBef>
+                <a:spcPts val="0"/>
+              </a:spcBef>
+              <a:spcAft>
+                <a:spcPts val="0"/>
+              </a:spcAft>
+              <a:buClrTx/>
+              <a:buSzTx/>
+              <a:buFontTx/>
+              <a:buNone/>
+              <a:tabLst/>
+              <a:defRPr/>
+            </a:pPr>
+            <a:fld id="{38A8ACF5-C29D-4199-AE4F-AD7991FDFB26}" type="slidenum">
+              <a:rPr kumimoji="0" lang="zh-CN" altLang="en-US" sz="1200" b="0" i="0" u="none" strike="noStrike" kern="1200" cap="none" spc="0" normalizeH="0" baseline="0" noProof="0" smtClean="0">
+                <a:ln>
+                  <a:noFill/>
+                </a:ln>
+                <a:solidFill>
+                  <a:prstClr val="black"/>
+                </a:solidFill>
+                <a:effectLst/>
+                <a:uLnTx/>
+                <a:uFillTx/>
+                <a:latin typeface="等线" panose="020F0502020204030204"/>
+                <a:ea typeface="等线" panose="02010600030101010101" pitchFamily="2" charset="-122"/>
+                <a:cs typeface="+mn-cs"/>
+              </a:rPr>
+              <a:pPr marL="0" marR="0" lvl="0" indent="0" algn="r" defTabSz="914400" rtl="0" eaLnBrk="1" fontAlgn="auto" latinLnBrk="0" hangingPunct="1">
+                <a:lnSpc>
+                  <a:spcPct val="100000"/>
+                </a:lnSpc>
+                <a:spcBef>
+                  <a:spcPts val="0"/>
+                </a:spcBef>
+                <a:spcAft>
+                  <a:spcPts val="0"/>
+                </a:spcAft>
+                <a:buClrTx/>
+                <a:buSzTx/>
+                <a:buFontTx/>
+                <a:buNone/>
+                <a:tabLst/>
+                <a:defRPr/>
+              </a:pPr>
+              <a:t>8</a:t>
             </a:fld>
             <a:endParaRPr kumimoji="0" lang="zh-CN" altLang="en-US" sz="1200" b="0" i="0" u="none" strike="noStrike" kern="1200" cap="none" spc="0" normalizeH="0" baseline="0" noProof="0">
               <a:ln>
@@ -2869,7 +1324,7 @@
           <a:p>
             <a:fld id="{89BF8D4C-89B2-4590-AA77-2C8AAB3168F9}" type="datetimeFigureOut">
               <a:rPr lang="zh-CN" altLang="en-US" smtClean="0"/>
-              <a:t>2018/3/25</a:t>
+              <a:t>2018/4/1</a:t>
             </a:fld>
             <a:endParaRPr lang="zh-CN" altLang="en-US"/>
           </a:p>
@@ -3039,7 +1494,7 @@
           <a:p>
             <a:fld id="{89BF8D4C-89B2-4590-AA77-2C8AAB3168F9}" type="datetimeFigureOut">
               <a:rPr lang="zh-CN" altLang="en-US" smtClean="0"/>
-              <a:t>2018/3/25</a:t>
+              <a:t>2018/4/1</a:t>
             </a:fld>
             <a:endParaRPr lang="zh-CN" altLang="en-US"/>
           </a:p>
@@ -3219,7 +1674,7 @@
           <a:p>
             <a:fld id="{89BF8D4C-89B2-4590-AA77-2C8AAB3168F9}" type="datetimeFigureOut">
               <a:rPr lang="zh-CN" altLang="en-US" smtClean="0"/>
-              <a:t>2018/3/25</a:t>
+              <a:t>2018/4/1</a:t>
             </a:fld>
             <a:endParaRPr lang="zh-CN" altLang="en-US"/>
           </a:p>
@@ -3460,7 +1915,7 @@
                 <a:tabLst/>
                 <a:defRPr/>
               </a:pPr>
-              <a:t>2018/3/25</a:t>
+              <a:t>2018/4/1</a:t>
             </a:fld>
             <a:endParaRPr kumimoji="0" lang="zh-CN" altLang="en-US" sz="1200" b="0" i="0" u="none" strike="noStrike" kern="1200" cap="none" spc="0" normalizeH="0" baseline="0" noProof="0">
               <a:ln>
@@ -3790,7 +2245,7 @@
                 <a:tabLst/>
                 <a:defRPr/>
               </a:pPr>
-              <a:t>2018/3/25</a:t>
+              <a:t>2018/4/1</a:t>
             </a:fld>
             <a:endParaRPr kumimoji="0" lang="zh-CN" altLang="en-US" sz="1200" b="0" i="0" u="none" strike="noStrike" kern="1200" cap="none" spc="0" normalizeH="0" baseline="0" noProof="0">
               <a:ln>
@@ -4196,7 +2651,7 @@
                 <a:tabLst/>
                 <a:defRPr/>
               </a:pPr>
-              <a:t>2018/3/25</a:t>
+              <a:t>2018/4/1</a:t>
             </a:fld>
             <a:endParaRPr kumimoji="0" lang="zh-CN" altLang="en-US" sz="1200" b="0" i="0" u="none" strike="noStrike" kern="1200" cap="none" spc="0" normalizeH="0" baseline="0" noProof="0">
               <a:ln>
@@ -4588,7 +3043,7 @@
                 <a:tabLst/>
                 <a:defRPr/>
               </a:pPr>
-              <a:t>2018/3/25</a:t>
+              <a:t>2018/4/1</a:t>
             </a:fld>
             <a:endParaRPr kumimoji="0" lang="zh-CN" altLang="en-US" sz="1200" b="0" i="0" u="none" strike="noStrike" kern="1200" cap="none" spc="0" normalizeH="0" baseline="0" noProof="0">
               <a:ln>
@@ -5115,7 +3570,7 @@
                 <a:tabLst/>
                 <a:defRPr/>
               </a:pPr>
-              <a:t>2018/3/25</a:t>
+              <a:t>2018/4/1</a:t>
             </a:fld>
             <a:endParaRPr kumimoji="0" lang="zh-CN" altLang="en-US" sz="1200" b="0" i="0" u="none" strike="noStrike" kern="1200" cap="none" spc="0" normalizeH="0" baseline="0" noProof="0">
               <a:ln>
@@ -5393,7 +3848,7 @@
                 <a:tabLst/>
                 <a:defRPr/>
               </a:pPr>
-              <a:t>2018/3/25</a:t>
+              <a:t>2018/4/1</a:t>
             </a:fld>
             <a:endParaRPr kumimoji="0" lang="zh-CN" altLang="en-US" sz="1200" b="0" i="0" u="none" strike="noStrike" kern="1200" cap="none" spc="0" normalizeH="0" baseline="0" noProof="0">
               <a:ln>
@@ -5648,7 +4103,7 @@
                 <a:tabLst/>
                 <a:defRPr/>
               </a:pPr>
-              <a:t>2018/3/25</a:t>
+              <a:t>2018/4/1</a:t>
             </a:fld>
             <a:endParaRPr kumimoji="0" lang="zh-CN" altLang="en-US" sz="1200" b="0" i="0" u="none" strike="noStrike" kern="1200" cap="none" spc="0" normalizeH="0" baseline="0" noProof="0">
               <a:ln>
@@ -6085,7 +4540,7 @@
                 <a:tabLst/>
                 <a:defRPr/>
               </a:pPr>
-              <a:t>2018/3/25</a:t>
+              <a:t>2018/4/1</a:t>
             </a:fld>
             <a:endParaRPr kumimoji="0" lang="zh-CN" altLang="en-US" sz="1200" b="0" i="0" u="none" strike="noStrike" kern="1200" cap="none" spc="0" normalizeH="0" baseline="0" noProof="0">
               <a:ln>
@@ -6366,7 +4821,7 @@
           <a:p>
             <a:fld id="{89BF8D4C-89B2-4590-AA77-2C8AAB3168F9}" type="datetimeFigureOut">
               <a:rPr lang="zh-CN" altLang="en-US" smtClean="0"/>
-              <a:t>2018/3/25</a:t>
+              <a:t>2018/4/1</a:t>
             </a:fld>
             <a:endParaRPr lang="zh-CN" altLang="en-US"/>
           </a:p>
@@ -6668,7 +5123,7 @@
                 <a:tabLst/>
                 <a:defRPr/>
               </a:pPr>
-              <a:t>2018/3/25</a:t>
+              <a:t>2018/4/1</a:t>
             </a:fld>
             <a:endParaRPr kumimoji="0" lang="zh-CN" altLang="en-US" sz="1200" b="0" i="0" u="none" strike="noStrike" kern="1200" cap="none" spc="0" normalizeH="0" baseline="0" noProof="0">
               <a:ln>
@@ -6998,7 +5453,7 @@
                 <a:tabLst/>
                 <a:defRPr/>
               </a:pPr>
-              <a:t>2018/3/25</a:t>
+              <a:t>2018/4/1</a:t>
             </a:fld>
             <a:endParaRPr kumimoji="0" lang="zh-CN" altLang="en-US" sz="1200" b="0" i="0" u="none" strike="noStrike" kern="1200" cap="none" spc="0" normalizeH="0" baseline="0" noProof="0">
               <a:ln>
@@ -7338,7 +5793,7 @@
                 <a:tabLst/>
                 <a:defRPr/>
               </a:pPr>
-              <a:t>2018/3/25</a:t>
+              <a:t>2018/4/1</a:t>
             </a:fld>
             <a:endParaRPr kumimoji="0" lang="zh-CN" altLang="en-US" sz="1200" b="0" i="0" u="none" strike="noStrike" kern="1200" cap="none" spc="0" normalizeH="0" baseline="0" noProof="0">
               <a:ln>
@@ -7695,7 +6150,7 @@
           <a:p>
             <a:fld id="{89BF8D4C-89B2-4590-AA77-2C8AAB3168F9}" type="datetimeFigureOut">
               <a:rPr lang="zh-CN" altLang="en-US" smtClean="0"/>
-              <a:t>2018/3/25</a:t>
+              <a:t>2018/4/1</a:t>
             </a:fld>
             <a:endParaRPr lang="zh-CN" altLang="en-US"/>
           </a:p>
@@ -7927,7 +6382,7 @@
           <a:p>
             <a:fld id="{89BF8D4C-89B2-4590-AA77-2C8AAB3168F9}" type="datetimeFigureOut">
               <a:rPr lang="zh-CN" altLang="en-US" smtClean="0"/>
-              <a:t>2018/3/25</a:t>
+              <a:t>2018/4/1</a:t>
             </a:fld>
             <a:endParaRPr lang="zh-CN" altLang="en-US"/>
           </a:p>
@@ -8294,7 +6749,7 @@
           <a:p>
             <a:fld id="{89BF8D4C-89B2-4590-AA77-2C8AAB3168F9}" type="datetimeFigureOut">
               <a:rPr lang="zh-CN" altLang="en-US" smtClean="0"/>
-              <a:t>2018/3/25</a:t>
+              <a:t>2018/4/1</a:t>
             </a:fld>
             <a:endParaRPr lang="zh-CN" altLang="en-US"/>
           </a:p>
@@ -8412,7 +6867,7 @@
           <a:p>
             <a:fld id="{89BF8D4C-89B2-4590-AA77-2C8AAB3168F9}" type="datetimeFigureOut">
               <a:rPr lang="zh-CN" altLang="en-US" smtClean="0"/>
-              <a:t>2018/3/25</a:t>
+              <a:t>2018/4/1</a:t>
             </a:fld>
             <a:endParaRPr lang="zh-CN" altLang="en-US"/>
           </a:p>
@@ -8507,7 +6962,7 @@
           <a:p>
             <a:fld id="{89BF8D4C-89B2-4590-AA77-2C8AAB3168F9}" type="datetimeFigureOut">
               <a:rPr lang="zh-CN" altLang="en-US" smtClean="0"/>
-              <a:t>2018/3/25</a:t>
+              <a:t>2018/4/1</a:t>
             </a:fld>
             <a:endParaRPr lang="zh-CN" altLang="en-US"/>
           </a:p>
@@ -8784,7 +7239,7 @@
           <a:p>
             <a:fld id="{89BF8D4C-89B2-4590-AA77-2C8AAB3168F9}" type="datetimeFigureOut">
               <a:rPr lang="zh-CN" altLang="en-US" smtClean="0"/>
-              <a:t>2018/3/25</a:t>
+              <a:t>2018/4/1</a:t>
             </a:fld>
             <a:endParaRPr lang="zh-CN" altLang="en-US"/>
           </a:p>
@@ -9037,7 +7492,7 @@
           <a:p>
             <a:fld id="{89BF8D4C-89B2-4590-AA77-2C8AAB3168F9}" type="datetimeFigureOut">
               <a:rPr lang="zh-CN" altLang="en-US" smtClean="0"/>
-              <a:t>2018/3/25</a:t>
+              <a:t>2018/4/1</a:t>
             </a:fld>
             <a:endParaRPr lang="zh-CN" altLang="en-US"/>
           </a:p>
@@ -9250,7 +7705,7 @@
           <a:p>
             <a:fld id="{89BF8D4C-89B2-4590-AA77-2C8AAB3168F9}" type="datetimeFigureOut">
               <a:rPr lang="zh-CN" altLang="en-US" smtClean="0"/>
-              <a:t>2018/3/25</a:t>
+              <a:t>2018/4/1</a:t>
             </a:fld>
             <a:endParaRPr lang="zh-CN" altLang="en-US"/>
           </a:p>
@@ -9842,7 +8297,7 @@
                 <a:tabLst/>
                 <a:defRPr/>
               </a:pPr>
-              <a:t>2018/3/25</a:t>
+              <a:t>2018/4/1</a:t>
             </a:fld>
             <a:endParaRPr kumimoji="0" lang="zh-CN" altLang="en-US" sz="1200" b="0" i="0" u="none" strike="noStrike" kern="1200" cap="none" spc="0" normalizeH="0" baseline="0" noProof="0">
               <a:ln>
@@ -10589,7 +9044,7 @@
       </p:sp>
       <p:pic>
         <p:nvPicPr>
-          <p:cNvPr id="5" name="图片 4"/>
+          <p:cNvPr id="3" name="图片 2"/>
           <p:cNvPicPr>
             <a:picLocks noChangeAspect="1"/>
           </p:cNvPicPr>
@@ -10610,7 +9065,7 @@
         <p:spPr>
           <a:xfrm>
             <a:off x="0" y="0"/>
-            <a:ext cx="6924663" cy="6858000"/>
+            <a:ext cx="6537088" cy="6858000"/>
           </a:xfrm>
           <a:prstGeom prst="rect">
             <a:avLst/>
@@ -10885,8 +9340,8 @@
         </p:nvSpPr>
         <p:spPr>
           <a:xfrm>
-            <a:off x="3274142" y="2779236"/>
-            <a:ext cx="6096000" cy="2308324"/>
+            <a:off x="2955354" y="3238569"/>
+            <a:ext cx="6096000" cy="1754326"/>
           </a:xfrm>
           <a:prstGeom prst="rect">
             <a:avLst/>
@@ -10915,6 +9370,108 @@
               <a:tabLst/>
               <a:defRPr/>
             </a:pPr>
+            <a:r>
+              <a:rPr lang="en-US" altLang="zh-CN" sz="3600" dirty="0" smtClean="0">
+                <a:solidFill>
+                  <a:prstClr val="black"/>
+                </a:solidFill>
+                <a:latin typeface="等线" panose="020F0502020204030204"/>
+                <a:ea typeface="等线" panose="02010600030101010101" pitchFamily="2" charset="-122"/>
+              </a:rPr>
+              <a:t>1.</a:t>
+            </a:r>
+            <a:r>
+              <a:rPr lang="zh-CN" altLang="en-US" sz="3600" dirty="0" smtClean="0">
+                <a:solidFill>
+                  <a:prstClr val="black"/>
+                </a:solidFill>
+                <a:latin typeface="等线" panose="020F0502020204030204"/>
+                <a:ea typeface="等线" panose="02010600030101010101" pitchFamily="2" charset="-122"/>
+              </a:rPr>
+              <a:t>如何开发</a:t>
+            </a:r>
+            <a:r>
+              <a:rPr lang="en-US" altLang="zh-CN" sz="3600" dirty="0" smtClean="0">
+                <a:solidFill>
+                  <a:prstClr val="black"/>
+                </a:solidFill>
+                <a:latin typeface="等线" panose="020F0502020204030204"/>
+                <a:ea typeface="等线" panose="02010600030101010101" pitchFamily="2" charset="-122"/>
+              </a:rPr>
+              <a:t>Java</a:t>
+            </a:r>
+            <a:r>
+              <a:rPr lang="zh-CN" altLang="en-US" sz="3600" dirty="0" smtClean="0">
+                <a:solidFill>
+                  <a:prstClr val="black"/>
+                </a:solidFill>
+                <a:latin typeface="等线" panose="020F0502020204030204"/>
+                <a:ea typeface="等线" panose="02010600030101010101" pitchFamily="2" charset="-122"/>
+              </a:rPr>
+              <a:t>程序？</a:t>
+            </a:r>
+            <a:endParaRPr lang="en-US" altLang="zh-CN" sz="3600" dirty="0" smtClean="0">
+              <a:solidFill>
+                <a:prstClr val="black"/>
+              </a:solidFill>
+              <a:latin typeface="等线" panose="020F0502020204030204"/>
+              <a:ea typeface="等线" panose="02010600030101010101" pitchFamily="2" charset="-122"/>
+            </a:endParaRPr>
+          </a:p>
+          <a:p>
+            <a:pPr marL="0" marR="0" lvl="0" indent="0" algn="l" defTabSz="914400" rtl="0" eaLnBrk="1" fontAlgn="auto" latinLnBrk="0" hangingPunct="1">
+              <a:lnSpc>
+                <a:spcPct val="100000"/>
+              </a:lnSpc>
+              <a:spcBef>
+                <a:spcPts val="0"/>
+              </a:spcBef>
+              <a:spcAft>
+                <a:spcPts val="0"/>
+              </a:spcAft>
+              <a:buClrTx/>
+              <a:buSzTx/>
+              <a:buFontTx/>
+              <a:buNone/>
+              <a:tabLst/>
+              <a:defRPr/>
+            </a:pPr>
+            <a:endParaRPr lang="en-US" altLang="zh-CN" sz="3600" dirty="0">
+              <a:solidFill>
+                <a:prstClr val="black"/>
+              </a:solidFill>
+              <a:latin typeface="等线" panose="020F0502020204030204"/>
+              <a:ea typeface="等线" panose="02010600030101010101" pitchFamily="2" charset="-122"/>
+            </a:endParaRPr>
+          </a:p>
+          <a:p>
+            <a:pPr marL="0" marR="0" lvl="0" indent="0" algn="l" defTabSz="914400" rtl="0" eaLnBrk="1" fontAlgn="auto" latinLnBrk="0" hangingPunct="1">
+              <a:lnSpc>
+                <a:spcPct val="100000"/>
+              </a:lnSpc>
+              <a:spcBef>
+                <a:spcPts val="0"/>
+              </a:spcBef>
+              <a:spcAft>
+                <a:spcPts val="0"/>
+              </a:spcAft>
+              <a:buClrTx/>
+              <a:buSzTx/>
+              <a:buFontTx/>
+              <a:buNone/>
+              <a:tabLst/>
+              <a:defRPr/>
+            </a:pPr>
+            <a:r>
+              <a:rPr lang="en-US" altLang="zh-CN" sz="3600" dirty="0" smtClean="0">
+                <a:solidFill>
+                  <a:prstClr val="black"/>
+                </a:solidFill>
+                <a:latin typeface="等线" panose="020F0502020204030204"/>
+                <a:ea typeface="等线" panose="02010600030101010101" pitchFamily="2" charset="-122"/>
+              </a:rPr>
+              <a:t>2</a:t>
+            </a:r>
             <a:r>
               <a:rPr kumimoji="0" lang="en-US" altLang="zh-CN" sz="3600" b="0" i="0" u="none" strike="noStrike" kern="1200" cap="none" spc="0" normalizeH="0" baseline="0" noProof="0" dirty="0" smtClean="0">
                 <a:ln>
@@ -10930,7 +9487,7 @@
                 <a:ea typeface="等线" panose="02010600030101010101" pitchFamily="2" charset="-122"/>
                 <a:cs typeface="+mn-cs"/>
               </a:rPr>
-              <a:t>1.Java</a:t>
+              <a:t>.</a:t>
             </a:r>
             <a:r>
               <a:rPr kumimoji="0" lang="zh-CN" altLang="en-US" sz="3600" b="0" i="0" u="none" strike="noStrike" kern="1200" cap="none" spc="0" normalizeH="0" baseline="0" noProof="0" dirty="0" smtClean="0">
@@ -10947,41 +9504,42 @@
                 <a:ea typeface="等线" panose="02010600030101010101" pitchFamily="2" charset="-122"/>
                 <a:cs typeface="+mn-cs"/>
               </a:rPr>
-              <a:t>这门语言是怎么来滴？</a:t>
-            </a:r>
-            <a:endParaRPr kumimoji="0" lang="en-US" altLang="zh-CN" sz="3600" b="0" i="0" u="none" strike="noStrike" kern="1200" cap="none" spc="0" normalizeH="0" baseline="0" noProof="0" dirty="0">
-              <a:ln>
-                <a:noFill/>
-              </a:ln>
-              <a:solidFill>
-                <a:prstClr val="black"/>
-              </a:solidFill>
-              <a:effectLst/>
-              <a:uLnTx/>
-              <a:uFillTx/>
-              <a:latin typeface="等线" panose="020F0502020204030204"/>
-              <a:ea typeface="等线" panose="02010600030101010101" pitchFamily="2" charset="-122"/>
-              <a:cs typeface="+mn-cs"/>
-            </a:endParaRPr>
-          </a:p>
-          <a:p>
-            <a:pPr marL="0" marR="0" lvl="0" indent="0" algn="l" defTabSz="914400" rtl="0" eaLnBrk="1" fontAlgn="auto" latinLnBrk="0" hangingPunct="1">
-              <a:lnSpc>
-                <a:spcPct val="100000"/>
-              </a:lnSpc>
-              <a:spcBef>
-                <a:spcPts val="0"/>
-              </a:spcBef>
-              <a:spcAft>
-                <a:spcPts val="0"/>
-              </a:spcAft>
-              <a:buClrTx/>
-              <a:buSzTx/>
-              <a:buFontTx/>
-              <a:buNone/>
-              <a:tabLst/>
-              <a:defRPr/>
-            </a:pPr>
+              <a:t>一起来</a:t>
+            </a:r>
+            <a:r>
+              <a:rPr kumimoji="0" lang="zh-CN" altLang="en-US" sz="3600" b="0" i="0" u="none" strike="noStrike" kern="1200" cap="none" spc="0" normalizeH="0" baseline="0" noProof="0" dirty="0" smtClean="0">
+                <a:ln>
+                  <a:noFill/>
+                </a:ln>
+                <a:solidFill>
+                  <a:prstClr val="black"/>
+                </a:solidFill>
+                <a:effectLst/>
+                <a:uLnTx/>
+                <a:uFillTx/>
+                <a:latin typeface="等线" panose="020F0502020204030204"/>
+                <a:ea typeface="等线" panose="02010600030101010101" pitchFamily="2" charset="-122"/>
+                <a:cs typeface="+mn-cs"/>
+              </a:rPr>
+              <a:t>写第一</a:t>
+            </a:r>
+            <a:r>
+              <a:rPr kumimoji="0" lang="zh-CN" altLang="en-US" sz="3600" b="0" i="0" u="none" strike="noStrike" kern="1200" cap="none" spc="0" normalizeH="0" baseline="0" noProof="0" dirty="0" smtClean="0">
+                <a:ln>
+                  <a:noFill/>
+                </a:ln>
+                <a:solidFill>
+                  <a:prstClr val="black"/>
+                </a:solidFill>
+                <a:effectLst/>
+                <a:uLnTx/>
+                <a:uFillTx/>
+                <a:latin typeface="等线" panose="020F0502020204030204"/>
+                <a:ea typeface="等线" panose="02010600030101010101" pitchFamily="2" charset="-122"/>
+                <a:cs typeface="+mn-cs"/>
+              </a:rPr>
+              <a:t>个</a:t>
+            </a:r>
             <a:r>
               <a:rPr kumimoji="0" lang="en-US" altLang="zh-CN" sz="3600" b="0" i="0" u="none" strike="noStrike" kern="1200" cap="none" spc="0" normalizeH="0" baseline="0" noProof="0" dirty="0" smtClean="0">
                 <a:ln>
@@ -10997,7 +9555,7 @@
                 <a:ea typeface="等线" panose="02010600030101010101" pitchFamily="2" charset="-122"/>
                 <a:cs typeface="+mn-cs"/>
               </a:rPr>
-              <a:t>2.</a:t>
+              <a:t>Java</a:t>
             </a:r>
             <a:r>
               <a:rPr kumimoji="0" lang="zh-CN" altLang="en-US" sz="3600" b="0" i="0" u="none" strike="noStrike" kern="1200" cap="none" spc="0" normalizeH="0" baseline="0" noProof="0" dirty="0" smtClean="0">
@@ -11014,107 +9572,7 @@
                 <a:ea typeface="等线" panose="02010600030101010101" pitchFamily="2" charset="-122"/>
                 <a:cs typeface="+mn-cs"/>
               </a:rPr>
-              <a:t>现在谁在维护？</a:t>
-            </a:r>
-            <a:endParaRPr kumimoji="0" lang="en-US" altLang="zh-CN" sz="3600" b="0" i="0" u="none" strike="noStrike" kern="1200" cap="none" spc="0" normalizeH="0" baseline="0" noProof="0" dirty="0">
-              <a:ln>
-                <a:noFill/>
-              </a:ln>
-              <a:solidFill>
-                <a:prstClr val="black"/>
-              </a:solidFill>
-              <a:effectLst/>
-              <a:uLnTx/>
-              <a:uFillTx/>
-              <a:latin typeface="等线" panose="020F0502020204030204"/>
-              <a:ea typeface="等线" panose="02010600030101010101" pitchFamily="2" charset="-122"/>
-              <a:cs typeface="+mn-cs"/>
-            </a:endParaRPr>
-          </a:p>
-          <a:p>
-            <a:pPr marL="0" marR="0" lvl="0" indent="0" algn="l" defTabSz="914400" rtl="0" eaLnBrk="1" fontAlgn="auto" latinLnBrk="0" hangingPunct="1">
-              <a:lnSpc>
-                <a:spcPct val="100000"/>
-              </a:lnSpc>
-              <a:spcBef>
-                <a:spcPts val="0"/>
-              </a:spcBef>
-              <a:spcAft>
-                <a:spcPts val="0"/>
-              </a:spcAft>
-              <a:buClrTx/>
-              <a:buSzTx/>
-              <a:buFontTx/>
-              <a:buNone/>
-              <a:tabLst/>
-              <a:defRPr/>
-            </a:pPr>
-            <a:endParaRPr kumimoji="0" lang="en-US" altLang="zh-CN" sz="3600" b="0" i="0" u="none" strike="noStrike" kern="1200" cap="none" spc="0" normalizeH="0" baseline="0" noProof="0" dirty="0">
-              <a:ln>
-                <a:noFill/>
-              </a:ln>
-              <a:solidFill>
-                <a:prstClr val="black"/>
-              </a:solidFill>
-              <a:effectLst/>
-              <a:uLnTx/>
-              <a:uFillTx/>
-              <a:latin typeface="等线" panose="020F0502020204030204"/>
-              <a:ea typeface="等线" panose="02010600030101010101" pitchFamily="2" charset="-122"/>
-              <a:cs typeface="+mn-cs"/>
-            </a:endParaRPr>
-          </a:p>
-          <a:p>
-            <a:pPr marL="0" marR="0" lvl="0" indent="0" algn="l" defTabSz="914400" rtl="0" eaLnBrk="1" fontAlgn="auto" latinLnBrk="0" hangingPunct="1">
-              <a:lnSpc>
-                <a:spcPct val="100000"/>
-              </a:lnSpc>
-              <a:spcBef>
-                <a:spcPts val="0"/>
-              </a:spcBef>
-              <a:spcAft>
-                <a:spcPts val="0"/>
-              </a:spcAft>
-              <a:buClrTx/>
-              <a:buSzTx/>
-              <a:buFontTx/>
-              <a:buNone/>
-              <a:tabLst/>
-              <a:defRPr/>
-            </a:pPr>
-            <a:r>
-              <a:rPr kumimoji="0" lang="en-US" altLang="zh-CN" sz="3600" b="0" i="0" u="none" strike="noStrike" kern="1200" cap="none" spc="0" normalizeH="0" baseline="0" noProof="0" dirty="0">
-                <a:ln>
-                  <a:noFill/>
-                </a:ln>
-                <a:solidFill>
-                  <a:prstClr val="black"/>
-                </a:solidFill>
-                <a:effectLst/>
-                <a:uLnTx/>
-                <a:uFillTx/>
-                <a:latin typeface="等线" panose="020F0502020204030204"/>
-                <a:ea typeface="等线" panose="02010600030101010101" pitchFamily="2" charset="-122"/>
-                <a:cs typeface="+mn-cs"/>
-              </a:rPr>
-              <a:t>3.</a:t>
-            </a:r>
-            <a:r>
-              <a:rPr kumimoji="0" lang="zh-CN" altLang="en-US" sz="3600" b="0" i="0" u="none" strike="noStrike" kern="1200" cap="none" spc="0" normalizeH="0" baseline="0" noProof="0" dirty="0">
-                <a:ln>
-                  <a:noFill/>
-                </a:ln>
-                <a:solidFill>
-                  <a:prstClr val="black"/>
-                </a:solidFill>
-                <a:effectLst/>
-                <a:uLnTx/>
-                <a:uFillTx/>
-                <a:latin typeface="等线" panose="020F0502020204030204"/>
-                <a:ea typeface="等线" panose="02010600030101010101" pitchFamily="2" charset="-122"/>
-                <a:cs typeface="+mn-cs"/>
-              </a:rPr>
-              <a:t>编程有啥用？</a:t>
+              <a:t>小程序</a:t>
             </a:r>
             <a:endParaRPr kumimoji="0" lang="en-US" altLang="zh-CN" sz="3600" b="0" i="0" u="none" strike="noStrike" kern="1200" cap="none" spc="0" normalizeH="0" baseline="0" noProof="0" dirty="0">
               <a:ln>
@@ -11178,8 +9636,8 @@
         </p:nvSpPr>
         <p:spPr>
           <a:xfrm>
-            <a:off x="66201" y="61547"/>
-            <a:ext cx="2446504" cy="369332"/>
+            <a:off x="23522" y="70173"/>
+            <a:ext cx="4554453" cy="369332"/>
           </a:xfrm>
           <a:prstGeom prst="rect">
             <a:avLst/>
@@ -11223,7 +9681,24 @@
                 <a:ea typeface="等线" panose="02010600030101010101" pitchFamily="2" charset="-122"/>
                 <a:cs typeface="+mn-cs"/>
               </a:rPr>
-              <a:t>Session2 Java</a:t>
+              <a:t>Session3 Hello </a:t>
+            </a:r>
+            <a:r>
+              <a:rPr kumimoji="0" lang="en-US" altLang="zh-CN" sz="1800" b="0" i="0" u="none" strike="noStrike" kern="1200" cap="none" spc="0" normalizeH="0" baseline="0" noProof="0" dirty="0" smtClean="0">
+                <a:ln>
+                  <a:noFill/>
+                </a:ln>
+                <a:solidFill>
+                  <a:prstClr val="black"/>
+                </a:solidFill>
+                <a:effectLst/>
+                <a:uLnTx/>
+                <a:uFillTx/>
+                <a:latin typeface="等线" panose="020F0502020204030204"/>
+                <a:ea typeface="等线" panose="02010600030101010101" pitchFamily="2" charset="-122"/>
+                <a:cs typeface="+mn-cs"/>
+              </a:rPr>
+              <a:t>World</a:t>
             </a:r>
             <a:r>
               <a:rPr kumimoji="0" lang="zh-CN" altLang="en-US" sz="1800" b="0" i="0" u="none" strike="noStrike" kern="1200" cap="none" spc="0" normalizeH="0" baseline="0" noProof="0" dirty="0" smtClean="0">
@@ -11240,9 +9715,43 @@
                 <a:ea typeface="等线" panose="02010600030101010101" pitchFamily="2" charset="-122"/>
                 <a:cs typeface="+mn-cs"/>
               </a:rPr>
-              <a:t>发展简史</a:t>
-            </a:r>
-            <a:endParaRPr kumimoji="0" lang="en-US" altLang="zh-CN" sz="1800" b="0" i="0" u="none" strike="noStrike" kern="1200" cap="none" spc="0" normalizeH="0" baseline="0" noProof="0" dirty="0">
+              <a:t>：如何开发</a:t>
+            </a:r>
+            <a:r>
+              <a:rPr kumimoji="0" lang="en-US" altLang="zh-CN" sz="1800" b="0" i="0" u="none" strike="noStrike" kern="1200" cap="none" spc="0" normalizeH="0" baseline="0" noProof="0" dirty="0" smtClean="0">
+                <a:ln>
+                  <a:noFill/>
+                </a:ln>
+                <a:solidFill>
+                  <a:prstClr val="black"/>
+                </a:solidFill>
+                <a:effectLst/>
+                <a:uLnTx/>
+                <a:uFillTx/>
+                <a:latin typeface="等线" panose="020F0502020204030204"/>
+                <a:ea typeface="等线" panose="02010600030101010101" pitchFamily="2" charset="-122"/>
+                <a:cs typeface="+mn-cs"/>
+              </a:rPr>
+              <a:t>Java</a:t>
+            </a:r>
+            <a:r>
+              <a:rPr kumimoji="0" lang="zh-CN" altLang="en-US" sz="1800" b="0" i="0" u="none" strike="noStrike" kern="1200" cap="none" spc="0" normalizeH="0" baseline="0" noProof="0" dirty="0" smtClean="0">
+                <a:ln>
+                  <a:noFill/>
+                </a:ln>
+                <a:solidFill>
+                  <a:prstClr val="black"/>
+                </a:solidFill>
+                <a:effectLst/>
+                <a:uLnTx/>
+                <a:uFillTx/>
+                <a:latin typeface="等线" panose="020F0502020204030204"/>
+                <a:ea typeface="等线" panose="02010600030101010101" pitchFamily="2" charset="-122"/>
+                <a:cs typeface="+mn-cs"/>
+              </a:rPr>
+              <a:t>程序？</a:t>
+            </a:r>
+            <a:endParaRPr kumimoji="0" lang="en-US" altLang="zh-CN" sz="1800" b="0" i="0" u="none" strike="noStrike" kern="1200" cap="none" spc="0" normalizeH="0" baseline="0" noProof="0" dirty="0" smtClean="0">
               <a:ln>
                 <a:noFill/>
               </a:ln>
@@ -11259,6 +9768,648 @@
           </a:p>
         </p:txBody>
       </p:sp>
+      <p:sp>
+        <p:nvSpPr>
+          <p:cNvPr id="5" name="文本框 4"/>
+          <p:cNvSpPr txBox="1"/>
+          <p:nvPr/>
+        </p:nvSpPr>
+        <p:spPr>
+          <a:xfrm>
+            <a:off x="10814628" y="6534834"/>
+            <a:ext cx="1850571" cy="646331"/>
+          </a:xfrm>
+          <a:prstGeom prst="rect">
+            <a:avLst/>
+          </a:prstGeom>
+          <a:noFill/>
+        </p:spPr>
+        <p:txBody>
+          <a:bodyPr wrap="none" rtlCol="0">
+            <a:spAutoFit/>
+          </a:bodyPr>
+          <a:lstStyle/>
+          <a:p>
+            <a:pPr marL="0" marR="0" lvl="0" indent="0" algn="ctr" defTabSz="914400" rtl="0" eaLnBrk="1" fontAlgn="auto" latinLnBrk="0" hangingPunct="1">
+              <a:lnSpc>
+                <a:spcPct val="100000"/>
+              </a:lnSpc>
+              <a:spcBef>
+                <a:spcPts val="0"/>
+              </a:spcBef>
+              <a:spcAft>
+                <a:spcPts val="0"/>
+              </a:spcAft>
+              <a:buClrTx/>
+              <a:buSzTx/>
+              <a:buFontTx/>
+              <a:buNone/>
+              <a:tabLst/>
+              <a:defRPr/>
+            </a:pPr>
+            <a:r>
+              <a:rPr kumimoji="0" lang="en-US" altLang="zh-CN" sz="1800" b="0" i="0" u="none" strike="noStrike" kern="1200" cap="none" spc="0" normalizeH="0" baseline="0" noProof="0" dirty="0">
+                <a:ln w="0"/>
+                <a:solidFill>
+                  <a:prstClr val="black"/>
+                </a:solidFill>
+                <a:effectLst>
+                  <a:outerShdw blurRad="38100" dist="19050" dir="2700000" algn="tl" rotWithShape="0">
+                    <a:prstClr val="black">
+                      <a:alpha val="40000"/>
+                    </a:prstClr>
+                  </a:outerShdw>
+                </a:effectLst>
+                <a:uLnTx/>
+                <a:uFillTx/>
+                <a:latin typeface="Arial Rounded MT Bold" panose="020F0704030504030204" pitchFamily="34" charset="0"/>
+                <a:ea typeface="幼圆" panose="02010509060101010101" pitchFamily="49" charset="-122"/>
+                <a:cs typeface="+mn-cs"/>
+              </a:rPr>
+              <a:t>EZJava</a:t>
+            </a:r>
+            <a:endParaRPr kumimoji="0" lang="zh-CN" altLang="en-US" sz="1800" b="0" i="0" u="none" strike="noStrike" kern="1200" cap="none" spc="0" normalizeH="0" baseline="0" noProof="0" dirty="0">
+              <a:ln w="0"/>
+              <a:solidFill>
+                <a:prstClr val="black"/>
+              </a:solidFill>
+              <a:effectLst>
+                <a:outerShdw blurRad="38100" dist="19050" dir="2700000" algn="tl" rotWithShape="0">
+                  <a:prstClr val="black">
+                    <a:alpha val="40000"/>
+                  </a:prstClr>
+                </a:outerShdw>
+              </a:effectLst>
+              <a:uLnTx/>
+              <a:uFillTx/>
+              <a:latin typeface="Arial Rounded MT Bold" panose="020F0704030504030204" pitchFamily="34" charset="0"/>
+              <a:ea typeface="幼圆" panose="02010509060101010101" pitchFamily="49" charset="-122"/>
+              <a:cs typeface="+mn-cs"/>
+            </a:endParaRPr>
+          </a:p>
+          <a:p>
+            <a:pPr marL="0" marR="0" lvl="0" indent="0" algn="l" defTabSz="914400" rtl="0" eaLnBrk="1" fontAlgn="auto" latinLnBrk="0" hangingPunct="1">
+              <a:lnSpc>
+                <a:spcPct val="100000"/>
+              </a:lnSpc>
+              <a:spcBef>
+                <a:spcPts val="0"/>
+              </a:spcBef>
+              <a:spcAft>
+                <a:spcPts val="0"/>
+              </a:spcAft>
+              <a:buClrTx/>
+              <a:buSzTx/>
+              <a:buFontTx/>
+              <a:buNone/>
+              <a:tabLst/>
+              <a:defRPr/>
+            </a:pPr>
+            <a:endParaRPr kumimoji="0" lang="zh-CN" altLang="en-US" sz="1800" b="0" i="0" u="none" strike="noStrike" kern="1200" cap="none" spc="0" normalizeH="0" baseline="0" noProof="0" dirty="0">
+              <a:ln>
+                <a:noFill/>
+              </a:ln>
+              <a:solidFill>
+                <a:prstClr val="black"/>
+              </a:solidFill>
+              <a:effectLst/>
+              <a:uLnTx/>
+              <a:uFillTx/>
+              <a:latin typeface="等线" panose="020F0502020204030204"/>
+              <a:ea typeface="等线" panose="02010600030101010101" pitchFamily="2" charset="-122"/>
+              <a:cs typeface="+mn-cs"/>
+            </a:endParaRPr>
+          </a:p>
+        </p:txBody>
+      </p:sp>
+      <p:sp>
+        <p:nvSpPr>
+          <p:cNvPr id="6" name="文本框 5"/>
+          <p:cNvSpPr txBox="1"/>
+          <p:nvPr/>
+        </p:nvSpPr>
+        <p:spPr>
+          <a:xfrm>
+            <a:off x="2300749" y="1651819"/>
+            <a:ext cx="7411003" cy="769441"/>
+          </a:xfrm>
+          <a:prstGeom prst="rect">
+            <a:avLst/>
+          </a:prstGeom>
+          <a:noFill/>
+        </p:spPr>
+        <p:txBody>
+          <a:bodyPr wrap="none" rtlCol="0">
+            <a:spAutoFit/>
+          </a:bodyPr>
+          <a:lstStyle/>
+          <a:p>
+            <a:r>
+              <a:rPr lang="zh-CN" altLang="en-US" sz="4400" dirty="0" smtClean="0"/>
+              <a:t>我们需要工具来开发</a:t>
+            </a:r>
+            <a:r>
+              <a:rPr lang="en-US" altLang="zh-CN" sz="4400" dirty="0" smtClean="0"/>
+              <a:t>Java</a:t>
+            </a:r>
+            <a:r>
+              <a:rPr lang="zh-CN" altLang="en-US" sz="4400" dirty="0" smtClean="0"/>
+              <a:t>程序</a:t>
+            </a:r>
+            <a:endParaRPr lang="zh-CN" altLang="en-US" sz="4400" dirty="0"/>
+          </a:p>
+        </p:txBody>
+      </p:sp>
+      <p:pic>
+        <p:nvPicPr>
+          <p:cNvPr id="7" name="图片 6"/>
+          <p:cNvPicPr>
+            <a:picLocks noChangeAspect="1"/>
+          </p:cNvPicPr>
+          <p:nvPr/>
+        </p:nvPicPr>
+        <p:blipFill>
+          <a:blip r:embed="rId2">
+            <a:extLst>
+              <a:ext uri="{28A0092B-C50C-407E-A947-70E740481C1C}">
+                <a14:useLocalDpi xmlns:a14="http://schemas.microsoft.com/office/drawing/2010/main" val="0"/>
+              </a:ext>
+            </a:extLst>
+          </a:blip>
+          <a:stretch>
+            <a:fillRect/>
+          </a:stretch>
+        </p:blipFill>
+        <p:spPr>
+          <a:xfrm>
+            <a:off x="755193" y="2948473"/>
+            <a:ext cx="3091112" cy="3187042"/>
+          </a:xfrm>
+          <a:prstGeom prst="rect">
+            <a:avLst/>
+          </a:prstGeom>
+        </p:spPr>
+      </p:pic>
+      <p:sp>
+        <p:nvSpPr>
+          <p:cNvPr id="8" name="文本框 7"/>
+          <p:cNvSpPr txBox="1"/>
+          <p:nvPr/>
+        </p:nvSpPr>
+        <p:spPr>
+          <a:xfrm>
+            <a:off x="4922760" y="3880274"/>
+            <a:ext cx="6240811" cy="1323439"/>
+          </a:xfrm>
+          <a:prstGeom prst="rect">
+            <a:avLst/>
+          </a:prstGeom>
+          <a:noFill/>
+        </p:spPr>
+        <p:txBody>
+          <a:bodyPr wrap="none" rtlCol="0">
+            <a:spAutoFit/>
+          </a:bodyPr>
+          <a:lstStyle/>
+          <a:p>
+            <a:r>
+              <a:rPr lang="en-US" altLang="zh-CN" sz="4000" dirty="0" smtClean="0"/>
+              <a:t>JDK</a:t>
+            </a:r>
+            <a:r>
+              <a:rPr lang="zh-CN" altLang="en-US" sz="4000" dirty="0" smtClean="0"/>
+              <a:t>：</a:t>
+            </a:r>
+            <a:r>
+              <a:rPr lang="en-US" altLang="zh-CN" sz="4000" dirty="0"/>
+              <a:t>Java Development </a:t>
+            </a:r>
+            <a:r>
+              <a:rPr lang="en-US" altLang="zh-CN" sz="4000" dirty="0" smtClean="0"/>
+              <a:t>Kit</a:t>
+            </a:r>
+            <a:endParaRPr lang="en-US" altLang="zh-CN" sz="4000" dirty="0"/>
+          </a:p>
+          <a:p>
+            <a:r>
+              <a:rPr lang="en-US" altLang="zh-CN" sz="4000" dirty="0" smtClean="0"/>
+              <a:t>      Java</a:t>
+            </a:r>
+            <a:r>
+              <a:rPr lang="zh-CN" altLang="en-US" sz="4000" dirty="0" smtClean="0"/>
+              <a:t>语言开发工具包</a:t>
+            </a:r>
+            <a:endParaRPr lang="en-US" altLang="zh-CN" sz="4000" dirty="0" smtClean="0"/>
+          </a:p>
+        </p:txBody>
+      </p:sp>
+    </p:spTree>
+    <p:extLst>
+      <p:ext uri="{BB962C8B-B14F-4D97-AF65-F5344CB8AC3E}">
+        <p14:creationId xmlns:p14="http://schemas.microsoft.com/office/powerpoint/2010/main" val="3182367692"/>
+      </p:ext>
+    </p:extLst>
+  </p:cSld>
+  <p:clrMapOvr>
+    <a:masterClrMapping/>
+  </p:clrMapOvr>
+</p:sld>
+</file>
+
+<file path=ppt/slides/slide4.xml><?xml version="1.0" encoding="utf-8"?>
+<p:sld xmlns:a="http://schemas.openxmlformats.org/drawingml/2006/main" xmlns:r="http://schemas.openxmlformats.org/officeDocument/2006/relationships" xmlns:p="http://schemas.openxmlformats.org/presentationml/2006/main">
+  <p:cSld>
+    <p:spTree>
+      <p:nvGrpSpPr>
+        <p:cNvPr id="1" name=""/>
+        <p:cNvGrpSpPr/>
+        <p:nvPr/>
+      </p:nvGrpSpPr>
+      <p:grpSpPr>
+        <a:xfrm>
+          <a:off x="0" y="0"/>
+          <a:ext cx="0" cy="0"/>
+          <a:chOff x="0" y="0"/>
+          <a:chExt cx="0" cy="0"/>
+        </a:xfrm>
+      </p:grpSpPr>
+      <p:sp>
+        <p:nvSpPr>
+          <p:cNvPr id="5" name="文本框 4"/>
+          <p:cNvSpPr txBox="1"/>
+          <p:nvPr/>
+        </p:nvSpPr>
+        <p:spPr>
+          <a:xfrm>
+            <a:off x="10814628" y="6534834"/>
+            <a:ext cx="1850571" cy="646331"/>
+          </a:xfrm>
+          <a:prstGeom prst="rect">
+            <a:avLst/>
+          </a:prstGeom>
+          <a:noFill/>
+        </p:spPr>
+        <p:txBody>
+          <a:bodyPr wrap="none" rtlCol="0">
+            <a:spAutoFit/>
+          </a:bodyPr>
+          <a:lstStyle/>
+          <a:p>
+            <a:pPr marL="0" marR="0" lvl="0" indent="0" algn="ctr" defTabSz="914400" rtl="0" eaLnBrk="1" fontAlgn="auto" latinLnBrk="0" hangingPunct="1">
+              <a:lnSpc>
+                <a:spcPct val="100000"/>
+              </a:lnSpc>
+              <a:spcBef>
+                <a:spcPts val="0"/>
+              </a:spcBef>
+              <a:spcAft>
+                <a:spcPts val="0"/>
+              </a:spcAft>
+              <a:buClrTx/>
+              <a:buSzTx/>
+              <a:buFontTx/>
+              <a:buNone/>
+              <a:tabLst/>
+              <a:defRPr/>
+            </a:pPr>
+            <a:r>
+              <a:rPr kumimoji="0" lang="en-US" altLang="zh-CN" sz="1800" b="0" i="0" u="none" strike="noStrike" kern="1200" cap="none" spc="0" normalizeH="0" baseline="0" noProof="0" dirty="0">
+                <a:ln w="0"/>
+                <a:solidFill>
+                  <a:prstClr val="black"/>
+                </a:solidFill>
+                <a:effectLst>
+                  <a:outerShdw blurRad="38100" dist="19050" dir="2700000" algn="tl" rotWithShape="0">
+                    <a:prstClr val="black">
+                      <a:alpha val="40000"/>
+                    </a:prstClr>
+                  </a:outerShdw>
+                </a:effectLst>
+                <a:uLnTx/>
+                <a:uFillTx/>
+                <a:latin typeface="Arial Rounded MT Bold" panose="020F0704030504030204" pitchFamily="34" charset="0"/>
+                <a:ea typeface="幼圆" panose="02010509060101010101" pitchFamily="49" charset="-122"/>
+                <a:cs typeface="+mn-cs"/>
+              </a:rPr>
+              <a:t>EZJava</a:t>
+            </a:r>
+            <a:endParaRPr kumimoji="0" lang="zh-CN" altLang="en-US" sz="1800" b="0" i="0" u="none" strike="noStrike" kern="1200" cap="none" spc="0" normalizeH="0" baseline="0" noProof="0" dirty="0">
+              <a:ln w="0"/>
+              <a:solidFill>
+                <a:prstClr val="black"/>
+              </a:solidFill>
+              <a:effectLst>
+                <a:outerShdw blurRad="38100" dist="19050" dir="2700000" algn="tl" rotWithShape="0">
+                  <a:prstClr val="black">
+                    <a:alpha val="40000"/>
+                  </a:prstClr>
+                </a:outerShdw>
+              </a:effectLst>
+              <a:uLnTx/>
+              <a:uFillTx/>
+              <a:latin typeface="Arial Rounded MT Bold" panose="020F0704030504030204" pitchFamily="34" charset="0"/>
+              <a:ea typeface="幼圆" panose="02010509060101010101" pitchFamily="49" charset="-122"/>
+              <a:cs typeface="+mn-cs"/>
+            </a:endParaRPr>
+          </a:p>
+          <a:p>
+            <a:pPr marL="0" marR="0" lvl="0" indent="0" algn="l" defTabSz="914400" rtl="0" eaLnBrk="1" fontAlgn="auto" latinLnBrk="0" hangingPunct="1">
+              <a:lnSpc>
+                <a:spcPct val="100000"/>
+              </a:lnSpc>
+              <a:spcBef>
+                <a:spcPts val="0"/>
+              </a:spcBef>
+              <a:spcAft>
+                <a:spcPts val="0"/>
+              </a:spcAft>
+              <a:buClrTx/>
+              <a:buSzTx/>
+              <a:buFontTx/>
+              <a:buNone/>
+              <a:tabLst/>
+              <a:defRPr/>
+            </a:pPr>
+            <a:endParaRPr kumimoji="0" lang="zh-CN" altLang="en-US" sz="1800" b="0" i="0" u="none" strike="noStrike" kern="1200" cap="none" spc="0" normalizeH="0" baseline="0" noProof="0" dirty="0">
+              <a:ln>
+                <a:noFill/>
+              </a:ln>
+              <a:solidFill>
+                <a:prstClr val="black"/>
+              </a:solidFill>
+              <a:effectLst/>
+              <a:uLnTx/>
+              <a:uFillTx/>
+              <a:latin typeface="等线" panose="020F0502020204030204"/>
+              <a:ea typeface="等线" panose="02010600030101010101" pitchFamily="2" charset="-122"/>
+              <a:cs typeface="+mn-cs"/>
+            </a:endParaRPr>
+          </a:p>
+        </p:txBody>
+      </p:sp>
+      <p:sp>
+        <p:nvSpPr>
+          <p:cNvPr id="6" name="文本框 5"/>
+          <p:cNvSpPr txBox="1"/>
+          <p:nvPr/>
+        </p:nvSpPr>
+        <p:spPr>
+          <a:xfrm>
+            <a:off x="3588775" y="1386349"/>
+            <a:ext cx="4698722" cy="769441"/>
+          </a:xfrm>
+          <a:prstGeom prst="rect">
+            <a:avLst/>
+          </a:prstGeom>
+          <a:noFill/>
+        </p:spPr>
+        <p:txBody>
+          <a:bodyPr wrap="none" rtlCol="0">
+            <a:spAutoFit/>
+          </a:bodyPr>
+          <a:lstStyle/>
+          <a:p>
+            <a:r>
+              <a:rPr lang="zh-CN" altLang="en-US" sz="4400" dirty="0" smtClean="0"/>
+              <a:t>我们还需要</a:t>
+            </a:r>
+            <a:r>
+              <a:rPr lang="zh-CN" altLang="en-US" sz="4400" dirty="0"/>
+              <a:t>编辑器</a:t>
+            </a:r>
+          </a:p>
+        </p:txBody>
+      </p:sp>
+      <p:pic>
+        <p:nvPicPr>
+          <p:cNvPr id="7" name="图片 6"/>
+          <p:cNvPicPr>
+            <a:picLocks noChangeAspect="1"/>
+          </p:cNvPicPr>
+          <p:nvPr/>
+        </p:nvPicPr>
+        <p:blipFill>
+          <a:blip r:embed="rId2">
+            <a:extLst>
+              <a:ext uri="{28A0092B-C50C-407E-A947-70E740481C1C}">
+                <a14:useLocalDpi xmlns:a14="http://schemas.microsoft.com/office/drawing/2010/main" val="0"/>
+              </a:ext>
+            </a:extLst>
+          </a:blip>
+          <a:stretch>
+            <a:fillRect/>
+          </a:stretch>
+        </p:blipFill>
+        <p:spPr>
+          <a:xfrm>
+            <a:off x="2065441" y="2926788"/>
+            <a:ext cx="2408238" cy="3421050"/>
+          </a:xfrm>
+          <a:prstGeom prst="rect">
+            <a:avLst/>
+          </a:prstGeom>
+        </p:spPr>
+      </p:pic>
+      <p:pic>
+        <p:nvPicPr>
+          <p:cNvPr id="8" name="图片 7"/>
+          <p:cNvPicPr>
+            <a:picLocks noChangeAspect="1"/>
+          </p:cNvPicPr>
+          <p:nvPr/>
+        </p:nvPicPr>
+        <p:blipFill>
+          <a:blip r:embed="rId3">
+            <a:extLst>
+              <a:ext uri="{28A0092B-C50C-407E-A947-70E740481C1C}">
+                <a14:useLocalDpi xmlns:a14="http://schemas.microsoft.com/office/drawing/2010/main" val="0"/>
+              </a:ext>
+            </a:extLst>
+          </a:blip>
+          <a:stretch>
+            <a:fillRect/>
+          </a:stretch>
+        </p:blipFill>
+        <p:spPr>
+          <a:xfrm>
+            <a:off x="7182371" y="2926788"/>
+            <a:ext cx="3140637" cy="3421050"/>
+          </a:xfrm>
+          <a:prstGeom prst="rect">
+            <a:avLst/>
+          </a:prstGeom>
+        </p:spPr>
+      </p:pic>
+      <p:sp>
+        <p:nvSpPr>
+          <p:cNvPr id="9" name="矩形 8"/>
+          <p:cNvSpPr/>
+          <p:nvPr/>
+        </p:nvSpPr>
+        <p:spPr>
+          <a:xfrm>
+            <a:off x="23522" y="70173"/>
+            <a:ext cx="4554453" cy="369332"/>
+          </a:xfrm>
+          <a:prstGeom prst="rect">
+            <a:avLst/>
+          </a:prstGeom>
+        </p:spPr>
+        <p:txBody>
+          <a:bodyPr wrap="none">
+            <a:spAutoFit/>
+          </a:bodyPr>
+          <a:lstStyle/>
+          <a:p>
+            <a:pPr marL="0" marR="0" lvl="0" indent="0" algn="ctr" defTabSz="914400" rtl="0" eaLnBrk="1" fontAlgn="auto" latinLnBrk="0" hangingPunct="1">
+              <a:lnSpc>
+                <a:spcPct val="100000"/>
+              </a:lnSpc>
+              <a:spcBef>
+                <a:spcPts val="0"/>
+              </a:spcBef>
+              <a:spcAft>
+                <a:spcPts val="0"/>
+              </a:spcAft>
+              <a:buClrTx/>
+              <a:buSzTx/>
+              <a:buFontTx/>
+              <a:buNone/>
+              <a:tabLst/>
+              <a:defRPr/>
+            </a:pPr>
+            <a:r>
+              <a:rPr kumimoji="0" lang="en-US" altLang="zh-CN" sz="1800" b="0" i="0" u="none" strike="noStrike" kern="1200" cap="none" spc="0" normalizeH="0" baseline="0" noProof="0" dirty="0" smtClean="0">
+                <a:ln>
+                  <a:noFill/>
+                </a:ln>
+                <a:solidFill>
+                  <a:prstClr val="black"/>
+                </a:solidFill>
+                <a:effectLst/>
+                <a:uLnTx/>
+                <a:uFillTx/>
+                <a:latin typeface="等线" panose="020F0502020204030204"/>
+                <a:ea typeface="等线" panose="02010600030101010101" pitchFamily="2" charset="-122"/>
+                <a:cs typeface="+mn-cs"/>
+              </a:rPr>
+              <a:t>Session3 Hello </a:t>
+            </a:r>
+            <a:r>
+              <a:rPr kumimoji="0" lang="en-US" altLang="zh-CN" sz="1800" b="0" i="0" u="none" strike="noStrike" kern="1200" cap="none" spc="0" normalizeH="0" baseline="0" noProof="0" dirty="0" smtClean="0">
+                <a:ln>
+                  <a:noFill/>
+                </a:ln>
+                <a:solidFill>
+                  <a:prstClr val="black"/>
+                </a:solidFill>
+                <a:effectLst/>
+                <a:uLnTx/>
+                <a:uFillTx/>
+                <a:latin typeface="等线" panose="020F0502020204030204"/>
+                <a:ea typeface="等线" panose="02010600030101010101" pitchFamily="2" charset="-122"/>
+                <a:cs typeface="+mn-cs"/>
+              </a:rPr>
+              <a:t>World</a:t>
+            </a:r>
+            <a:r>
+              <a:rPr kumimoji="0" lang="zh-CN" altLang="en-US" sz="1800" b="0" i="0" u="none" strike="noStrike" kern="1200" cap="none" spc="0" normalizeH="0" baseline="0" noProof="0" dirty="0" smtClean="0">
+                <a:ln>
+                  <a:noFill/>
+                </a:ln>
+                <a:solidFill>
+                  <a:prstClr val="black"/>
+                </a:solidFill>
+                <a:effectLst/>
+                <a:uLnTx/>
+                <a:uFillTx/>
+                <a:latin typeface="等线" panose="020F0502020204030204"/>
+                <a:ea typeface="等线" panose="02010600030101010101" pitchFamily="2" charset="-122"/>
+                <a:cs typeface="+mn-cs"/>
+              </a:rPr>
+              <a:t>：如何开发</a:t>
+            </a:r>
+            <a:r>
+              <a:rPr kumimoji="0" lang="en-US" altLang="zh-CN" sz="1800" b="0" i="0" u="none" strike="noStrike" kern="1200" cap="none" spc="0" normalizeH="0" baseline="0" noProof="0" dirty="0" smtClean="0">
+                <a:ln>
+                  <a:noFill/>
+                </a:ln>
+                <a:solidFill>
+                  <a:prstClr val="black"/>
+                </a:solidFill>
+                <a:effectLst/>
+                <a:uLnTx/>
+                <a:uFillTx/>
+                <a:latin typeface="等线" panose="020F0502020204030204"/>
+                <a:ea typeface="等线" panose="02010600030101010101" pitchFamily="2" charset="-122"/>
+                <a:cs typeface="+mn-cs"/>
+              </a:rPr>
+              <a:t>Java</a:t>
+            </a:r>
+            <a:r>
+              <a:rPr kumimoji="0" lang="zh-CN" altLang="en-US" sz="1800" b="0" i="0" u="none" strike="noStrike" kern="1200" cap="none" spc="0" normalizeH="0" baseline="0" noProof="0" dirty="0" smtClean="0">
+                <a:ln>
+                  <a:noFill/>
+                </a:ln>
+                <a:solidFill>
+                  <a:prstClr val="black"/>
+                </a:solidFill>
+                <a:effectLst/>
+                <a:uLnTx/>
+                <a:uFillTx/>
+                <a:latin typeface="等线" panose="020F0502020204030204"/>
+                <a:ea typeface="等线" panose="02010600030101010101" pitchFamily="2" charset="-122"/>
+                <a:cs typeface="+mn-cs"/>
+              </a:rPr>
+              <a:t>程序？</a:t>
+            </a:r>
+            <a:endParaRPr kumimoji="0" lang="en-US" altLang="zh-CN" sz="1800" b="0" i="0" u="none" strike="noStrike" kern="1200" cap="none" spc="0" normalizeH="0" baseline="0" noProof="0" dirty="0" smtClean="0">
+              <a:ln>
+                <a:noFill/>
+              </a:ln>
+              <a:solidFill>
+                <a:prstClr val="black"/>
+              </a:solidFill>
+              <a:effectLst/>
+              <a:uLnTx/>
+              <a:uFillTx/>
+              <a:latin typeface="等线" panose="020F0502020204030204"/>
+              <a:ea typeface="等线" panose="02010600030101010101" pitchFamily="2" charset="-122"/>
+              <a:cs typeface="+mn-cs"/>
+            </a:endParaRPr>
+          </a:p>
+        </p:txBody>
+      </p:sp>
+    </p:spTree>
+    <p:extLst>
+      <p:ext uri="{BB962C8B-B14F-4D97-AF65-F5344CB8AC3E}">
+        <p14:creationId xmlns:p14="http://schemas.microsoft.com/office/powerpoint/2010/main" val="2951868127"/>
+      </p:ext>
+    </p:extLst>
+  </p:cSld>
+  <p:clrMapOvr>
+    <a:masterClrMapping/>
+  </p:clrMapOvr>
+</p:sld>
+</file>
+
+<file path=ppt/slides/slide5.xml><?xml version="1.0" encoding="utf-8"?>
+<p:sld xmlns:a="http://schemas.openxmlformats.org/drawingml/2006/main" xmlns:r="http://schemas.openxmlformats.org/officeDocument/2006/relationships" xmlns:p="http://schemas.openxmlformats.org/presentationml/2006/main">
+  <p:cSld>
+    <p:spTree>
+      <p:nvGrpSpPr>
+        <p:cNvPr id="1" name=""/>
+        <p:cNvGrpSpPr/>
+        <p:nvPr/>
+      </p:nvGrpSpPr>
+      <p:grpSpPr>
+        <a:xfrm>
+          <a:off x="0" y="0"/>
+          <a:ext cx="0" cy="0"/>
+          <a:chOff x="0" y="0"/>
+          <a:chExt cx="0" cy="0"/>
+        </a:xfrm>
+      </p:grpSpPr>
       <p:sp>
         <p:nvSpPr>
           <p:cNvPr id="5" name="文本框 4"/>
@@ -11395,8 +10546,8 @@
         </p:blipFill>
         <p:spPr>
           <a:xfrm>
-            <a:off x="659538" y="1444019"/>
-            <a:ext cx="2829595" cy="2111313"/>
+            <a:off x="853563" y="2352761"/>
+            <a:ext cx="3551290" cy="2358057"/>
           </a:xfrm>
           <a:prstGeom prst="rect">
             <a:avLst/>
@@ -11405,7 +10556,7 @@
       </p:pic>
       <p:pic>
         <p:nvPicPr>
-          <p:cNvPr id="7" name="图片 6"/>
+          <p:cNvPr id="10" name="图片 9"/>
           <p:cNvPicPr>
             <a:picLocks noChangeAspect="1"/>
           </p:cNvPicPr>
@@ -11425,1124 +10576,24 @@
         </p:blipFill>
         <p:spPr>
           <a:xfrm>
-            <a:off x="662084" y="3934900"/>
-            <a:ext cx="2827049" cy="2153942"/>
+            <a:off x="5653136" y="2471855"/>
+            <a:ext cx="3203448" cy="2130897"/>
           </a:xfrm>
           <a:prstGeom prst="rect">
             <a:avLst/>
           </a:prstGeom>
         </p:spPr>
       </p:pic>
-      <p:sp>
-        <p:nvSpPr>
-          <p:cNvPr id="10" name="文本框 9"/>
-          <p:cNvSpPr txBox="1"/>
-          <p:nvPr/>
-        </p:nvSpPr>
-        <p:spPr>
-          <a:xfrm>
-            <a:off x="4718319" y="1444019"/>
-            <a:ext cx="6075702" cy="3877985"/>
-          </a:xfrm>
-          <a:prstGeom prst="rect">
-            <a:avLst/>
-          </a:prstGeom>
-          <a:noFill/>
-        </p:spPr>
-        <p:txBody>
-          <a:bodyPr wrap="none" rtlCol="0">
-            <a:spAutoFit/>
-          </a:bodyPr>
-          <a:lstStyle/>
-          <a:p>
-            <a:pPr marL="0" marR="0" lvl="0" indent="0" algn="l" defTabSz="914400" rtl="0" eaLnBrk="1" fontAlgn="auto" latinLnBrk="0" hangingPunct="1">
-              <a:lnSpc>
-                <a:spcPct val="100000"/>
-              </a:lnSpc>
-              <a:spcBef>
-                <a:spcPts val="0"/>
-              </a:spcBef>
-              <a:spcAft>
-                <a:spcPts val="0"/>
-              </a:spcAft>
-              <a:buClrTx/>
-              <a:buSzTx/>
-              <a:buFontTx/>
-              <a:buNone/>
-              <a:tabLst/>
-              <a:defRPr/>
-            </a:pPr>
-            <a:r>
-              <a:rPr kumimoji="0" lang="zh-CN" altLang="en-US" sz="2400" b="0" i="0" u="none" strike="noStrike" kern="1200" cap="none" spc="0" normalizeH="0" baseline="0" noProof="0" dirty="0" smtClean="0">
-                <a:ln>
-                  <a:noFill/>
-                </a:ln>
-                <a:solidFill>
-                  <a:prstClr val="black"/>
-                </a:solidFill>
-                <a:effectLst/>
-                <a:uLnTx/>
-                <a:uFillTx/>
-                <a:latin typeface="等线" panose="020F0502020204030204"/>
-                <a:ea typeface="等线" panose="02010600030101010101" pitchFamily="2" charset="-122"/>
-                <a:cs typeface="+mn-cs"/>
-              </a:rPr>
-              <a:t>最早的编程语言：机器语言</a:t>
-            </a:r>
-            <a:endParaRPr kumimoji="0" lang="en-US" altLang="zh-CN" sz="2400" b="0" i="0" u="none" strike="noStrike" kern="1200" cap="none" spc="0" normalizeH="0" baseline="0" noProof="0" dirty="0" smtClean="0">
-              <a:ln>
-                <a:noFill/>
-              </a:ln>
-              <a:solidFill>
-                <a:prstClr val="black"/>
-              </a:solidFill>
-              <a:effectLst/>
-              <a:uLnTx/>
-              <a:uFillTx/>
-              <a:latin typeface="等线" panose="020F0502020204030204"/>
-              <a:ea typeface="等线" panose="02010600030101010101" pitchFamily="2" charset="-122"/>
-              <a:cs typeface="+mn-cs"/>
-            </a:endParaRPr>
-          </a:p>
-          <a:p>
-            <a:pPr marL="0" marR="0" lvl="0" indent="0" algn="l" defTabSz="914400" rtl="0" eaLnBrk="1" fontAlgn="auto" latinLnBrk="0" hangingPunct="1">
-              <a:lnSpc>
-                <a:spcPct val="100000"/>
-              </a:lnSpc>
-              <a:spcBef>
-                <a:spcPts val="0"/>
-              </a:spcBef>
-              <a:spcAft>
-                <a:spcPts val="0"/>
-              </a:spcAft>
-              <a:buClrTx/>
-              <a:buSzTx/>
-              <a:buFontTx/>
-              <a:buNone/>
-              <a:tabLst/>
-              <a:defRPr/>
-            </a:pPr>
-            <a:endParaRPr kumimoji="0" lang="en-US" altLang="zh-CN" sz="2400" b="0" i="0" u="none" strike="noStrike" kern="1200" cap="none" spc="0" normalizeH="0" baseline="0" noProof="0" dirty="0">
-              <a:ln>
-                <a:noFill/>
-              </a:ln>
-              <a:solidFill>
-                <a:prstClr val="black"/>
-              </a:solidFill>
-              <a:effectLst/>
-              <a:uLnTx/>
-              <a:uFillTx/>
-              <a:latin typeface="等线" panose="020F0502020204030204"/>
-              <a:ea typeface="等线" panose="02010600030101010101" pitchFamily="2" charset="-122"/>
-              <a:cs typeface="+mn-cs"/>
-            </a:endParaRPr>
-          </a:p>
-          <a:p>
-            <a:pPr marL="0" marR="0" lvl="0" indent="0" algn="l" defTabSz="914400" rtl="0" eaLnBrk="1" fontAlgn="auto" latinLnBrk="0" hangingPunct="1">
-              <a:lnSpc>
-                <a:spcPct val="100000"/>
-              </a:lnSpc>
-              <a:spcBef>
-                <a:spcPts val="0"/>
-              </a:spcBef>
-              <a:spcAft>
-                <a:spcPts val="0"/>
-              </a:spcAft>
-              <a:buClrTx/>
-              <a:buSzTx/>
-              <a:buFontTx/>
-              <a:buNone/>
-              <a:tabLst/>
-              <a:defRPr/>
-            </a:pPr>
-            <a:r>
-              <a:rPr kumimoji="0" lang="zh-CN" altLang="en-US" sz="1800" b="0" i="0" u="none" strike="noStrike" kern="1200" cap="none" spc="0" normalizeH="0" baseline="0" noProof="0" dirty="0">
-                <a:ln>
-                  <a:noFill/>
-                </a:ln>
-                <a:solidFill>
-                  <a:prstClr val="black"/>
-                </a:solidFill>
-                <a:effectLst/>
-                <a:uLnTx/>
-                <a:uFillTx/>
-                <a:latin typeface="等线" panose="020F0502020204030204"/>
-                <a:ea typeface="等线" panose="02010600030101010101" pitchFamily="2" charset="-122"/>
-                <a:cs typeface="+mn-cs"/>
-              </a:rPr>
-              <a:t>简介：机器语言是用二进制（</a:t>
-            </a:r>
-            <a:r>
-              <a:rPr kumimoji="0" lang="en-US" altLang="zh-CN" sz="1800" b="0" i="0" u="none" strike="noStrike" kern="1200" cap="none" spc="0" normalizeH="0" baseline="0" noProof="0" dirty="0">
-                <a:ln>
-                  <a:noFill/>
-                </a:ln>
-                <a:solidFill>
-                  <a:prstClr val="black"/>
-                </a:solidFill>
-                <a:effectLst/>
-                <a:uLnTx/>
-                <a:uFillTx/>
-                <a:latin typeface="等线" panose="020F0502020204030204"/>
-                <a:ea typeface="等线" panose="02010600030101010101" pitchFamily="2" charset="-122"/>
-                <a:cs typeface="+mn-cs"/>
-              </a:rPr>
-              <a:t>01</a:t>
-            </a:r>
-            <a:r>
-              <a:rPr kumimoji="0" lang="zh-CN" altLang="en-US" sz="1800" b="0" i="0" u="none" strike="noStrike" kern="1200" cap="none" spc="0" normalizeH="0" baseline="0" noProof="0" dirty="0">
-                <a:ln>
-                  <a:noFill/>
-                </a:ln>
-                <a:solidFill>
-                  <a:prstClr val="black"/>
-                </a:solidFill>
-                <a:effectLst/>
-                <a:uLnTx/>
-                <a:uFillTx/>
-                <a:latin typeface="等线" panose="020F0502020204030204"/>
-                <a:ea typeface="等线" panose="02010600030101010101" pitchFamily="2" charset="-122"/>
-                <a:cs typeface="+mn-cs"/>
-              </a:rPr>
-              <a:t>）代码表示的计算机能</a:t>
-            </a:r>
-            <a:r>
-              <a:rPr kumimoji="0" lang="zh-CN" altLang="en-US" sz="1800" b="0" i="0" u="none" strike="noStrike" kern="1200" cap="none" spc="0" normalizeH="0" baseline="0" noProof="0" dirty="0" smtClean="0">
-                <a:ln>
-                  <a:noFill/>
-                </a:ln>
-                <a:solidFill>
-                  <a:prstClr val="black"/>
-                </a:solidFill>
-                <a:effectLst/>
-                <a:uLnTx/>
-                <a:uFillTx/>
-                <a:latin typeface="等线" panose="020F0502020204030204"/>
-                <a:ea typeface="等线" panose="02010600030101010101" pitchFamily="2" charset="-122"/>
-                <a:cs typeface="+mn-cs"/>
-              </a:rPr>
-              <a:t>直</a:t>
-            </a:r>
-            <a:endParaRPr kumimoji="0" lang="en-US" altLang="zh-CN" sz="1800" b="0" i="0" u="none" strike="noStrike" kern="1200" cap="none" spc="0" normalizeH="0" baseline="0" noProof="0" dirty="0" smtClean="0">
-              <a:ln>
-                <a:noFill/>
-              </a:ln>
-              <a:solidFill>
-                <a:prstClr val="black"/>
-              </a:solidFill>
-              <a:effectLst/>
-              <a:uLnTx/>
-              <a:uFillTx/>
-              <a:latin typeface="等线" panose="020F0502020204030204"/>
-              <a:ea typeface="等线" panose="02010600030101010101" pitchFamily="2" charset="-122"/>
-              <a:cs typeface="+mn-cs"/>
-            </a:endParaRPr>
-          </a:p>
-          <a:p>
-            <a:pPr marL="0" marR="0" lvl="0" indent="0" algn="l" defTabSz="914400" rtl="0" eaLnBrk="1" fontAlgn="auto" latinLnBrk="0" hangingPunct="1">
-              <a:lnSpc>
-                <a:spcPct val="100000"/>
-              </a:lnSpc>
-              <a:spcBef>
-                <a:spcPts val="0"/>
-              </a:spcBef>
-              <a:spcAft>
-                <a:spcPts val="0"/>
-              </a:spcAft>
-              <a:buClrTx/>
-              <a:buSzTx/>
-              <a:buFontTx/>
-              <a:buNone/>
-              <a:tabLst/>
-              <a:defRPr/>
-            </a:pPr>
-            <a:r>
-              <a:rPr kumimoji="0" lang="zh-CN" altLang="en-US" sz="1800" b="0" i="0" u="none" strike="noStrike" kern="1200" cap="none" spc="0" normalizeH="0" baseline="0" noProof="0" dirty="0" smtClean="0">
-                <a:ln>
-                  <a:noFill/>
-                </a:ln>
-                <a:solidFill>
-                  <a:prstClr val="black"/>
-                </a:solidFill>
-                <a:effectLst/>
-                <a:uLnTx/>
-                <a:uFillTx/>
-                <a:latin typeface="等线" panose="020F0502020204030204"/>
-                <a:ea typeface="等线" panose="02010600030101010101" pitchFamily="2" charset="-122"/>
-                <a:cs typeface="+mn-cs"/>
-              </a:rPr>
-              <a:t>接</a:t>
-            </a:r>
-            <a:r>
-              <a:rPr kumimoji="0" lang="zh-CN" altLang="en-US" sz="1800" b="0" i="0" u="none" strike="noStrike" kern="1200" cap="none" spc="0" normalizeH="0" baseline="0" noProof="0" dirty="0">
-                <a:ln>
-                  <a:noFill/>
-                </a:ln>
-                <a:solidFill>
-                  <a:prstClr val="black"/>
-                </a:solidFill>
-                <a:effectLst/>
-                <a:uLnTx/>
-                <a:uFillTx/>
-                <a:latin typeface="等线" panose="020F0502020204030204"/>
-                <a:ea typeface="等线" panose="02010600030101010101" pitchFamily="2" charset="-122"/>
-                <a:cs typeface="+mn-cs"/>
-              </a:rPr>
-              <a:t>识别和执行的一种机器指令集合</a:t>
-            </a:r>
-            <a:r>
-              <a:rPr kumimoji="0" lang="zh-CN" altLang="en-US" sz="1800" b="0" i="0" u="none" strike="noStrike" kern="1200" cap="none" spc="0" normalizeH="0" baseline="0" noProof="0" dirty="0" smtClean="0">
-                <a:ln>
-                  <a:noFill/>
-                </a:ln>
-                <a:solidFill>
-                  <a:prstClr val="black"/>
-                </a:solidFill>
-                <a:effectLst/>
-                <a:uLnTx/>
-                <a:uFillTx/>
-                <a:latin typeface="等线" panose="020F0502020204030204"/>
-                <a:ea typeface="等线" panose="02010600030101010101" pitchFamily="2" charset="-122"/>
-                <a:cs typeface="+mn-cs"/>
-              </a:rPr>
-              <a:t>。</a:t>
-            </a:r>
-            <a:endParaRPr kumimoji="0" lang="en-US" altLang="zh-CN" sz="1800" b="0" i="0" u="none" strike="noStrike" kern="1200" cap="none" spc="0" normalizeH="0" baseline="0" noProof="0" dirty="0" smtClean="0">
-              <a:ln>
-                <a:noFill/>
-              </a:ln>
-              <a:solidFill>
-                <a:prstClr val="black"/>
-              </a:solidFill>
-              <a:effectLst/>
-              <a:uLnTx/>
-              <a:uFillTx/>
-              <a:latin typeface="等线" panose="020F0502020204030204"/>
-              <a:ea typeface="等线" panose="02010600030101010101" pitchFamily="2" charset="-122"/>
-              <a:cs typeface="+mn-cs"/>
-            </a:endParaRPr>
-          </a:p>
-          <a:p>
-            <a:pPr marL="0" marR="0" lvl="0" indent="0" algn="l" defTabSz="914400" rtl="0" eaLnBrk="1" fontAlgn="auto" latinLnBrk="0" hangingPunct="1">
-              <a:lnSpc>
-                <a:spcPct val="100000"/>
-              </a:lnSpc>
-              <a:spcBef>
-                <a:spcPts val="0"/>
-              </a:spcBef>
-              <a:spcAft>
-                <a:spcPts val="0"/>
-              </a:spcAft>
-              <a:buClrTx/>
-              <a:buSzTx/>
-              <a:buFontTx/>
-              <a:buNone/>
-              <a:tabLst/>
-              <a:defRPr/>
-            </a:pPr>
-            <a:endParaRPr kumimoji="0" lang="en-US" altLang="zh-CN" sz="1800" b="0" i="0" u="none" strike="noStrike" kern="1200" cap="none" spc="0" normalizeH="0" baseline="0" noProof="0" dirty="0">
-              <a:ln>
-                <a:noFill/>
-              </a:ln>
-              <a:solidFill>
-                <a:prstClr val="black"/>
-              </a:solidFill>
-              <a:effectLst/>
-              <a:uLnTx/>
-              <a:uFillTx/>
-              <a:latin typeface="等线" panose="020F0502020204030204"/>
-              <a:ea typeface="等线" panose="02010600030101010101" pitchFamily="2" charset="-122"/>
-              <a:cs typeface="+mn-cs"/>
-            </a:endParaRPr>
-          </a:p>
-          <a:p>
-            <a:pPr marL="0" marR="0" lvl="0" indent="0" algn="l" defTabSz="914400" rtl="0" eaLnBrk="1" fontAlgn="auto" latinLnBrk="0" hangingPunct="1">
-              <a:lnSpc>
-                <a:spcPct val="100000"/>
-              </a:lnSpc>
-              <a:spcBef>
-                <a:spcPts val="0"/>
-              </a:spcBef>
-              <a:spcAft>
-                <a:spcPts val="0"/>
-              </a:spcAft>
-              <a:buClrTx/>
-              <a:buSzTx/>
-              <a:buFontTx/>
-              <a:buNone/>
-              <a:tabLst/>
-              <a:defRPr/>
-            </a:pPr>
-            <a:r>
-              <a:rPr kumimoji="0" lang="zh-CN" altLang="en-US" sz="1800" b="0" i="0" u="none" strike="noStrike" kern="1200" cap="none" spc="0" normalizeH="0" baseline="0" noProof="0" dirty="0">
-                <a:ln>
-                  <a:noFill/>
-                </a:ln>
-                <a:solidFill>
-                  <a:prstClr val="black"/>
-                </a:solidFill>
-                <a:effectLst/>
-                <a:uLnTx/>
-                <a:uFillTx/>
-                <a:latin typeface="等线" panose="020F0502020204030204"/>
-                <a:ea typeface="等线" panose="02010600030101010101" pitchFamily="2" charset="-122"/>
-                <a:cs typeface="+mn-cs"/>
-              </a:rPr>
-              <a:t>优点：直接执行，速度快，资源占用</a:t>
-            </a:r>
-            <a:r>
-              <a:rPr kumimoji="0" lang="zh-CN" altLang="en-US" sz="1800" b="0" i="0" u="none" strike="noStrike" kern="1200" cap="none" spc="0" normalizeH="0" baseline="0" noProof="0" dirty="0" smtClean="0">
-                <a:ln>
-                  <a:noFill/>
-                </a:ln>
-                <a:solidFill>
-                  <a:prstClr val="black"/>
-                </a:solidFill>
-                <a:effectLst/>
-                <a:uLnTx/>
-                <a:uFillTx/>
-                <a:latin typeface="等线" panose="020F0502020204030204"/>
-                <a:ea typeface="等线" panose="02010600030101010101" pitchFamily="2" charset="-122"/>
-                <a:cs typeface="+mn-cs"/>
-              </a:rPr>
-              <a:t>少</a:t>
-            </a:r>
-            <a:endParaRPr kumimoji="0" lang="en-US" altLang="zh-CN" sz="1800" b="0" i="0" u="none" strike="noStrike" kern="1200" cap="none" spc="0" normalizeH="0" baseline="0" noProof="0" dirty="0" smtClean="0">
-              <a:ln>
-                <a:noFill/>
-              </a:ln>
-              <a:solidFill>
-                <a:prstClr val="black"/>
-              </a:solidFill>
-              <a:effectLst/>
-              <a:uLnTx/>
-              <a:uFillTx/>
-              <a:latin typeface="等线" panose="020F0502020204030204"/>
-              <a:ea typeface="等线" panose="02010600030101010101" pitchFamily="2" charset="-122"/>
-              <a:cs typeface="+mn-cs"/>
-            </a:endParaRPr>
-          </a:p>
-          <a:p>
-            <a:pPr marL="0" marR="0" lvl="0" indent="0" algn="l" defTabSz="914400" rtl="0" eaLnBrk="1" fontAlgn="auto" latinLnBrk="0" hangingPunct="1">
-              <a:lnSpc>
-                <a:spcPct val="100000"/>
-              </a:lnSpc>
-              <a:spcBef>
-                <a:spcPts val="0"/>
-              </a:spcBef>
-              <a:spcAft>
-                <a:spcPts val="0"/>
-              </a:spcAft>
-              <a:buClrTx/>
-              <a:buSzTx/>
-              <a:buFontTx/>
-              <a:buNone/>
-              <a:tabLst/>
-              <a:defRPr/>
-            </a:pPr>
-            <a:endParaRPr kumimoji="0" lang="en-US" altLang="zh-CN" sz="1800" b="0" i="0" u="none" strike="noStrike" kern="1200" cap="none" spc="0" normalizeH="0" baseline="0" noProof="0" dirty="0">
-              <a:ln>
-                <a:noFill/>
-              </a:ln>
-              <a:solidFill>
-                <a:prstClr val="black"/>
-              </a:solidFill>
-              <a:effectLst/>
-              <a:uLnTx/>
-              <a:uFillTx/>
-              <a:latin typeface="等线" panose="020F0502020204030204"/>
-              <a:ea typeface="等线" panose="02010600030101010101" pitchFamily="2" charset="-122"/>
-              <a:cs typeface="+mn-cs"/>
-            </a:endParaRPr>
-          </a:p>
-          <a:p>
-            <a:pPr marL="0" marR="0" lvl="0" indent="0" algn="l" defTabSz="914400" rtl="0" eaLnBrk="1" fontAlgn="auto" latinLnBrk="0" hangingPunct="1">
-              <a:lnSpc>
-                <a:spcPct val="100000"/>
-              </a:lnSpc>
-              <a:spcBef>
-                <a:spcPts val="0"/>
-              </a:spcBef>
-              <a:spcAft>
-                <a:spcPts val="0"/>
-              </a:spcAft>
-              <a:buClrTx/>
-              <a:buSzTx/>
-              <a:buFontTx/>
-              <a:buNone/>
-              <a:tabLst/>
-              <a:defRPr/>
-            </a:pPr>
-            <a:r>
-              <a:rPr kumimoji="0" lang="zh-CN" altLang="en-US" sz="1800" b="0" i="0" u="none" strike="noStrike" kern="1200" cap="none" spc="0" normalizeH="0" baseline="0" noProof="0" dirty="0">
-                <a:ln>
-                  <a:noFill/>
-                </a:ln>
-                <a:solidFill>
-                  <a:prstClr val="black"/>
-                </a:solidFill>
-                <a:effectLst/>
-                <a:uLnTx/>
-                <a:uFillTx/>
-                <a:latin typeface="等线" panose="020F0502020204030204"/>
-                <a:ea typeface="等线" panose="02010600030101010101" pitchFamily="2" charset="-122"/>
-                <a:cs typeface="+mn-cs"/>
-              </a:rPr>
-              <a:t>缺点：可读性、可移植性差，编程繁杂</a:t>
-            </a:r>
-            <a:r>
-              <a:rPr kumimoji="0" lang="zh-CN" altLang="en-US" sz="1800" b="0" i="0" u="none" strike="noStrike" kern="1200" cap="none" spc="0" normalizeH="0" baseline="0" noProof="0" dirty="0" smtClean="0">
-                <a:ln>
-                  <a:noFill/>
-                </a:ln>
-                <a:solidFill>
-                  <a:prstClr val="black"/>
-                </a:solidFill>
-                <a:effectLst/>
-                <a:uLnTx/>
-                <a:uFillTx/>
-                <a:latin typeface="等线" panose="020F0502020204030204"/>
-                <a:ea typeface="等线" panose="02010600030101010101" pitchFamily="2" charset="-122"/>
-                <a:cs typeface="+mn-cs"/>
-              </a:rPr>
-              <a:t>。</a:t>
-            </a:r>
-            <a:endParaRPr kumimoji="0" lang="en-US" altLang="zh-CN" sz="1800" b="0" i="0" u="none" strike="noStrike" kern="1200" cap="none" spc="0" normalizeH="0" baseline="0" noProof="0" dirty="0" smtClean="0">
-              <a:ln>
-                <a:noFill/>
-              </a:ln>
-              <a:solidFill>
-                <a:prstClr val="black"/>
-              </a:solidFill>
-              <a:effectLst/>
-              <a:uLnTx/>
-              <a:uFillTx/>
-              <a:latin typeface="等线" panose="020F0502020204030204"/>
-              <a:ea typeface="等线" panose="02010600030101010101" pitchFamily="2" charset="-122"/>
-              <a:cs typeface="+mn-cs"/>
-            </a:endParaRPr>
-          </a:p>
-          <a:p>
-            <a:pPr marL="0" marR="0" lvl="0" indent="0" algn="l" defTabSz="914400" rtl="0" eaLnBrk="1" fontAlgn="auto" latinLnBrk="0" hangingPunct="1">
-              <a:lnSpc>
-                <a:spcPct val="100000"/>
-              </a:lnSpc>
-              <a:spcBef>
-                <a:spcPts val="0"/>
-              </a:spcBef>
-              <a:spcAft>
-                <a:spcPts val="0"/>
-              </a:spcAft>
-              <a:buClrTx/>
-              <a:buSzTx/>
-              <a:buFontTx/>
-              <a:buNone/>
-              <a:tabLst/>
-              <a:defRPr/>
-            </a:pPr>
-            <a:endParaRPr kumimoji="0" lang="en-US" altLang="zh-CN" sz="1800" b="0" i="0" u="none" strike="noStrike" kern="1200" cap="none" spc="0" normalizeH="0" baseline="0" noProof="0" dirty="0">
-              <a:ln>
-                <a:noFill/>
-              </a:ln>
-              <a:solidFill>
-                <a:prstClr val="black"/>
-              </a:solidFill>
-              <a:effectLst/>
-              <a:uLnTx/>
-              <a:uFillTx/>
-              <a:latin typeface="等线" panose="020F0502020204030204"/>
-              <a:ea typeface="等线" panose="02010600030101010101" pitchFamily="2" charset="-122"/>
-              <a:cs typeface="+mn-cs"/>
-            </a:endParaRPr>
-          </a:p>
-          <a:p>
-            <a:pPr marL="0" marR="0" lvl="0" indent="0" algn="l" defTabSz="914400" rtl="0" eaLnBrk="1" fontAlgn="auto" latinLnBrk="0" hangingPunct="1">
-              <a:lnSpc>
-                <a:spcPct val="100000"/>
-              </a:lnSpc>
-              <a:spcBef>
-                <a:spcPts val="0"/>
-              </a:spcBef>
-              <a:spcAft>
-                <a:spcPts val="0"/>
-              </a:spcAft>
-              <a:buClrTx/>
-              <a:buSzTx/>
-              <a:buFontTx/>
-              <a:buNone/>
-              <a:tabLst/>
-              <a:defRPr/>
-            </a:pPr>
-            <a:r>
-              <a:rPr kumimoji="0" lang="zh-CN" altLang="en-US" sz="1800" b="0" i="0" u="none" strike="noStrike" kern="1200" cap="none" spc="0" normalizeH="0" baseline="0" noProof="0" dirty="0">
-                <a:ln>
-                  <a:noFill/>
-                </a:ln>
-                <a:solidFill>
-                  <a:prstClr val="black"/>
-                </a:solidFill>
-                <a:effectLst/>
-                <a:uLnTx/>
-                <a:uFillTx/>
-                <a:latin typeface="等线" panose="020F0502020204030204"/>
-                <a:ea typeface="等线" panose="02010600030101010101" pitchFamily="2" charset="-122"/>
-                <a:cs typeface="+mn-cs"/>
-              </a:rPr>
-              <a:t>使用场景：除了计算机生产厂家的专业人员外，</a:t>
-            </a:r>
-            <a:r>
-              <a:rPr kumimoji="0" lang="zh-CN" altLang="en-US" sz="1800" b="0" i="0" u="none" strike="noStrike" kern="1200" cap="none" spc="0" normalizeH="0" baseline="0" noProof="0" dirty="0" smtClean="0">
-                <a:ln>
-                  <a:noFill/>
-                </a:ln>
-                <a:solidFill>
-                  <a:prstClr val="black"/>
-                </a:solidFill>
-                <a:effectLst/>
-                <a:uLnTx/>
-                <a:uFillTx/>
-                <a:latin typeface="等线" panose="020F0502020204030204"/>
-                <a:ea typeface="等线" panose="02010600030101010101" pitchFamily="2" charset="-122"/>
-                <a:cs typeface="+mn-cs"/>
-              </a:rPr>
-              <a:t>绝大多数</a:t>
-            </a:r>
-            <a:endParaRPr kumimoji="0" lang="en-US" altLang="zh-CN" sz="1800" b="0" i="0" u="none" strike="noStrike" kern="1200" cap="none" spc="0" normalizeH="0" baseline="0" noProof="0" dirty="0" smtClean="0">
-              <a:ln>
-                <a:noFill/>
-              </a:ln>
-              <a:solidFill>
-                <a:prstClr val="black"/>
-              </a:solidFill>
-              <a:effectLst/>
-              <a:uLnTx/>
-              <a:uFillTx/>
-              <a:latin typeface="等线" panose="020F0502020204030204"/>
-              <a:ea typeface="等线" panose="02010600030101010101" pitchFamily="2" charset="-122"/>
-              <a:cs typeface="+mn-cs"/>
-            </a:endParaRPr>
-          </a:p>
-          <a:p>
-            <a:pPr marL="0" marR="0" lvl="0" indent="0" algn="l" defTabSz="914400" rtl="0" eaLnBrk="1" fontAlgn="auto" latinLnBrk="0" hangingPunct="1">
-              <a:lnSpc>
-                <a:spcPct val="100000"/>
-              </a:lnSpc>
-              <a:spcBef>
-                <a:spcPts val="0"/>
-              </a:spcBef>
-              <a:spcAft>
-                <a:spcPts val="0"/>
-              </a:spcAft>
-              <a:buClrTx/>
-              <a:buSzTx/>
-              <a:buFontTx/>
-              <a:buNone/>
-              <a:tabLst/>
-              <a:defRPr/>
-            </a:pPr>
-            <a:r>
-              <a:rPr kumimoji="0" lang="zh-CN" altLang="en-US" sz="1800" b="0" i="0" u="none" strike="noStrike" kern="1200" cap="none" spc="0" normalizeH="0" baseline="0" noProof="0" dirty="0" smtClean="0">
-                <a:ln>
-                  <a:noFill/>
-                </a:ln>
-                <a:solidFill>
-                  <a:prstClr val="black"/>
-                </a:solidFill>
-                <a:effectLst/>
-                <a:uLnTx/>
-                <a:uFillTx/>
-                <a:latin typeface="等线" panose="020F0502020204030204"/>
-                <a:ea typeface="等线" panose="02010600030101010101" pitchFamily="2" charset="-122"/>
-                <a:cs typeface="+mn-cs"/>
-              </a:rPr>
-              <a:t>的</a:t>
-            </a:r>
-            <a:r>
-              <a:rPr kumimoji="0" lang="zh-CN" altLang="en-US" sz="1800" b="0" i="0" u="none" strike="noStrike" kern="1200" cap="none" spc="0" normalizeH="0" baseline="0" noProof="0" dirty="0">
-                <a:ln>
-                  <a:noFill/>
-                </a:ln>
-                <a:solidFill>
-                  <a:prstClr val="black"/>
-                </a:solidFill>
-                <a:effectLst/>
-                <a:uLnTx/>
-                <a:uFillTx/>
-                <a:latin typeface="等线" panose="020F0502020204030204"/>
-                <a:ea typeface="等线" panose="02010600030101010101" pitchFamily="2" charset="-122"/>
-                <a:cs typeface="+mn-cs"/>
-              </a:rPr>
-              <a:t>程序员已经不再去学习机器语言了。</a:t>
-            </a:r>
-            <a:endParaRPr kumimoji="0" lang="en-US" altLang="zh-CN" sz="1800" b="0" i="0" u="none" strike="noStrike" kern="1200" cap="none" spc="0" normalizeH="0" baseline="0" noProof="0" dirty="0">
-              <a:ln>
-                <a:noFill/>
-              </a:ln>
-              <a:solidFill>
-                <a:prstClr val="black"/>
-              </a:solidFill>
-              <a:effectLst/>
-              <a:uLnTx/>
-              <a:uFillTx/>
-              <a:latin typeface="等线" panose="020F0502020204030204"/>
-              <a:ea typeface="等线" panose="02010600030101010101" pitchFamily="2" charset="-122"/>
-              <a:cs typeface="+mn-cs"/>
-            </a:endParaRPr>
-          </a:p>
-          <a:p>
-            <a:pPr marL="0" marR="0" lvl="0" indent="0" algn="l" defTabSz="914400" rtl="0" eaLnBrk="1" fontAlgn="auto" latinLnBrk="0" hangingPunct="1">
-              <a:lnSpc>
-                <a:spcPct val="100000"/>
-              </a:lnSpc>
-              <a:spcBef>
-                <a:spcPts val="0"/>
-              </a:spcBef>
-              <a:spcAft>
-                <a:spcPts val="0"/>
-              </a:spcAft>
-              <a:buClrTx/>
-              <a:buSzTx/>
-              <a:buFontTx/>
-              <a:buNone/>
-              <a:tabLst/>
-              <a:defRPr/>
-            </a:pPr>
-            <a:endParaRPr kumimoji="0" lang="en-US" altLang="zh-CN" sz="1800" b="0" i="0" u="none" strike="noStrike" kern="1200" cap="none" spc="0" normalizeH="0" baseline="0" noProof="0" dirty="0">
-              <a:ln>
-                <a:noFill/>
-              </a:ln>
-              <a:solidFill>
-                <a:prstClr val="black"/>
-              </a:solidFill>
-              <a:effectLst/>
-              <a:uLnTx/>
-              <a:uFillTx/>
-              <a:latin typeface="等线" panose="020F0502020204030204"/>
-              <a:ea typeface="等线" panose="02010600030101010101" pitchFamily="2" charset="-122"/>
-              <a:cs typeface="+mn-cs"/>
-            </a:endParaRPr>
-          </a:p>
-          <a:p>
-            <a:pPr marL="0" marR="0" lvl="0" indent="0" algn="l" defTabSz="914400" rtl="0" eaLnBrk="1" fontAlgn="auto" latinLnBrk="0" hangingPunct="1">
-              <a:lnSpc>
-                <a:spcPct val="100000"/>
-              </a:lnSpc>
-              <a:spcBef>
-                <a:spcPts val="0"/>
-              </a:spcBef>
-              <a:spcAft>
-                <a:spcPts val="0"/>
-              </a:spcAft>
-              <a:buClrTx/>
-              <a:buSzTx/>
-              <a:buFontTx/>
-              <a:buNone/>
-              <a:tabLst/>
-              <a:defRPr/>
-            </a:pPr>
-            <a:r>
-              <a:rPr kumimoji="0" lang="zh-CN" altLang="en-US" sz="1800" b="0" i="0" u="none" strike="noStrike" kern="1200" cap="none" spc="0" normalizeH="0" baseline="0" noProof="0" dirty="0">
-                <a:ln>
-                  <a:noFill/>
-                </a:ln>
-                <a:solidFill>
-                  <a:prstClr val="black"/>
-                </a:solidFill>
-                <a:effectLst/>
-                <a:uLnTx/>
-                <a:uFillTx/>
-                <a:latin typeface="等线" panose="020F0502020204030204"/>
-                <a:ea typeface="等线" panose="02010600030101010101" pitchFamily="2" charset="-122"/>
-                <a:cs typeface="+mn-cs"/>
-              </a:rPr>
-              <a:t>示例：</a:t>
-            </a:r>
-            <a:r>
-              <a:rPr kumimoji="0" lang="en-US" altLang="zh-CN" sz="1800" b="0" i="0" u="none" strike="noStrike" kern="1200" cap="none" spc="0" normalizeH="0" baseline="0" noProof="0" dirty="0">
-                <a:ln>
-                  <a:noFill/>
-                </a:ln>
-                <a:solidFill>
-                  <a:prstClr val="black"/>
-                </a:solidFill>
-                <a:effectLst/>
-                <a:uLnTx/>
-                <a:uFillTx/>
-                <a:latin typeface="等线" panose="020F0502020204030204"/>
-                <a:ea typeface="等线" panose="02010600030101010101" pitchFamily="2" charset="-122"/>
-                <a:cs typeface="+mn-cs"/>
-              </a:rPr>
-              <a:t>00000000000000010000 </a:t>
-            </a:r>
-            <a:r>
-              <a:rPr kumimoji="0" lang="zh-CN" altLang="en-US" sz="1800" b="0" i="0" u="none" strike="noStrike" kern="1200" cap="none" spc="0" normalizeH="0" baseline="0" noProof="0" dirty="0">
-                <a:ln>
-                  <a:noFill/>
-                </a:ln>
-                <a:solidFill>
-                  <a:prstClr val="black"/>
-                </a:solidFill>
-                <a:effectLst/>
-                <a:uLnTx/>
-                <a:uFillTx/>
-                <a:latin typeface="等线" panose="020F0502020204030204"/>
-                <a:ea typeface="等线" panose="02010600030101010101" pitchFamily="2" charset="-122"/>
-                <a:cs typeface="+mn-cs"/>
-              </a:rPr>
-              <a:t>表示加载</a:t>
-            </a:r>
-            <a:r>
-              <a:rPr kumimoji="0" lang="en-US" altLang="zh-CN" sz="1800" b="0" i="0" u="none" strike="noStrike" kern="1200" cap="none" spc="0" normalizeH="0" baseline="0" noProof="0" dirty="0">
-                <a:ln>
-                  <a:noFill/>
-                </a:ln>
-                <a:solidFill>
-                  <a:prstClr val="black"/>
-                </a:solidFill>
-                <a:effectLst/>
-                <a:uLnTx/>
-                <a:uFillTx/>
-                <a:latin typeface="等线" panose="020F0502020204030204"/>
-                <a:ea typeface="等线" panose="02010600030101010101" pitchFamily="2" charset="-122"/>
-                <a:cs typeface="+mn-cs"/>
-              </a:rPr>
-              <a:t>16</a:t>
-            </a:r>
-            <a:r>
-              <a:rPr kumimoji="0" lang="zh-CN" altLang="en-US" sz="1800" b="0" i="0" u="none" strike="noStrike" kern="1200" cap="none" spc="0" normalizeH="0" baseline="0" noProof="0" dirty="0">
-                <a:ln>
-                  <a:noFill/>
-                </a:ln>
-                <a:solidFill>
-                  <a:prstClr val="black"/>
-                </a:solidFill>
-                <a:effectLst/>
-                <a:uLnTx/>
-                <a:uFillTx/>
-                <a:latin typeface="等线" panose="020F0502020204030204"/>
-                <a:ea typeface="等线" panose="02010600030101010101" pitchFamily="2" charset="-122"/>
-                <a:cs typeface="+mn-cs"/>
-              </a:rPr>
-              <a:t>到</a:t>
-            </a:r>
-            <a:r>
-              <a:rPr kumimoji="0" lang="en-US" altLang="zh-CN" sz="1800" b="0" i="0" u="none" strike="noStrike" kern="1200" cap="none" spc="0" normalizeH="0" baseline="0" noProof="0" dirty="0">
-                <a:ln>
-                  <a:noFill/>
-                </a:ln>
-                <a:solidFill>
-                  <a:prstClr val="black"/>
-                </a:solidFill>
-                <a:effectLst/>
-                <a:uLnTx/>
-                <a:uFillTx/>
-                <a:latin typeface="等线" panose="020F0502020204030204"/>
-                <a:ea typeface="等线" panose="02010600030101010101" pitchFamily="2" charset="-122"/>
-                <a:cs typeface="+mn-cs"/>
-              </a:rPr>
-              <a:t>A</a:t>
-            </a:r>
-            <a:r>
-              <a:rPr kumimoji="0" lang="zh-CN" altLang="en-US" sz="1800" b="0" i="0" u="none" strike="noStrike" kern="1200" cap="none" spc="0" normalizeH="0" baseline="0" noProof="0" dirty="0">
-                <a:ln>
-                  <a:noFill/>
-                </a:ln>
-                <a:solidFill>
-                  <a:prstClr val="black"/>
-                </a:solidFill>
-                <a:effectLst/>
-                <a:uLnTx/>
-                <a:uFillTx/>
-                <a:latin typeface="等线" panose="020F0502020204030204"/>
-                <a:ea typeface="等线" panose="02010600030101010101" pitchFamily="2" charset="-122"/>
-                <a:cs typeface="+mn-cs"/>
-              </a:rPr>
-              <a:t>暂存器</a:t>
-            </a:r>
-            <a:r>
-              <a:rPr kumimoji="0" lang="zh-CN" altLang="en-US" sz="1800" b="0" i="0" u="none" strike="noStrike" kern="1200" cap="none" spc="0" normalizeH="0" baseline="0" noProof="0" dirty="0" smtClean="0">
-                <a:ln>
-                  <a:noFill/>
-                </a:ln>
-                <a:solidFill>
-                  <a:prstClr val="black"/>
-                </a:solidFill>
-                <a:effectLst/>
-                <a:uLnTx/>
-                <a:uFillTx/>
-                <a:latin typeface="等线" panose="020F0502020204030204"/>
-                <a:ea typeface="等线" panose="02010600030101010101" pitchFamily="2" charset="-122"/>
-                <a:cs typeface="+mn-cs"/>
-              </a:rPr>
-              <a:t>上。</a:t>
-            </a:r>
-            <a:endParaRPr kumimoji="0" lang="en-US" altLang="zh-CN" sz="1800" b="0" i="0" u="none" strike="noStrike" kern="1200" cap="none" spc="0" normalizeH="0" baseline="0" noProof="0" dirty="0">
-              <a:ln>
-                <a:noFill/>
-              </a:ln>
-              <a:solidFill>
-                <a:prstClr val="black"/>
-              </a:solidFill>
-              <a:effectLst/>
-              <a:uLnTx/>
-              <a:uFillTx/>
-              <a:latin typeface="等线" panose="020F0502020204030204"/>
-              <a:ea typeface="等线" panose="02010600030101010101" pitchFamily="2" charset="-122"/>
-              <a:cs typeface="+mn-cs"/>
-            </a:endParaRPr>
-          </a:p>
-        </p:txBody>
-      </p:sp>
-    </p:spTree>
-    <p:extLst>
-      <p:ext uri="{BB962C8B-B14F-4D97-AF65-F5344CB8AC3E}">
-        <p14:creationId xmlns:p14="http://schemas.microsoft.com/office/powerpoint/2010/main" val="694777365"/>
-      </p:ext>
-    </p:extLst>
-  </p:cSld>
-  <p:clrMapOvr>
-    <a:masterClrMapping/>
-  </p:clrMapOvr>
-  <p:timing>
-    <p:tnLst>
-      <p:par>
-        <p:cTn id="1" dur="indefinite" restart="never" nodeType="tmRoot"/>
-      </p:par>
-    </p:tnLst>
-  </p:timing>
-</p:sld>
-</file>
-
-<file path=ppt/slides/slide4.xml><?xml version="1.0" encoding="utf-8"?>
-<p:sld xmlns:a="http://schemas.openxmlformats.org/drawingml/2006/main" xmlns:r="http://schemas.openxmlformats.org/officeDocument/2006/relationships" xmlns:p="http://schemas.openxmlformats.org/presentationml/2006/main">
-  <p:cSld>
-    <p:spTree>
-      <p:nvGrpSpPr>
-        <p:cNvPr id="1" name=""/>
-        <p:cNvGrpSpPr/>
-        <p:nvPr/>
-      </p:nvGrpSpPr>
-      <p:grpSpPr>
-        <a:xfrm>
-          <a:off x="0" y="0"/>
-          <a:ext cx="0" cy="0"/>
-          <a:chOff x="0" y="0"/>
-          <a:chExt cx="0" cy="0"/>
-        </a:xfrm>
-      </p:grpSpPr>
-      <p:sp>
-        <p:nvSpPr>
-          <p:cNvPr id="4" name="矩形 3"/>
-          <p:cNvSpPr/>
-          <p:nvPr/>
-        </p:nvSpPr>
-        <p:spPr>
-          <a:xfrm>
-            <a:off x="66201" y="61547"/>
-            <a:ext cx="2446504" cy="369332"/>
-          </a:xfrm>
-          <a:prstGeom prst="rect">
-            <a:avLst/>
-          </a:prstGeom>
-        </p:spPr>
-        <p:txBody>
-          <a:bodyPr wrap="none">
-            <a:spAutoFit/>
-          </a:bodyPr>
-          <a:lstStyle/>
-          <a:p>
-            <a:pPr marL="0" marR="0" lvl="0" indent="0" algn="ctr" defTabSz="914400" rtl="0" eaLnBrk="1" fontAlgn="auto" latinLnBrk="0" hangingPunct="1">
-              <a:lnSpc>
-                <a:spcPct val="100000"/>
-              </a:lnSpc>
-              <a:spcBef>
-                <a:spcPts val="0"/>
-              </a:spcBef>
-              <a:spcAft>
-                <a:spcPts val="0"/>
-              </a:spcAft>
-              <a:buClrTx/>
-              <a:buSzTx/>
-              <a:buFontTx/>
-              <a:buNone/>
-              <a:tabLst/>
-              <a:defRPr/>
-            </a:pPr>
-            <a:r>
-              <a:rPr kumimoji="0" lang="en-US" altLang="zh-CN" sz="1800" b="0" i="0" u="none" strike="noStrike" kern="1200" cap="none" spc="0" normalizeH="0" baseline="0" noProof="0" dirty="0" smtClean="0">
-                <a:ln>
-                  <a:noFill/>
-                </a:ln>
-                <a:solidFill>
-                  <a:prstClr val="black"/>
-                </a:solidFill>
-                <a:effectLst/>
-                <a:uLnTx/>
-                <a:uFillTx/>
-                <a:latin typeface="等线" panose="020F0502020204030204"/>
-                <a:ea typeface="等线" panose="02010600030101010101" pitchFamily="2" charset="-122"/>
-                <a:cs typeface="+mn-cs"/>
-              </a:rPr>
-              <a:t>Session2 Java</a:t>
-            </a:r>
-            <a:r>
-              <a:rPr kumimoji="0" lang="zh-CN" altLang="en-US" sz="1800" b="0" i="0" u="none" strike="noStrike" kern="1200" cap="none" spc="0" normalizeH="0" baseline="0" noProof="0" dirty="0" smtClean="0">
-                <a:ln>
-                  <a:noFill/>
-                </a:ln>
-                <a:solidFill>
-                  <a:prstClr val="black"/>
-                </a:solidFill>
-                <a:effectLst/>
-                <a:uLnTx/>
-                <a:uFillTx/>
-                <a:latin typeface="等线" panose="020F0502020204030204"/>
-                <a:ea typeface="等线" panose="02010600030101010101" pitchFamily="2" charset="-122"/>
-                <a:cs typeface="+mn-cs"/>
-              </a:rPr>
-              <a:t>发展简史</a:t>
-            </a:r>
-            <a:endParaRPr kumimoji="0" lang="en-US" altLang="zh-CN" sz="1800" b="0" i="0" u="none" strike="noStrike" kern="1200" cap="none" spc="0" normalizeH="0" baseline="0" noProof="0" dirty="0">
-              <a:ln>
-                <a:noFill/>
-              </a:ln>
-              <a:solidFill>
-                <a:prstClr val="black"/>
-              </a:solidFill>
-              <a:effectLst/>
-              <a:uLnTx/>
-              <a:uFillTx/>
-              <a:latin typeface="等线" panose="020F0502020204030204"/>
-              <a:ea typeface="等线" panose="02010600030101010101" pitchFamily="2" charset="-122"/>
-              <a:cs typeface="+mn-cs"/>
-            </a:endParaRPr>
-          </a:p>
-        </p:txBody>
-      </p:sp>
-      <p:sp>
-        <p:nvSpPr>
-          <p:cNvPr id="5" name="文本框 4"/>
-          <p:cNvSpPr txBox="1"/>
-          <p:nvPr/>
-        </p:nvSpPr>
-        <p:spPr>
-          <a:xfrm>
-            <a:off x="10814628" y="6534834"/>
-            <a:ext cx="1850571" cy="646331"/>
-          </a:xfrm>
-          <a:prstGeom prst="rect">
-            <a:avLst/>
-          </a:prstGeom>
-          <a:noFill/>
-        </p:spPr>
-        <p:txBody>
-          <a:bodyPr wrap="none" rtlCol="0">
-            <a:spAutoFit/>
-          </a:bodyPr>
-          <a:lstStyle/>
-          <a:p>
-            <a:pPr marL="0" marR="0" lvl="0" indent="0" algn="ctr" defTabSz="914400" rtl="0" eaLnBrk="1" fontAlgn="auto" latinLnBrk="0" hangingPunct="1">
-              <a:lnSpc>
-                <a:spcPct val="100000"/>
-              </a:lnSpc>
-              <a:spcBef>
-                <a:spcPts val="0"/>
-              </a:spcBef>
-              <a:spcAft>
-                <a:spcPts val="0"/>
-              </a:spcAft>
-              <a:buClrTx/>
-              <a:buSzTx/>
-              <a:buFontTx/>
-              <a:buNone/>
-              <a:tabLst/>
-              <a:defRPr/>
-            </a:pPr>
-            <a:r>
-              <a:rPr kumimoji="0" lang="en-US" altLang="zh-CN" sz="1800" b="0" i="0" u="none" strike="noStrike" kern="1200" cap="none" spc="0" normalizeH="0" baseline="0" noProof="0" dirty="0">
-                <a:ln w="0"/>
-                <a:solidFill>
-                  <a:prstClr val="black"/>
-                </a:solidFill>
-                <a:effectLst>
-                  <a:outerShdw blurRad="38100" dist="19050" dir="2700000" algn="tl" rotWithShape="0">
-                    <a:prstClr val="black">
-                      <a:alpha val="40000"/>
-                    </a:prstClr>
-                  </a:outerShdw>
-                </a:effectLst>
-                <a:uLnTx/>
-                <a:uFillTx/>
-                <a:latin typeface="Arial Rounded MT Bold" panose="020F0704030504030204" pitchFamily="34" charset="0"/>
-                <a:ea typeface="幼圆" panose="02010509060101010101" pitchFamily="49" charset="-122"/>
-                <a:cs typeface="+mn-cs"/>
-              </a:rPr>
-              <a:t>EZJava</a:t>
-            </a:r>
-            <a:endParaRPr kumimoji="0" lang="zh-CN" altLang="en-US" sz="1800" b="0" i="0" u="none" strike="noStrike" kern="1200" cap="none" spc="0" normalizeH="0" baseline="0" noProof="0" dirty="0">
-              <a:ln w="0"/>
-              <a:solidFill>
-                <a:prstClr val="black"/>
-              </a:solidFill>
-              <a:effectLst>
-                <a:outerShdw blurRad="38100" dist="19050" dir="2700000" algn="tl" rotWithShape="0">
-                  <a:prstClr val="black">
-                    <a:alpha val="40000"/>
-                  </a:prstClr>
-                </a:outerShdw>
-              </a:effectLst>
-              <a:uLnTx/>
-              <a:uFillTx/>
-              <a:latin typeface="Arial Rounded MT Bold" panose="020F0704030504030204" pitchFamily="34" charset="0"/>
-              <a:ea typeface="幼圆" panose="02010509060101010101" pitchFamily="49" charset="-122"/>
-              <a:cs typeface="+mn-cs"/>
-            </a:endParaRPr>
-          </a:p>
-          <a:p>
-            <a:pPr marL="0" marR="0" lvl="0" indent="0" algn="l" defTabSz="914400" rtl="0" eaLnBrk="1" fontAlgn="auto" latinLnBrk="0" hangingPunct="1">
-              <a:lnSpc>
-                <a:spcPct val="100000"/>
-              </a:lnSpc>
-              <a:spcBef>
-                <a:spcPts val="0"/>
-              </a:spcBef>
-              <a:spcAft>
-                <a:spcPts val="0"/>
-              </a:spcAft>
-              <a:buClrTx/>
-              <a:buSzTx/>
-              <a:buFontTx/>
-              <a:buNone/>
-              <a:tabLst/>
-              <a:defRPr/>
-            </a:pPr>
-            <a:endParaRPr kumimoji="0" lang="zh-CN" altLang="en-US" sz="1800" b="0" i="0" u="none" strike="noStrike" kern="1200" cap="none" spc="0" normalizeH="0" baseline="0" noProof="0" dirty="0">
-              <a:ln>
-                <a:noFill/>
-              </a:ln>
-              <a:solidFill>
-                <a:prstClr val="black"/>
-              </a:solidFill>
-              <a:effectLst/>
-              <a:uLnTx/>
-              <a:uFillTx/>
-              <a:latin typeface="等线" panose="020F0502020204030204"/>
-              <a:ea typeface="等线" panose="02010600030101010101" pitchFamily="2" charset="-122"/>
-              <a:cs typeface="+mn-cs"/>
-            </a:endParaRPr>
-          </a:p>
-        </p:txBody>
-      </p:sp>
       <p:pic>
         <p:nvPicPr>
-          <p:cNvPr id="2" name="图片 1"/>
+          <p:cNvPr id="11" name="图片 10"/>
           <p:cNvPicPr>
             <a:picLocks noChangeAspect="1"/>
           </p:cNvPicPr>
           <p:nvPr/>
         </p:nvPicPr>
         <p:blipFill>
-          <a:blip r:embed="rId3">
+          <a:blip r:embed="rId5">
             <a:extLst>
               <a:ext uri="{28A0092B-C50C-407E-A947-70E740481C1C}">
                 <a14:useLocalDpi xmlns:a14="http://schemas.microsoft.com/office/drawing/2010/main" val="0"/>
@@ -12555,8 +10606,8 @@
         </p:blipFill>
         <p:spPr>
           <a:xfrm>
-            <a:off x="1507975" y="1206999"/>
-            <a:ext cx="3336078" cy="4822450"/>
+            <a:off x="5626157" y="4710818"/>
+            <a:ext cx="3220772" cy="2147181"/>
           </a:xfrm>
           <a:prstGeom prst="rect">
             <a:avLst/>
@@ -12565,67 +10616,7 @@
       </p:pic>
       <p:pic>
         <p:nvPicPr>
-          <p:cNvPr id="3" name="图片 2"/>
-          <p:cNvPicPr>
-            <a:picLocks noChangeAspect="1"/>
-          </p:cNvPicPr>
-          <p:nvPr/>
-        </p:nvPicPr>
-        <p:blipFill>
-          <a:blip r:embed="rId4" cstate="print">
-            <a:extLst>
-              <a:ext uri="{28A0092B-C50C-407E-A947-70E740481C1C}">
-                <a14:useLocalDpi xmlns:a14="http://schemas.microsoft.com/office/drawing/2010/main" val="0"/>
-              </a:ext>
-            </a:extLst>
-          </a:blip>
-          <a:stretch>
-            <a:fillRect/>
-          </a:stretch>
-        </p:blipFill>
-        <p:spPr>
-          <a:xfrm>
-            <a:off x="6601376" y="1206999"/>
-            <a:ext cx="1591314" cy="2246561"/>
-          </a:xfrm>
-          <a:prstGeom prst="rect">
-            <a:avLst/>
-          </a:prstGeom>
-        </p:spPr>
-      </p:pic>
-      <p:pic>
-        <p:nvPicPr>
-          <p:cNvPr id="10" name="图片 9"/>
-          <p:cNvPicPr>
-            <a:picLocks noChangeAspect="1"/>
-          </p:cNvPicPr>
-          <p:nvPr/>
-        </p:nvPicPr>
-        <p:blipFill>
-          <a:blip r:embed="rId5" cstate="print">
-            <a:extLst>
-              <a:ext uri="{28A0092B-C50C-407E-A947-70E740481C1C}">
-                <a14:useLocalDpi xmlns:a14="http://schemas.microsoft.com/office/drawing/2010/main" val="0"/>
-              </a:ext>
-            </a:extLst>
-          </a:blip>
-          <a:stretch>
-            <a:fillRect/>
-          </a:stretch>
-        </p:blipFill>
-        <p:spPr>
-          <a:xfrm>
-            <a:off x="9005201" y="3769895"/>
-            <a:ext cx="1748572" cy="2246560"/>
-          </a:xfrm>
-          <a:prstGeom prst="rect">
-            <a:avLst/>
-          </a:prstGeom>
-        </p:spPr>
-      </p:pic>
-      <p:pic>
-        <p:nvPicPr>
-          <p:cNvPr id="11" name="图片 10"/>
+          <p:cNvPr id="12" name="图片 11"/>
           <p:cNvPicPr>
             <a:picLocks noChangeAspect="1"/>
           </p:cNvPicPr>
@@ -12645,197 +10636,24 @@
         </p:blipFill>
         <p:spPr>
           <a:xfrm>
-            <a:off x="9007743" y="1206999"/>
-            <a:ext cx="1806885" cy="2246561"/>
+            <a:off x="6044146" y="61547"/>
+            <a:ext cx="2421428" cy="2302243"/>
           </a:xfrm>
           <a:prstGeom prst="rect">
             <a:avLst/>
           </a:prstGeom>
         </p:spPr>
       </p:pic>
-      <p:pic>
-        <p:nvPicPr>
-          <p:cNvPr id="7" name="图片 6"/>
-          <p:cNvPicPr>
-            <a:picLocks noChangeAspect="1"/>
-          </p:cNvPicPr>
+      <p:sp>
+        <p:nvSpPr>
+          <p:cNvPr id="8" name="矩形 7"/>
+          <p:cNvSpPr/>
           <p:nvPr/>
-        </p:nvPicPr>
-        <p:blipFill>
-          <a:blip r:embed="rId7" cstate="print">
-            <a:extLst>
-              <a:ext uri="{28A0092B-C50C-407E-A947-70E740481C1C}">
-                <a14:useLocalDpi xmlns:a14="http://schemas.microsoft.com/office/drawing/2010/main" val="0"/>
-              </a:ext>
-            </a:extLst>
-          </a:blip>
-          <a:stretch>
-            <a:fillRect/>
-          </a:stretch>
-        </p:blipFill>
+        </p:nvSpPr>
         <p:spPr>
           <a:xfrm>
-            <a:off x="6601376" y="3769894"/>
-            <a:ext cx="1606914" cy="2246560"/>
-          </a:xfrm>
-          <a:prstGeom prst="rect">
-            <a:avLst/>
-          </a:prstGeom>
-        </p:spPr>
-      </p:pic>
-      <p:pic>
-        <p:nvPicPr>
-          <p:cNvPr id="6" name="图片 5"/>
-          <p:cNvPicPr>
-            <a:picLocks noChangeAspect="1"/>
-          </p:cNvPicPr>
-          <p:nvPr/>
-        </p:nvPicPr>
-        <p:blipFill>
-          <a:blip r:embed="rId8">
-            <a:extLst>
-              <a:ext uri="{28A0092B-C50C-407E-A947-70E740481C1C}">
-                <a14:useLocalDpi xmlns:a14="http://schemas.microsoft.com/office/drawing/2010/main" val="0"/>
-              </a:ext>
-            </a:extLst>
-          </a:blip>
-          <a:stretch>
-            <a:fillRect/>
-          </a:stretch>
-        </p:blipFill>
-        <p:spPr>
-          <a:xfrm>
-            <a:off x="1399118" y="855209"/>
-            <a:ext cx="9824054" cy="5526030"/>
-          </a:xfrm>
-          <a:prstGeom prst="rect">
-            <a:avLst/>
-          </a:prstGeom>
-        </p:spPr>
-      </p:pic>
-    </p:spTree>
-    <p:extLst>
-      <p:ext uri="{BB962C8B-B14F-4D97-AF65-F5344CB8AC3E}">
-        <p14:creationId xmlns:p14="http://schemas.microsoft.com/office/powerpoint/2010/main" val="3272654720"/>
-      </p:ext>
-    </p:extLst>
-  </p:cSld>
-  <p:clrMapOvr>
-    <a:masterClrMapping/>
-  </p:clrMapOvr>
-  <p:timing>
-    <p:tnLst>
-      <p:par>
-        <p:cTn id="1" dur="indefinite" restart="never" nodeType="tmRoot">
-          <p:childTnLst>
-            <p:seq concurrent="1" nextAc="seek">
-              <p:cTn id="2" dur="indefinite" nodeType="mainSeq">
-                <p:childTnLst>
-                  <p:par>
-                    <p:cTn id="3" fill="hold">
-                      <p:stCondLst>
-                        <p:cond delay="indefinite"/>
-                      </p:stCondLst>
-                      <p:childTnLst>
-                        <p:par>
-                          <p:cTn id="4" fill="hold">
-                            <p:stCondLst>
-                              <p:cond delay="0"/>
-                            </p:stCondLst>
-                            <p:childTnLst>
-                              <p:par>
-                                <p:cTn id="5" presetID="10" presetClass="exit" presetSubtype="0" fill="hold" nodeType="clickEffect">
-                                  <p:stCondLst>
-                                    <p:cond delay="0"/>
-                                  </p:stCondLst>
-                                  <p:childTnLst>
-                                    <p:animEffect transition="out" filter="fade">
-                                      <p:cBhvr>
-                                        <p:cTn id="6" dur="500"/>
-                                        <p:tgtEl>
-                                          <p:spTgt spid="6"/>
-                                        </p:tgtEl>
-                                      </p:cBhvr>
-                                    </p:animEffect>
-                                    <p:set>
-                                      <p:cBhvr>
-                                        <p:cTn id="7" dur="1" fill="hold">
-                                          <p:stCondLst>
-                                            <p:cond delay="499"/>
-                                          </p:stCondLst>
-                                        </p:cTn>
-                                        <p:tgtEl>
-                                          <p:spTgt spid="6"/>
-                                        </p:tgtEl>
-                                        <p:attrNameLst>
-                                          <p:attrName>style.visibility</p:attrName>
-                                        </p:attrNameLst>
-                                      </p:cBhvr>
-                                      <p:to>
-                                        <p:strVal val="hidden"/>
-                                      </p:to>
-                                    </p:set>
-                                  </p:childTnLst>
-                                </p:cTn>
-                              </p:par>
-                            </p:childTnLst>
-                          </p:cTn>
-                        </p:par>
-                      </p:childTnLst>
-                    </p:cTn>
-                  </p:par>
-                </p:childTnLst>
-              </p:cTn>
-              <p:prevCondLst>
-                <p:cond evt="onPrev" delay="0">
-                  <p:tgtEl>
-                    <p:sldTgt/>
-                  </p:tgtEl>
-                </p:cond>
-              </p:prevCondLst>
-              <p:nextCondLst>
-                <p:cond evt="onNext" delay="0">
-                  <p:tgtEl>
-                    <p:sldTgt/>
-                  </p:tgtEl>
-                </p:cond>
-              </p:nextCondLst>
-            </p:seq>
-          </p:childTnLst>
-        </p:cTn>
-      </p:par>
-    </p:tnLst>
-  </p:timing>
-</p:sld>
-</file>
-
-<file path=ppt/slides/slide5.xml><?xml version="1.0" encoding="utf-8"?>
-<p:sld xmlns:a="http://schemas.openxmlformats.org/drawingml/2006/main" xmlns:r="http://schemas.openxmlformats.org/officeDocument/2006/relationships" xmlns:p="http://schemas.openxmlformats.org/presentationml/2006/main">
-  <p:cSld>
-    <p:spTree>
-      <p:nvGrpSpPr>
-        <p:cNvPr id="1" name=""/>
-        <p:cNvGrpSpPr/>
-        <p:nvPr/>
-      </p:nvGrpSpPr>
-      <p:grpSpPr>
-        <a:xfrm>
-          <a:off x="0" y="0"/>
-          <a:ext cx="0" cy="0"/>
-          <a:chOff x="0" y="0"/>
-          <a:chExt cx="0" cy="0"/>
-        </a:xfrm>
-      </p:grpSpPr>
-      <p:sp>
-        <p:nvSpPr>
-          <p:cNvPr id="4" name="矩形 3"/>
-          <p:cNvSpPr/>
-          <p:nvPr/>
-        </p:nvSpPr>
-        <p:spPr>
-          <a:xfrm>
-            <a:off x="66201" y="61547"/>
-            <a:ext cx="2446504" cy="369332"/>
+            <a:off x="23522" y="70173"/>
+            <a:ext cx="4554453" cy="369332"/>
           </a:xfrm>
           <a:prstGeom prst="rect">
             <a:avLst/>
@@ -12879,7 +10697,24 @@
                 <a:ea typeface="等线" panose="02010600030101010101" pitchFamily="2" charset="-122"/>
                 <a:cs typeface="+mn-cs"/>
               </a:rPr>
-              <a:t>Session2 Java</a:t>
+              <a:t>Session3 Hello </a:t>
+            </a:r>
+            <a:r>
+              <a:rPr kumimoji="0" lang="en-US" altLang="zh-CN" sz="1800" b="0" i="0" u="none" strike="noStrike" kern="1200" cap="none" spc="0" normalizeH="0" baseline="0" noProof="0" dirty="0" smtClean="0">
+                <a:ln>
+                  <a:noFill/>
+                </a:ln>
+                <a:solidFill>
+                  <a:prstClr val="black"/>
+                </a:solidFill>
+                <a:effectLst/>
+                <a:uLnTx/>
+                <a:uFillTx/>
+                <a:latin typeface="等线" panose="020F0502020204030204"/>
+                <a:ea typeface="等线" panose="02010600030101010101" pitchFamily="2" charset="-122"/>
+                <a:cs typeface="+mn-cs"/>
+              </a:rPr>
+              <a:t>World</a:t>
             </a:r>
             <a:r>
               <a:rPr kumimoji="0" lang="zh-CN" altLang="en-US" sz="1800" b="0" i="0" u="none" strike="noStrike" kern="1200" cap="none" spc="0" normalizeH="0" baseline="0" noProof="0" dirty="0" smtClean="0">
@@ -12896,180 +10731,10 @@
                 <a:ea typeface="等线" panose="02010600030101010101" pitchFamily="2" charset="-122"/>
                 <a:cs typeface="+mn-cs"/>
               </a:rPr>
-              <a:t>发展简史</a:t>
-            </a:r>
-            <a:endParaRPr kumimoji="0" lang="en-US" altLang="zh-CN" sz="1800" b="0" i="0" u="none" strike="noStrike" kern="1200" cap="none" spc="0" normalizeH="0" baseline="0" noProof="0" dirty="0">
-              <a:ln>
-                <a:noFill/>
-              </a:ln>
-              <a:solidFill>
-                <a:prstClr val="black"/>
-              </a:solidFill>
-              <a:effectLst/>
-              <a:uLnTx/>
-              <a:uFillTx/>
-              <a:latin typeface="等线" panose="020F0502020204030204"/>
-              <a:ea typeface="等线" panose="02010600030101010101" pitchFamily="2" charset="-122"/>
-              <a:cs typeface="+mn-cs"/>
-            </a:endParaRPr>
-          </a:p>
-        </p:txBody>
-      </p:sp>
-      <p:sp>
-        <p:nvSpPr>
-          <p:cNvPr id="5" name="文本框 4"/>
-          <p:cNvSpPr txBox="1"/>
-          <p:nvPr/>
-        </p:nvSpPr>
-        <p:spPr>
-          <a:xfrm>
-            <a:off x="10814628" y="6534834"/>
-            <a:ext cx="1850571" cy="646331"/>
-          </a:xfrm>
-          <a:prstGeom prst="rect">
-            <a:avLst/>
-          </a:prstGeom>
-          <a:noFill/>
-        </p:spPr>
-        <p:txBody>
-          <a:bodyPr wrap="none" rtlCol="0">
-            <a:spAutoFit/>
-          </a:bodyPr>
-          <a:lstStyle/>
-          <a:p>
-            <a:pPr marL="0" marR="0" lvl="0" indent="0" algn="ctr" defTabSz="914400" rtl="0" eaLnBrk="1" fontAlgn="auto" latinLnBrk="0" hangingPunct="1">
-              <a:lnSpc>
-                <a:spcPct val="100000"/>
-              </a:lnSpc>
-              <a:spcBef>
-                <a:spcPts val="0"/>
-              </a:spcBef>
-              <a:spcAft>
-                <a:spcPts val="0"/>
-              </a:spcAft>
-              <a:buClrTx/>
-              <a:buSzTx/>
-              <a:buFontTx/>
-              <a:buNone/>
-              <a:tabLst/>
-              <a:defRPr/>
-            </a:pPr>
-            <a:r>
-              <a:rPr kumimoji="0" lang="en-US" altLang="zh-CN" sz="1800" b="0" i="0" u="none" strike="noStrike" kern="1200" cap="none" spc="0" normalizeH="0" baseline="0" noProof="0" dirty="0">
-                <a:ln w="0"/>
-                <a:solidFill>
-                  <a:prstClr val="black"/>
-                </a:solidFill>
-                <a:effectLst>
-                  <a:outerShdw blurRad="38100" dist="19050" dir="2700000" algn="tl" rotWithShape="0">
-                    <a:prstClr val="black">
-                      <a:alpha val="40000"/>
-                    </a:prstClr>
-                  </a:outerShdw>
-                </a:effectLst>
-                <a:uLnTx/>
-                <a:uFillTx/>
-                <a:latin typeface="Arial Rounded MT Bold" panose="020F0704030504030204" pitchFamily="34" charset="0"/>
-                <a:ea typeface="幼圆" panose="02010509060101010101" pitchFamily="49" charset="-122"/>
-                <a:cs typeface="+mn-cs"/>
-              </a:rPr>
-              <a:t>EZJava</a:t>
-            </a:r>
-            <a:endParaRPr kumimoji="0" lang="zh-CN" altLang="en-US" sz="1800" b="0" i="0" u="none" strike="noStrike" kern="1200" cap="none" spc="0" normalizeH="0" baseline="0" noProof="0" dirty="0">
-              <a:ln w="0"/>
-              <a:solidFill>
-                <a:prstClr val="black"/>
-              </a:solidFill>
-              <a:effectLst>
-                <a:outerShdw blurRad="38100" dist="19050" dir="2700000" algn="tl" rotWithShape="0">
-                  <a:prstClr val="black">
-                    <a:alpha val="40000"/>
-                  </a:prstClr>
-                </a:outerShdw>
-              </a:effectLst>
-              <a:uLnTx/>
-              <a:uFillTx/>
-              <a:latin typeface="Arial Rounded MT Bold" panose="020F0704030504030204" pitchFamily="34" charset="0"/>
-              <a:ea typeface="幼圆" panose="02010509060101010101" pitchFamily="49" charset="-122"/>
-              <a:cs typeface="+mn-cs"/>
-            </a:endParaRPr>
-          </a:p>
-          <a:p>
-            <a:pPr marL="0" marR="0" lvl="0" indent="0" algn="l" defTabSz="914400" rtl="0" eaLnBrk="1" fontAlgn="auto" latinLnBrk="0" hangingPunct="1">
-              <a:lnSpc>
-                <a:spcPct val="100000"/>
-              </a:lnSpc>
-              <a:spcBef>
-                <a:spcPts val="0"/>
-              </a:spcBef>
-              <a:spcAft>
-                <a:spcPts val="0"/>
-              </a:spcAft>
-              <a:buClrTx/>
-              <a:buSzTx/>
-              <a:buFontTx/>
-              <a:buNone/>
-              <a:tabLst/>
-              <a:defRPr/>
-            </a:pPr>
-            <a:endParaRPr kumimoji="0" lang="zh-CN" altLang="en-US" sz="1800" b="0" i="0" u="none" strike="noStrike" kern="1200" cap="none" spc="0" normalizeH="0" baseline="0" noProof="0" dirty="0">
-              <a:ln>
-                <a:noFill/>
-              </a:ln>
-              <a:solidFill>
-                <a:prstClr val="black"/>
-              </a:solidFill>
-              <a:effectLst/>
-              <a:uLnTx/>
-              <a:uFillTx/>
-              <a:latin typeface="等线" panose="020F0502020204030204"/>
-              <a:ea typeface="等线" panose="02010600030101010101" pitchFamily="2" charset="-122"/>
-              <a:cs typeface="+mn-cs"/>
-            </a:endParaRPr>
-          </a:p>
-        </p:txBody>
-      </p:sp>
-      <p:sp>
-        <p:nvSpPr>
-          <p:cNvPr id="6" name="文本框 5"/>
-          <p:cNvSpPr txBox="1"/>
-          <p:nvPr/>
-        </p:nvSpPr>
-        <p:spPr>
-          <a:xfrm>
-            <a:off x="4896852" y="1756611"/>
-            <a:ext cx="2236510" cy="707886"/>
-          </a:xfrm>
-          <a:prstGeom prst="rect">
-            <a:avLst/>
-          </a:prstGeom>
-          <a:noFill/>
-        </p:spPr>
-        <p:txBody>
-          <a:bodyPr wrap="none" rtlCol="0">
-            <a:spAutoFit/>
-          </a:bodyPr>
-          <a:lstStyle/>
-          <a:p>
-            <a:pPr marL="0" marR="0" lvl="0" indent="0" algn="l" defTabSz="914400" rtl="0" eaLnBrk="1" fontAlgn="auto" latinLnBrk="0" hangingPunct="1">
-              <a:lnSpc>
-                <a:spcPct val="100000"/>
-              </a:lnSpc>
-              <a:spcBef>
-                <a:spcPts val="0"/>
-              </a:spcBef>
-              <a:spcAft>
-                <a:spcPts val="0"/>
-              </a:spcAft>
-              <a:buClrTx/>
-              <a:buSzTx/>
-              <a:buFontTx/>
-              <a:buNone/>
-              <a:tabLst/>
-              <a:defRPr/>
-            </a:pPr>
-            <a:r>
-              <a:rPr kumimoji="0" lang="zh-CN" altLang="en-US" sz="4000" b="0" i="0" u="none" strike="noStrike" kern="1200" cap="none" spc="0" normalizeH="0" baseline="0" noProof="0" dirty="0">
+              <a:t>：如何开发</a:t>
+            </a:r>
+            <a:r>
+              <a:rPr kumimoji="0" lang="en-US" altLang="zh-CN" sz="1800" b="0" i="0" u="none" strike="noStrike" kern="1200" cap="none" spc="0" normalizeH="0" baseline="0" noProof="0" dirty="0" smtClean="0">
                 <a:ln>
                   <a:noFill/>
                 </a:ln>
@@ -13083,10 +10748,10 @@
                 <a:ea typeface="等线" panose="02010600030101010101" pitchFamily="2" charset="-122"/>
                 <a:cs typeface="+mn-cs"/>
               </a:rPr>
-              <a:t>本</a:t>
-            </a:r>
-            <a:r>
-              <a:rPr kumimoji="0" lang="zh-CN" altLang="en-US" sz="4000" b="0" i="0" u="none" strike="noStrike" kern="1200" cap="none" spc="0" normalizeH="0" baseline="0" noProof="0" dirty="0" smtClean="0">
+              <a:t>Java</a:t>
+            </a:r>
+            <a:r>
+              <a:rPr kumimoji="0" lang="zh-CN" altLang="en-US" sz="1800" b="0" i="0" u="none" strike="noStrike" kern="1200" cap="none" spc="0" normalizeH="0" baseline="0" noProof="0" dirty="0" smtClean="0">
                 <a:ln>
                   <a:noFill/>
                 </a:ln>
@@ -13100,374 +10765,9 @@
                 <a:ea typeface="等线" panose="02010600030101010101" pitchFamily="2" charset="-122"/>
                 <a:cs typeface="+mn-cs"/>
               </a:rPr>
-              <a:t>节重点</a:t>
-            </a:r>
-            <a:endParaRPr kumimoji="0" lang="zh-CN" altLang="en-US" sz="4000" b="0" i="0" u="none" strike="noStrike" kern="1200" cap="none" spc="0" normalizeH="0" baseline="0" noProof="0" dirty="0">
-              <a:ln>
-                <a:noFill/>
-              </a:ln>
-              <a:solidFill>
-                <a:prstClr val="black"/>
-              </a:solidFill>
-              <a:effectLst/>
-              <a:uLnTx/>
-              <a:uFillTx/>
-              <a:latin typeface="等线" panose="020F0502020204030204"/>
-              <a:ea typeface="等线" panose="02010600030101010101" pitchFamily="2" charset="-122"/>
-              <a:cs typeface="+mn-cs"/>
-            </a:endParaRPr>
-          </a:p>
-        </p:txBody>
-      </p:sp>
-      <p:sp>
-        <p:nvSpPr>
-          <p:cNvPr id="3" name="文本框 2"/>
-          <p:cNvSpPr txBox="1"/>
-          <p:nvPr/>
-        </p:nvSpPr>
-        <p:spPr>
-          <a:xfrm>
-            <a:off x="1499287" y="2716180"/>
-            <a:ext cx="9668031" cy="830997"/>
-          </a:xfrm>
-          <a:prstGeom prst="rect">
-            <a:avLst/>
-          </a:prstGeom>
-          <a:noFill/>
-        </p:spPr>
-        <p:txBody>
-          <a:bodyPr wrap="none" rtlCol="0">
-            <a:spAutoFit/>
-          </a:bodyPr>
-          <a:lstStyle/>
-          <a:p>
-            <a:pPr marL="0" marR="0" lvl="0" indent="0" algn="l" defTabSz="914400" rtl="0" eaLnBrk="1" fontAlgn="auto" latinLnBrk="0" hangingPunct="1">
-              <a:lnSpc>
-                <a:spcPct val="100000"/>
-              </a:lnSpc>
-              <a:spcBef>
-                <a:spcPts val="0"/>
-              </a:spcBef>
-              <a:spcAft>
-                <a:spcPts val="0"/>
-              </a:spcAft>
-              <a:buClrTx/>
-              <a:buSzTx/>
-              <a:buFontTx/>
-              <a:buNone/>
-              <a:tabLst/>
-              <a:defRPr/>
-            </a:pPr>
-            <a:r>
-              <a:rPr kumimoji="0" lang="en-US" altLang="zh-CN" sz="2400" b="0" i="0" u="none" strike="noStrike" kern="1200" cap="none" spc="0" normalizeH="0" baseline="0" noProof="0" dirty="0" smtClean="0">
-                <a:ln>
-                  <a:noFill/>
-                </a:ln>
-                <a:solidFill>
-                  <a:prstClr val="black"/>
-                </a:solidFill>
-                <a:effectLst/>
-                <a:uLnTx/>
-                <a:uFillTx/>
-                <a:latin typeface="等线" panose="020F0502020204030204"/>
-                <a:ea typeface="等线" panose="02010600030101010101" pitchFamily="2" charset="-122"/>
-                <a:cs typeface="+mn-cs"/>
-              </a:rPr>
-              <a:t>1.</a:t>
-            </a:r>
-            <a:r>
-              <a:rPr kumimoji="0" lang="zh-CN" altLang="en-US" sz="2400" b="0" i="0" u="none" strike="noStrike" kern="1200" cap="none" spc="0" normalizeH="0" baseline="0" noProof="0" dirty="0" smtClean="0">
-                <a:ln>
-                  <a:noFill/>
-                </a:ln>
-                <a:solidFill>
-                  <a:prstClr val="black"/>
-                </a:solidFill>
-                <a:effectLst/>
-                <a:uLnTx/>
-                <a:uFillTx/>
-                <a:latin typeface="等线" panose="020F0502020204030204"/>
-                <a:ea typeface="等线" panose="02010600030101010101" pitchFamily="2" charset="-122"/>
-                <a:cs typeface="+mn-cs"/>
-              </a:rPr>
-              <a:t>编程语言是在不断发展和演进的，每一种语言都有自己适用的场景，</a:t>
-            </a:r>
-            <a:endParaRPr kumimoji="0" lang="en-US" altLang="zh-CN" sz="2400" b="0" i="0" u="none" strike="noStrike" kern="1200" cap="none" spc="0" normalizeH="0" baseline="0" noProof="0" dirty="0" smtClean="0">
-              <a:ln>
-                <a:noFill/>
-              </a:ln>
-              <a:solidFill>
-                <a:prstClr val="black"/>
-              </a:solidFill>
-              <a:effectLst/>
-              <a:uLnTx/>
-              <a:uFillTx/>
-              <a:latin typeface="等线" panose="020F0502020204030204"/>
-              <a:ea typeface="等线" panose="02010600030101010101" pitchFamily="2" charset="-122"/>
-              <a:cs typeface="+mn-cs"/>
-            </a:endParaRPr>
-          </a:p>
-          <a:p>
-            <a:pPr marL="0" marR="0" lvl="0" indent="0" algn="l" defTabSz="914400" rtl="0" eaLnBrk="1" fontAlgn="auto" latinLnBrk="0" hangingPunct="1">
-              <a:lnSpc>
-                <a:spcPct val="100000"/>
-              </a:lnSpc>
-              <a:spcBef>
-                <a:spcPts val="0"/>
-              </a:spcBef>
-              <a:spcAft>
-                <a:spcPts val="0"/>
-              </a:spcAft>
-              <a:buClrTx/>
-              <a:buSzTx/>
-              <a:buFontTx/>
-              <a:buNone/>
-              <a:tabLst/>
-              <a:defRPr/>
-            </a:pPr>
-            <a:r>
-              <a:rPr kumimoji="0" lang="en-US" altLang="zh-CN" sz="2400" b="0" i="0" u="none" strike="noStrike" kern="1200" cap="none" spc="0" normalizeH="0" baseline="0" noProof="0" dirty="0" smtClean="0">
-                <a:ln>
-                  <a:noFill/>
-                </a:ln>
-                <a:solidFill>
-                  <a:prstClr val="black"/>
-                </a:solidFill>
-                <a:effectLst/>
-                <a:uLnTx/>
-                <a:uFillTx/>
-                <a:latin typeface="等线" panose="020F0502020204030204"/>
-                <a:ea typeface="等线" panose="02010600030101010101" pitchFamily="2" charset="-122"/>
-                <a:cs typeface="+mn-cs"/>
-              </a:rPr>
-              <a:t>   Java</a:t>
-            </a:r>
-            <a:r>
-              <a:rPr kumimoji="0" lang="zh-CN" altLang="en-US" sz="2400" b="0" i="0" u="none" strike="noStrike" kern="1200" cap="none" spc="0" normalizeH="0" baseline="0" noProof="0" dirty="0" smtClean="0">
-                <a:ln>
-                  <a:noFill/>
-                </a:ln>
-                <a:solidFill>
-                  <a:prstClr val="black"/>
-                </a:solidFill>
-                <a:effectLst/>
-                <a:uLnTx/>
-                <a:uFillTx/>
-                <a:latin typeface="等线" panose="020F0502020204030204"/>
-                <a:ea typeface="等线" panose="02010600030101010101" pitchFamily="2" charset="-122"/>
-                <a:cs typeface="+mn-cs"/>
-              </a:rPr>
-              <a:t>在这个过程中，为了解决发展中存在的问题诞生了。</a:t>
-            </a:r>
-            <a:endParaRPr kumimoji="0" lang="zh-CN" altLang="en-US" sz="2400" b="0" i="0" u="none" strike="noStrike" kern="1200" cap="none" spc="0" normalizeH="0" baseline="0" noProof="0" dirty="0">
-              <a:ln>
-                <a:noFill/>
-              </a:ln>
-              <a:solidFill>
-                <a:prstClr val="black"/>
-              </a:solidFill>
-              <a:effectLst/>
-              <a:uLnTx/>
-              <a:uFillTx/>
-              <a:latin typeface="等线" panose="020F0502020204030204"/>
-              <a:ea typeface="等线" panose="02010600030101010101" pitchFamily="2" charset="-122"/>
-              <a:cs typeface="+mn-cs"/>
-            </a:endParaRPr>
-          </a:p>
-        </p:txBody>
-      </p:sp>
-      <p:sp>
-        <p:nvSpPr>
-          <p:cNvPr id="7" name="文本框 6"/>
-          <p:cNvSpPr txBox="1"/>
-          <p:nvPr/>
-        </p:nvSpPr>
-        <p:spPr>
-          <a:xfrm>
-            <a:off x="1499287" y="3792553"/>
-            <a:ext cx="8848897" cy="830997"/>
-          </a:xfrm>
-          <a:prstGeom prst="rect">
-            <a:avLst/>
-          </a:prstGeom>
-          <a:noFill/>
-        </p:spPr>
-        <p:txBody>
-          <a:bodyPr wrap="none" rtlCol="0">
-            <a:spAutoFit/>
-          </a:bodyPr>
-          <a:lstStyle/>
-          <a:p>
-            <a:pPr marL="0" marR="0" lvl="0" indent="0" algn="l" defTabSz="914400" rtl="0" eaLnBrk="1" fontAlgn="auto" latinLnBrk="0" hangingPunct="1">
-              <a:lnSpc>
-                <a:spcPct val="100000"/>
-              </a:lnSpc>
-              <a:spcBef>
-                <a:spcPts val="0"/>
-              </a:spcBef>
-              <a:spcAft>
-                <a:spcPts val="0"/>
-              </a:spcAft>
-              <a:buClrTx/>
-              <a:buSzTx/>
-              <a:buFontTx/>
-              <a:buNone/>
-              <a:tabLst/>
-              <a:defRPr/>
-            </a:pPr>
-            <a:r>
-              <a:rPr kumimoji="0" lang="en-US" altLang="zh-CN" sz="2400" b="0" i="0" u="none" strike="noStrike" kern="1200" cap="none" spc="0" normalizeH="0" baseline="0" noProof="0" dirty="0" smtClean="0">
-                <a:ln>
-                  <a:noFill/>
-                </a:ln>
-                <a:solidFill>
-                  <a:prstClr val="black"/>
-                </a:solidFill>
-                <a:effectLst/>
-                <a:uLnTx/>
-                <a:uFillTx/>
-                <a:latin typeface="等线" panose="020F0502020204030204"/>
-                <a:ea typeface="等线" panose="02010600030101010101" pitchFamily="2" charset="-122"/>
-                <a:cs typeface="+mn-cs"/>
-              </a:rPr>
-              <a:t>2.Java</a:t>
-            </a:r>
-            <a:r>
-              <a:rPr kumimoji="0" lang="zh-CN" altLang="en-US" sz="2400" b="0" i="0" u="none" strike="noStrike" kern="1200" cap="none" spc="0" normalizeH="0" baseline="0" noProof="0" dirty="0" smtClean="0">
-                <a:ln>
-                  <a:noFill/>
-                </a:ln>
-                <a:solidFill>
-                  <a:prstClr val="black"/>
-                </a:solidFill>
-                <a:effectLst/>
-                <a:uLnTx/>
-                <a:uFillTx/>
-                <a:latin typeface="等线" panose="020F0502020204030204"/>
-                <a:ea typeface="等线" panose="02010600030101010101" pitchFamily="2" charset="-122"/>
-                <a:cs typeface="+mn-cs"/>
-              </a:rPr>
-              <a:t>是一门面向对象的语言，当前最新版本</a:t>
-            </a:r>
-            <a:r>
-              <a:rPr kumimoji="0" lang="en-US" altLang="zh-CN" sz="2400" b="0" i="0" u="none" strike="noStrike" kern="1200" cap="none" spc="0" normalizeH="0" baseline="0" noProof="0" dirty="0" smtClean="0">
-                <a:ln>
-                  <a:noFill/>
-                </a:ln>
-                <a:solidFill>
-                  <a:prstClr val="black"/>
-                </a:solidFill>
-                <a:effectLst/>
-                <a:uLnTx/>
-                <a:uFillTx/>
-                <a:latin typeface="等线" panose="020F0502020204030204"/>
-                <a:ea typeface="等线" panose="02010600030101010101" pitchFamily="2" charset="-122"/>
-                <a:cs typeface="+mn-cs"/>
-              </a:rPr>
-              <a:t>Java 9</a:t>
-            </a:r>
-            <a:r>
-              <a:rPr kumimoji="0" lang="zh-CN" altLang="en-US" sz="2400" b="0" i="0" u="none" strike="noStrike" kern="1200" cap="none" spc="0" normalizeH="0" baseline="0" noProof="0" dirty="0" smtClean="0">
-                <a:ln>
-                  <a:noFill/>
-                </a:ln>
-                <a:solidFill>
-                  <a:prstClr val="black"/>
-                </a:solidFill>
-                <a:effectLst/>
-                <a:uLnTx/>
-                <a:uFillTx/>
-                <a:latin typeface="等线" panose="020F0502020204030204"/>
-                <a:ea typeface="等线" panose="02010600030101010101" pitchFamily="2" charset="-122"/>
-                <a:cs typeface="+mn-cs"/>
-              </a:rPr>
-              <a:t>，主要应用于</a:t>
-            </a:r>
-            <a:endParaRPr kumimoji="0" lang="en-US" altLang="zh-CN" sz="2400" b="0" i="0" u="none" strike="noStrike" kern="1200" cap="none" spc="0" normalizeH="0" baseline="0" noProof="0" dirty="0" smtClean="0">
-              <a:ln>
-                <a:noFill/>
-              </a:ln>
-              <a:solidFill>
-                <a:prstClr val="black"/>
-              </a:solidFill>
-              <a:effectLst/>
-              <a:uLnTx/>
-              <a:uFillTx/>
-              <a:latin typeface="等线" panose="020F0502020204030204"/>
-              <a:ea typeface="等线" panose="02010600030101010101" pitchFamily="2" charset="-122"/>
-              <a:cs typeface="+mn-cs"/>
-            </a:endParaRPr>
-          </a:p>
-          <a:p>
-            <a:pPr marL="0" marR="0" lvl="0" indent="0" algn="l" defTabSz="914400" rtl="0" eaLnBrk="1" fontAlgn="auto" latinLnBrk="0" hangingPunct="1">
-              <a:lnSpc>
-                <a:spcPct val="100000"/>
-              </a:lnSpc>
-              <a:spcBef>
-                <a:spcPts val="0"/>
-              </a:spcBef>
-              <a:spcAft>
-                <a:spcPts val="0"/>
-              </a:spcAft>
-              <a:buClrTx/>
-              <a:buSzTx/>
-              <a:buFontTx/>
-              <a:buNone/>
-              <a:tabLst/>
-              <a:defRPr/>
-            </a:pPr>
-            <a:r>
-              <a:rPr kumimoji="0" lang="en-US" altLang="zh-CN" sz="2400" b="0" i="0" u="none" strike="noStrike" kern="1200" cap="none" spc="0" normalizeH="0" baseline="0" noProof="0" dirty="0">
-                <a:ln>
-                  <a:noFill/>
-                </a:ln>
-                <a:solidFill>
-                  <a:prstClr val="black"/>
-                </a:solidFill>
-                <a:effectLst/>
-                <a:uLnTx/>
-                <a:uFillTx/>
-                <a:latin typeface="等线" panose="020F0502020204030204"/>
-                <a:ea typeface="等线" panose="02010600030101010101" pitchFamily="2" charset="-122"/>
-                <a:cs typeface="+mn-cs"/>
-              </a:rPr>
-              <a:t> </a:t>
-            </a:r>
-            <a:r>
-              <a:rPr kumimoji="0" lang="en-US" altLang="zh-CN" sz="2400" b="0" i="0" u="none" strike="noStrike" kern="1200" cap="none" spc="0" normalizeH="0" baseline="0" noProof="0" dirty="0" smtClean="0">
-                <a:ln>
-                  <a:noFill/>
-                </a:ln>
-                <a:solidFill>
-                  <a:prstClr val="black"/>
-                </a:solidFill>
-                <a:effectLst/>
-                <a:uLnTx/>
-                <a:uFillTx/>
-                <a:latin typeface="等线" panose="020F0502020204030204"/>
-                <a:ea typeface="等线" panose="02010600030101010101" pitchFamily="2" charset="-122"/>
-                <a:cs typeface="+mn-cs"/>
-              </a:rPr>
-              <a:t>  Android</a:t>
-            </a:r>
-            <a:r>
-              <a:rPr kumimoji="0" lang="zh-CN" altLang="en-US" sz="2400" b="0" i="0" u="none" strike="noStrike" kern="1200" cap="none" spc="0" normalizeH="0" baseline="0" noProof="0" dirty="0" smtClean="0">
-                <a:ln>
-                  <a:noFill/>
-                </a:ln>
-                <a:solidFill>
-                  <a:prstClr val="black"/>
-                </a:solidFill>
-                <a:effectLst/>
-                <a:uLnTx/>
-                <a:uFillTx/>
-                <a:latin typeface="等线" panose="020F0502020204030204"/>
-                <a:ea typeface="等线" panose="02010600030101010101" pitchFamily="2" charset="-122"/>
-                <a:cs typeface="+mn-cs"/>
-              </a:rPr>
-              <a:t>和服务器开发。</a:t>
-            </a:r>
-            <a:endParaRPr kumimoji="0" lang="zh-CN" altLang="en-US" sz="2400" b="0" i="0" u="none" strike="noStrike" kern="1200" cap="none" spc="0" normalizeH="0" baseline="0" noProof="0" dirty="0">
+              <a:t>程序？</a:t>
+            </a:r>
+            <a:endParaRPr kumimoji="0" lang="en-US" altLang="zh-CN" sz="1800" b="0" i="0" u="none" strike="noStrike" kern="1200" cap="none" spc="0" normalizeH="0" baseline="0" noProof="0" dirty="0" smtClean="0">
               <a:ln>
                 <a:noFill/>
               </a:ln>
@@ -13505,6 +10805,954 @@
 </file>
 
 <file path=ppt/slides/slide6.xml><?xml version="1.0" encoding="utf-8"?>
+<p:sld xmlns:a="http://schemas.openxmlformats.org/drawingml/2006/main" xmlns:r="http://schemas.openxmlformats.org/officeDocument/2006/relationships" xmlns:p="http://schemas.openxmlformats.org/presentationml/2006/main">
+  <p:cSld>
+    <p:spTree>
+      <p:nvGrpSpPr>
+        <p:cNvPr id="1" name=""/>
+        <p:cNvGrpSpPr/>
+        <p:nvPr/>
+      </p:nvGrpSpPr>
+      <p:grpSpPr>
+        <a:xfrm>
+          <a:off x="0" y="0"/>
+          <a:ext cx="0" cy="0"/>
+          <a:chOff x="0" y="0"/>
+          <a:chExt cx="0" cy="0"/>
+        </a:xfrm>
+      </p:grpSpPr>
+      <p:sp>
+        <p:nvSpPr>
+          <p:cNvPr id="4" name="矩形 3"/>
+          <p:cNvSpPr/>
+          <p:nvPr/>
+        </p:nvSpPr>
+        <p:spPr>
+          <a:xfrm>
+            <a:off x="63458" y="87426"/>
+            <a:ext cx="5246949" cy="369332"/>
+          </a:xfrm>
+          <a:prstGeom prst="rect">
+            <a:avLst/>
+          </a:prstGeom>
+        </p:spPr>
+        <p:txBody>
+          <a:bodyPr wrap="none">
+            <a:spAutoFit/>
+          </a:bodyPr>
+          <a:lstStyle/>
+          <a:p>
+            <a:pPr lvl="0" algn="ctr">
+              <a:defRPr/>
+            </a:pPr>
+            <a:r>
+              <a:rPr kumimoji="0" lang="en-US" altLang="zh-CN" sz="1800" b="0" i="0" u="none" strike="noStrike" kern="1200" cap="none" spc="0" normalizeH="0" baseline="0" noProof="0" dirty="0" smtClean="0">
+                <a:ln>
+                  <a:noFill/>
+                </a:ln>
+                <a:solidFill>
+                  <a:prstClr val="black"/>
+                </a:solidFill>
+                <a:effectLst/>
+                <a:uLnTx/>
+                <a:uFillTx/>
+                <a:latin typeface="等线" panose="020F0502020204030204"/>
+                <a:ea typeface="等线" panose="02010600030101010101" pitchFamily="2" charset="-122"/>
+                <a:cs typeface="+mn-cs"/>
+              </a:rPr>
+              <a:t>Session3 Hello </a:t>
+            </a:r>
+            <a:r>
+              <a:rPr kumimoji="0" lang="en-US" altLang="zh-CN" sz="1800" b="0" i="0" u="none" strike="noStrike" kern="1200" cap="none" spc="0" normalizeH="0" baseline="0" noProof="0" dirty="0" smtClean="0">
+                <a:ln>
+                  <a:noFill/>
+                </a:ln>
+                <a:solidFill>
+                  <a:prstClr val="black"/>
+                </a:solidFill>
+                <a:effectLst/>
+                <a:uLnTx/>
+                <a:uFillTx/>
+                <a:latin typeface="等线" panose="020F0502020204030204"/>
+                <a:ea typeface="等线" panose="02010600030101010101" pitchFamily="2" charset="-122"/>
+                <a:cs typeface="+mn-cs"/>
+              </a:rPr>
+              <a:t>World</a:t>
+            </a:r>
+            <a:r>
+              <a:rPr lang="zh-CN" altLang="en-US" dirty="0">
+                <a:solidFill>
+                  <a:prstClr val="black"/>
+                </a:solidFill>
+              </a:rPr>
+              <a:t>：一起来写第一个</a:t>
+            </a:r>
+            <a:r>
+              <a:rPr lang="en-US" altLang="zh-CN" dirty="0">
+                <a:solidFill>
+                  <a:prstClr val="black"/>
+                </a:solidFill>
+              </a:rPr>
+              <a:t>Java</a:t>
+            </a:r>
+            <a:r>
+              <a:rPr lang="zh-CN" altLang="en-US" dirty="0">
+                <a:solidFill>
+                  <a:prstClr val="black"/>
+                </a:solidFill>
+              </a:rPr>
+              <a:t>小程序</a:t>
+            </a:r>
+            <a:endParaRPr kumimoji="0" lang="en-US" altLang="zh-CN" sz="1800" b="0" i="0" u="none" strike="noStrike" kern="1200" cap="none" spc="0" normalizeH="0" baseline="0" noProof="0" dirty="0" smtClean="0">
+              <a:ln>
+                <a:noFill/>
+              </a:ln>
+              <a:solidFill>
+                <a:prstClr val="black"/>
+              </a:solidFill>
+              <a:effectLst/>
+              <a:uLnTx/>
+              <a:uFillTx/>
+              <a:latin typeface="等线" panose="020F0502020204030204"/>
+              <a:ea typeface="等线" panose="02010600030101010101" pitchFamily="2" charset="-122"/>
+              <a:cs typeface="+mn-cs"/>
+            </a:endParaRPr>
+          </a:p>
+        </p:txBody>
+      </p:sp>
+      <p:sp>
+        <p:nvSpPr>
+          <p:cNvPr id="5" name="文本框 4"/>
+          <p:cNvSpPr txBox="1"/>
+          <p:nvPr/>
+        </p:nvSpPr>
+        <p:spPr>
+          <a:xfrm>
+            <a:off x="10814628" y="6534834"/>
+            <a:ext cx="1850571" cy="646331"/>
+          </a:xfrm>
+          <a:prstGeom prst="rect">
+            <a:avLst/>
+          </a:prstGeom>
+          <a:noFill/>
+        </p:spPr>
+        <p:txBody>
+          <a:bodyPr wrap="none" rtlCol="0">
+            <a:spAutoFit/>
+          </a:bodyPr>
+          <a:lstStyle/>
+          <a:p>
+            <a:pPr marL="0" marR="0" lvl="0" indent="0" algn="ctr" defTabSz="914400" rtl="0" eaLnBrk="1" fontAlgn="auto" latinLnBrk="0" hangingPunct="1">
+              <a:lnSpc>
+                <a:spcPct val="100000"/>
+              </a:lnSpc>
+              <a:spcBef>
+                <a:spcPts val="0"/>
+              </a:spcBef>
+              <a:spcAft>
+                <a:spcPts val="0"/>
+              </a:spcAft>
+              <a:buClrTx/>
+              <a:buSzTx/>
+              <a:buFontTx/>
+              <a:buNone/>
+              <a:tabLst/>
+              <a:defRPr/>
+            </a:pPr>
+            <a:r>
+              <a:rPr kumimoji="0" lang="en-US" altLang="zh-CN" sz="1800" b="0" i="0" u="none" strike="noStrike" kern="1200" cap="none" spc="0" normalizeH="0" baseline="0" noProof="0" dirty="0">
+                <a:ln w="0"/>
+                <a:solidFill>
+                  <a:prstClr val="black"/>
+                </a:solidFill>
+                <a:effectLst>
+                  <a:outerShdw blurRad="38100" dist="19050" dir="2700000" algn="tl" rotWithShape="0">
+                    <a:prstClr val="black">
+                      <a:alpha val="40000"/>
+                    </a:prstClr>
+                  </a:outerShdw>
+                </a:effectLst>
+                <a:uLnTx/>
+                <a:uFillTx/>
+                <a:latin typeface="Arial Rounded MT Bold" panose="020F0704030504030204" pitchFamily="34" charset="0"/>
+                <a:ea typeface="幼圆" panose="02010509060101010101" pitchFamily="49" charset="-122"/>
+                <a:cs typeface="+mn-cs"/>
+              </a:rPr>
+              <a:t>EZJava</a:t>
+            </a:r>
+            <a:endParaRPr kumimoji="0" lang="zh-CN" altLang="en-US" sz="1800" b="0" i="0" u="none" strike="noStrike" kern="1200" cap="none" spc="0" normalizeH="0" baseline="0" noProof="0" dirty="0">
+              <a:ln w="0"/>
+              <a:solidFill>
+                <a:prstClr val="black"/>
+              </a:solidFill>
+              <a:effectLst>
+                <a:outerShdw blurRad="38100" dist="19050" dir="2700000" algn="tl" rotWithShape="0">
+                  <a:prstClr val="black">
+                    <a:alpha val="40000"/>
+                  </a:prstClr>
+                </a:outerShdw>
+              </a:effectLst>
+              <a:uLnTx/>
+              <a:uFillTx/>
+              <a:latin typeface="Arial Rounded MT Bold" panose="020F0704030504030204" pitchFamily="34" charset="0"/>
+              <a:ea typeface="幼圆" panose="02010509060101010101" pitchFamily="49" charset="-122"/>
+              <a:cs typeface="+mn-cs"/>
+            </a:endParaRPr>
+          </a:p>
+          <a:p>
+            <a:pPr marL="0" marR="0" lvl="0" indent="0" algn="l" defTabSz="914400" rtl="0" eaLnBrk="1" fontAlgn="auto" latinLnBrk="0" hangingPunct="1">
+              <a:lnSpc>
+                <a:spcPct val="100000"/>
+              </a:lnSpc>
+              <a:spcBef>
+                <a:spcPts val="0"/>
+              </a:spcBef>
+              <a:spcAft>
+                <a:spcPts val="0"/>
+              </a:spcAft>
+              <a:buClrTx/>
+              <a:buSzTx/>
+              <a:buFontTx/>
+              <a:buNone/>
+              <a:tabLst/>
+              <a:defRPr/>
+            </a:pPr>
+            <a:endParaRPr kumimoji="0" lang="zh-CN" altLang="en-US" sz="1800" b="0" i="0" u="none" strike="noStrike" kern="1200" cap="none" spc="0" normalizeH="0" baseline="0" noProof="0" dirty="0">
+              <a:ln>
+                <a:noFill/>
+              </a:ln>
+              <a:solidFill>
+                <a:prstClr val="black"/>
+              </a:solidFill>
+              <a:effectLst/>
+              <a:uLnTx/>
+              <a:uFillTx/>
+              <a:latin typeface="等线" panose="020F0502020204030204"/>
+              <a:ea typeface="等线" panose="02010600030101010101" pitchFamily="2" charset="-122"/>
+              <a:cs typeface="+mn-cs"/>
+            </a:endParaRPr>
+          </a:p>
+        </p:txBody>
+      </p:sp>
+      <p:sp>
+        <p:nvSpPr>
+          <p:cNvPr id="2" name="矩形 1"/>
+          <p:cNvSpPr/>
+          <p:nvPr/>
+        </p:nvSpPr>
+        <p:spPr>
+          <a:xfrm>
+            <a:off x="1778783" y="1601435"/>
+            <a:ext cx="9035845" cy="3539430"/>
+          </a:xfrm>
+          <a:prstGeom prst="rect">
+            <a:avLst/>
+          </a:prstGeom>
+        </p:spPr>
+        <p:txBody>
+          <a:bodyPr wrap="square">
+            <a:spAutoFit/>
+          </a:bodyPr>
+          <a:lstStyle/>
+          <a:p>
+            <a:r>
+              <a:rPr lang="en-US" altLang="zh-CN" sz="3200" dirty="0"/>
+              <a:t>package top.ezcode;</a:t>
+            </a:r>
+          </a:p>
+          <a:p>
+            <a:endParaRPr lang="en-US" altLang="zh-CN" sz="3200" dirty="0"/>
+          </a:p>
+          <a:p>
+            <a:r>
+              <a:rPr lang="en-US" altLang="zh-CN" sz="3200" dirty="0"/>
+              <a:t>public class HelloWorld {</a:t>
+            </a:r>
+          </a:p>
+          <a:p>
+            <a:r>
+              <a:rPr lang="en-US" altLang="zh-CN" sz="3200" dirty="0"/>
+              <a:t>    public static void main(String args[]){</a:t>
+            </a:r>
+          </a:p>
+          <a:p>
+            <a:r>
+              <a:rPr lang="en-US" altLang="zh-CN" sz="3200" dirty="0"/>
+              <a:t>         System.out.print("Hello World!");</a:t>
+            </a:r>
+          </a:p>
+          <a:p>
+            <a:r>
+              <a:rPr lang="en-US" altLang="zh-CN" sz="3200" dirty="0"/>
+              <a:t>    }</a:t>
+            </a:r>
+          </a:p>
+          <a:p>
+            <a:r>
+              <a:rPr lang="en-US" altLang="zh-CN" sz="3200" dirty="0"/>
+              <a:t>}</a:t>
+            </a:r>
+            <a:endParaRPr lang="zh-CN" altLang="en-US" sz="3200" dirty="0"/>
+          </a:p>
+        </p:txBody>
+      </p:sp>
+    </p:spTree>
+    <p:extLst>
+      <p:ext uri="{BB962C8B-B14F-4D97-AF65-F5344CB8AC3E}">
+        <p14:creationId xmlns:p14="http://schemas.microsoft.com/office/powerpoint/2010/main" val="2493100233"/>
+      </p:ext>
+    </p:extLst>
+  </p:cSld>
+  <p:clrMapOvr>
+    <a:masterClrMapping/>
+  </p:clrMapOvr>
+</p:sld>
+</file>
+
+<file path=ppt/slides/slide7.xml><?xml version="1.0" encoding="utf-8"?>
+<p:sld xmlns:a="http://schemas.openxmlformats.org/drawingml/2006/main" xmlns:r="http://schemas.openxmlformats.org/officeDocument/2006/relationships" xmlns:p="http://schemas.openxmlformats.org/presentationml/2006/main">
+  <p:cSld>
+    <p:spTree>
+      <p:nvGrpSpPr>
+        <p:cNvPr id="1" name=""/>
+        <p:cNvGrpSpPr/>
+        <p:nvPr/>
+      </p:nvGrpSpPr>
+      <p:grpSpPr>
+        <a:xfrm>
+          <a:off x="0" y="0"/>
+          <a:ext cx="0" cy="0"/>
+          <a:chOff x="0" y="0"/>
+          <a:chExt cx="0" cy="0"/>
+        </a:xfrm>
+      </p:grpSpPr>
+      <p:sp>
+        <p:nvSpPr>
+          <p:cNvPr id="5" name="文本框 4"/>
+          <p:cNvSpPr txBox="1"/>
+          <p:nvPr/>
+        </p:nvSpPr>
+        <p:spPr>
+          <a:xfrm>
+            <a:off x="10814628" y="6534834"/>
+            <a:ext cx="1850571" cy="646331"/>
+          </a:xfrm>
+          <a:prstGeom prst="rect">
+            <a:avLst/>
+          </a:prstGeom>
+          <a:noFill/>
+        </p:spPr>
+        <p:txBody>
+          <a:bodyPr wrap="none" rtlCol="0">
+            <a:spAutoFit/>
+          </a:bodyPr>
+          <a:lstStyle/>
+          <a:p>
+            <a:pPr marL="0" marR="0" lvl="0" indent="0" algn="ctr" defTabSz="914400" rtl="0" eaLnBrk="1" fontAlgn="auto" latinLnBrk="0" hangingPunct="1">
+              <a:lnSpc>
+                <a:spcPct val="100000"/>
+              </a:lnSpc>
+              <a:spcBef>
+                <a:spcPts val="0"/>
+              </a:spcBef>
+              <a:spcAft>
+                <a:spcPts val="0"/>
+              </a:spcAft>
+              <a:buClrTx/>
+              <a:buSzTx/>
+              <a:buFontTx/>
+              <a:buNone/>
+              <a:tabLst/>
+              <a:defRPr/>
+            </a:pPr>
+            <a:r>
+              <a:rPr kumimoji="0" lang="en-US" altLang="zh-CN" sz="1800" b="0" i="0" u="none" strike="noStrike" kern="1200" cap="none" spc="0" normalizeH="0" baseline="0" noProof="0" dirty="0">
+                <a:ln w="0"/>
+                <a:solidFill>
+                  <a:prstClr val="black"/>
+                </a:solidFill>
+                <a:effectLst>
+                  <a:outerShdw blurRad="38100" dist="19050" dir="2700000" algn="tl" rotWithShape="0">
+                    <a:prstClr val="black">
+                      <a:alpha val="40000"/>
+                    </a:prstClr>
+                  </a:outerShdw>
+                </a:effectLst>
+                <a:uLnTx/>
+                <a:uFillTx/>
+                <a:latin typeface="Arial Rounded MT Bold" panose="020F0704030504030204" pitchFamily="34" charset="0"/>
+                <a:ea typeface="幼圆" panose="02010509060101010101" pitchFamily="49" charset="-122"/>
+                <a:cs typeface="+mn-cs"/>
+              </a:rPr>
+              <a:t>EZJava</a:t>
+            </a:r>
+            <a:endParaRPr kumimoji="0" lang="zh-CN" altLang="en-US" sz="1800" b="0" i="0" u="none" strike="noStrike" kern="1200" cap="none" spc="0" normalizeH="0" baseline="0" noProof="0" dirty="0">
+              <a:ln w="0"/>
+              <a:solidFill>
+                <a:prstClr val="black"/>
+              </a:solidFill>
+              <a:effectLst>
+                <a:outerShdw blurRad="38100" dist="19050" dir="2700000" algn="tl" rotWithShape="0">
+                  <a:prstClr val="black">
+                    <a:alpha val="40000"/>
+                  </a:prstClr>
+                </a:outerShdw>
+              </a:effectLst>
+              <a:uLnTx/>
+              <a:uFillTx/>
+              <a:latin typeface="Arial Rounded MT Bold" panose="020F0704030504030204" pitchFamily="34" charset="0"/>
+              <a:ea typeface="幼圆" panose="02010509060101010101" pitchFamily="49" charset="-122"/>
+              <a:cs typeface="+mn-cs"/>
+            </a:endParaRPr>
+          </a:p>
+          <a:p>
+            <a:pPr marL="0" marR="0" lvl="0" indent="0" algn="l" defTabSz="914400" rtl="0" eaLnBrk="1" fontAlgn="auto" latinLnBrk="0" hangingPunct="1">
+              <a:lnSpc>
+                <a:spcPct val="100000"/>
+              </a:lnSpc>
+              <a:spcBef>
+                <a:spcPts val="0"/>
+              </a:spcBef>
+              <a:spcAft>
+                <a:spcPts val="0"/>
+              </a:spcAft>
+              <a:buClrTx/>
+              <a:buSzTx/>
+              <a:buFontTx/>
+              <a:buNone/>
+              <a:tabLst/>
+              <a:defRPr/>
+            </a:pPr>
+            <a:endParaRPr kumimoji="0" lang="zh-CN" altLang="en-US" sz="1800" b="0" i="0" u="none" strike="noStrike" kern="1200" cap="none" spc="0" normalizeH="0" baseline="0" noProof="0" dirty="0">
+              <a:ln>
+                <a:noFill/>
+              </a:ln>
+              <a:solidFill>
+                <a:prstClr val="black"/>
+              </a:solidFill>
+              <a:effectLst/>
+              <a:uLnTx/>
+              <a:uFillTx/>
+              <a:latin typeface="等线" panose="020F0502020204030204"/>
+              <a:ea typeface="等线" panose="02010600030101010101" pitchFamily="2" charset="-122"/>
+              <a:cs typeface="+mn-cs"/>
+            </a:endParaRPr>
+          </a:p>
+        </p:txBody>
+      </p:sp>
+      <p:sp>
+        <p:nvSpPr>
+          <p:cNvPr id="6" name="文本框 5"/>
+          <p:cNvSpPr txBox="1"/>
+          <p:nvPr/>
+        </p:nvSpPr>
+        <p:spPr>
+          <a:xfrm>
+            <a:off x="4896852" y="1756611"/>
+            <a:ext cx="2236510" cy="707886"/>
+          </a:xfrm>
+          <a:prstGeom prst="rect">
+            <a:avLst/>
+          </a:prstGeom>
+          <a:noFill/>
+        </p:spPr>
+        <p:txBody>
+          <a:bodyPr wrap="none" rtlCol="0">
+            <a:spAutoFit/>
+          </a:bodyPr>
+          <a:lstStyle/>
+          <a:p>
+            <a:pPr marL="0" marR="0" lvl="0" indent="0" algn="l" defTabSz="914400" rtl="0" eaLnBrk="1" fontAlgn="auto" latinLnBrk="0" hangingPunct="1">
+              <a:lnSpc>
+                <a:spcPct val="100000"/>
+              </a:lnSpc>
+              <a:spcBef>
+                <a:spcPts val="0"/>
+              </a:spcBef>
+              <a:spcAft>
+                <a:spcPts val="0"/>
+              </a:spcAft>
+              <a:buClrTx/>
+              <a:buSzTx/>
+              <a:buFontTx/>
+              <a:buNone/>
+              <a:tabLst/>
+              <a:defRPr/>
+            </a:pPr>
+            <a:r>
+              <a:rPr kumimoji="0" lang="zh-CN" altLang="en-US" sz="4000" b="0" i="0" u="none" strike="noStrike" kern="1200" cap="none" spc="0" normalizeH="0" baseline="0" noProof="0" dirty="0">
+                <a:ln>
+                  <a:noFill/>
+                </a:ln>
+                <a:solidFill>
+                  <a:prstClr val="black"/>
+                </a:solidFill>
+                <a:effectLst/>
+                <a:uLnTx/>
+                <a:uFillTx/>
+                <a:latin typeface="等线" panose="020F0502020204030204"/>
+                <a:ea typeface="等线" panose="02010600030101010101" pitchFamily="2" charset="-122"/>
+                <a:cs typeface="+mn-cs"/>
+              </a:rPr>
+              <a:t>本</a:t>
+            </a:r>
+            <a:r>
+              <a:rPr kumimoji="0" lang="zh-CN" altLang="en-US" sz="4000" b="0" i="0" u="none" strike="noStrike" kern="1200" cap="none" spc="0" normalizeH="0" baseline="0" noProof="0" dirty="0" smtClean="0">
+                <a:ln>
+                  <a:noFill/>
+                </a:ln>
+                <a:solidFill>
+                  <a:prstClr val="black"/>
+                </a:solidFill>
+                <a:effectLst/>
+                <a:uLnTx/>
+                <a:uFillTx/>
+                <a:latin typeface="等线" panose="020F0502020204030204"/>
+                <a:ea typeface="等线" panose="02010600030101010101" pitchFamily="2" charset="-122"/>
+                <a:cs typeface="+mn-cs"/>
+              </a:rPr>
+              <a:t>节重点</a:t>
+            </a:r>
+            <a:endParaRPr kumimoji="0" lang="zh-CN" altLang="en-US" sz="4000" b="0" i="0" u="none" strike="noStrike" kern="1200" cap="none" spc="0" normalizeH="0" baseline="0" noProof="0" dirty="0">
+              <a:ln>
+                <a:noFill/>
+              </a:ln>
+              <a:solidFill>
+                <a:prstClr val="black"/>
+              </a:solidFill>
+              <a:effectLst/>
+              <a:uLnTx/>
+              <a:uFillTx/>
+              <a:latin typeface="等线" panose="020F0502020204030204"/>
+              <a:ea typeface="等线" panose="02010600030101010101" pitchFamily="2" charset="-122"/>
+              <a:cs typeface="+mn-cs"/>
+            </a:endParaRPr>
+          </a:p>
+        </p:txBody>
+      </p:sp>
+      <p:sp>
+        <p:nvSpPr>
+          <p:cNvPr id="3" name="文本框 2"/>
+          <p:cNvSpPr txBox="1"/>
+          <p:nvPr/>
+        </p:nvSpPr>
+        <p:spPr>
+          <a:xfrm>
+            <a:off x="4269276" y="3188129"/>
+            <a:ext cx="3491661" cy="1938992"/>
+          </a:xfrm>
+          <a:prstGeom prst="rect">
+            <a:avLst/>
+          </a:prstGeom>
+          <a:noFill/>
+        </p:spPr>
+        <p:txBody>
+          <a:bodyPr wrap="none" rtlCol="0">
+            <a:spAutoFit/>
+          </a:bodyPr>
+          <a:lstStyle/>
+          <a:p>
+            <a:pPr marL="0" marR="0" lvl="0" indent="0" algn="l" defTabSz="914400" rtl="0" eaLnBrk="1" fontAlgn="auto" latinLnBrk="0" hangingPunct="1">
+              <a:lnSpc>
+                <a:spcPct val="100000"/>
+              </a:lnSpc>
+              <a:spcBef>
+                <a:spcPts val="0"/>
+              </a:spcBef>
+              <a:spcAft>
+                <a:spcPts val="0"/>
+              </a:spcAft>
+              <a:buClrTx/>
+              <a:buSzTx/>
+              <a:buFontTx/>
+              <a:buNone/>
+              <a:tabLst/>
+              <a:defRPr/>
+            </a:pPr>
+            <a:r>
+              <a:rPr kumimoji="0" lang="en-US" altLang="zh-CN" sz="2400" b="0" i="0" u="none" strike="noStrike" kern="1200" cap="none" spc="0" normalizeH="0" baseline="0" noProof="0" dirty="0" smtClean="0">
+                <a:ln>
+                  <a:noFill/>
+                </a:ln>
+                <a:solidFill>
+                  <a:prstClr val="black"/>
+                </a:solidFill>
+                <a:effectLst/>
+                <a:uLnTx/>
+                <a:uFillTx/>
+                <a:latin typeface="等线" panose="020F0502020204030204"/>
+                <a:ea typeface="等线" panose="02010600030101010101" pitchFamily="2" charset="-122"/>
+                <a:cs typeface="+mn-cs"/>
+              </a:rPr>
+              <a:t>1.</a:t>
+            </a:r>
+            <a:r>
+              <a:rPr kumimoji="0" lang="zh-CN" altLang="en-US" sz="2400" b="0" i="0" u="none" strike="noStrike" kern="1200" cap="none" spc="0" normalizeH="0" baseline="0" noProof="0" dirty="0" smtClean="0">
+                <a:ln>
+                  <a:noFill/>
+                </a:ln>
+                <a:solidFill>
+                  <a:prstClr val="black"/>
+                </a:solidFill>
+                <a:effectLst/>
+                <a:uLnTx/>
+                <a:uFillTx/>
+                <a:latin typeface="等线" panose="020F0502020204030204"/>
+                <a:ea typeface="等线" panose="02010600030101010101" pitchFamily="2" charset="-122"/>
+                <a:cs typeface="+mn-cs"/>
+              </a:rPr>
+              <a:t>什么是</a:t>
+            </a:r>
+            <a:r>
+              <a:rPr kumimoji="0" lang="en-US" altLang="zh-CN" sz="2400" b="0" i="0" u="none" strike="noStrike" kern="1200" cap="none" spc="0" normalizeH="0" baseline="0" noProof="0" dirty="0" smtClean="0">
+                <a:ln>
+                  <a:noFill/>
+                </a:ln>
+                <a:solidFill>
+                  <a:prstClr val="black"/>
+                </a:solidFill>
+                <a:effectLst/>
+                <a:uLnTx/>
+                <a:uFillTx/>
+                <a:latin typeface="等线" panose="020F0502020204030204"/>
+                <a:ea typeface="等线" panose="02010600030101010101" pitchFamily="2" charset="-122"/>
+                <a:cs typeface="+mn-cs"/>
+              </a:rPr>
+              <a:t>JDK</a:t>
+            </a:r>
+            <a:r>
+              <a:rPr kumimoji="0" lang="zh-CN" altLang="en-US" sz="2400" b="0" i="0" u="none" strike="noStrike" kern="1200" cap="none" spc="0" normalizeH="0" baseline="0" noProof="0" dirty="0" smtClean="0">
+                <a:ln>
+                  <a:noFill/>
+                </a:ln>
+                <a:solidFill>
+                  <a:prstClr val="black"/>
+                </a:solidFill>
+                <a:effectLst/>
+                <a:uLnTx/>
+                <a:uFillTx/>
+                <a:latin typeface="等线" panose="020F0502020204030204"/>
+                <a:ea typeface="等线" panose="02010600030101010101" pitchFamily="2" charset="-122"/>
+                <a:cs typeface="+mn-cs"/>
+              </a:rPr>
+              <a:t>？</a:t>
+            </a:r>
+            <a:endParaRPr kumimoji="0" lang="en-US" altLang="zh-CN" sz="2400" b="0" i="0" u="none" strike="noStrike" kern="1200" cap="none" spc="0" normalizeH="0" baseline="0" noProof="0" dirty="0" smtClean="0">
+              <a:ln>
+                <a:noFill/>
+              </a:ln>
+              <a:solidFill>
+                <a:prstClr val="black"/>
+              </a:solidFill>
+              <a:effectLst/>
+              <a:uLnTx/>
+              <a:uFillTx/>
+              <a:latin typeface="等线" panose="020F0502020204030204"/>
+              <a:ea typeface="等线" panose="02010600030101010101" pitchFamily="2" charset="-122"/>
+              <a:cs typeface="+mn-cs"/>
+            </a:endParaRPr>
+          </a:p>
+          <a:p>
+            <a:pPr marL="0" marR="0" lvl="0" indent="0" algn="l" defTabSz="914400" rtl="0" eaLnBrk="1" fontAlgn="auto" latinLnBrk="0" hangingPunct="1">
+              <a:lnSpc>
+                <a:spcPct val="100000"/>
+              </a:lnSpc>
+              <a:spcBef>
+                <a:spcPts val="0"/>
+              </a:spcBef>
+              <a:spcAft>
+                <a:spcPts val="0"/>
+              </a:spcAft>
+              <a:buClrTx/>
+              <a:buSzTx/>
+              <a:buFontTx/>
+              <a:buNone/>
+              <a:tabLst/>
+              <a:defRPr/>
+            </a:pPr>
+            <a:endParaRPr lang="en-US" altLang="zh-CN" sz="2400" dirty="0">
+              <a:solidFill>
+                <a:prstClr val="black"/>
+              </a:solidFill>
+              <a:latin typeface="等线" panose="020F0502020204030204"/>
+              <a:ea typeface="等线" panose="02010600030101010101" pitchFamily="2" charset="-122"/>
+            </a:endParaRPr>
+          </a:p>
+          <a:p>
+            <a:pPr marL="0" marR="0" lvl="0" indent="0" algn="l" defTabSz="914400" rtl="0" eaLnBrk="1" fontAlgn="auto" latinLnBrk="0" hangingPunct="1">
+              <a:lnSpc>
+                <a:spcPct val="100000"/>
+              </a:lnSpc>
+              <a:spcBef>
+                <a:spcPts val="0"/>
+              </a:spcBef>
+              <a:spcAft>
+                <a:spcPts val="0"/>
+              </a:spcAft>
+              <a:buClrTx/>
+              <a:buSzTx/>
+              <a:buFontTx/>
+              <a:buNone/>
+              <a:tabLst/>
+              <a:defRPr/>
+            </a:pPr>
+            <a:r>
+              <a:rPr kumimoji="0" lang="en-US" altLang="zh-CN" sz="2400" b="0" i="0" u="none" strike="noStrike" kern="1200" cap="none" spc="0" normalizeH="0" baseline="0" noProof="0" dirty="0" smtClean="0">
+                <a:ln>
+                  <a:noFill/>
+                </a:ln>
+                <a:solidFill>
+                  <a:prstClr val="black"/>
+                </a:solidFill>
+                <a:effectLst/>
+                <a:uLnTx/>
+                <a:uFillTx/>
+                <a:latin typeface="等线" panose="020F0502020204030204"/>
+                <a:ea typeface="等线" panose="02010600030101010101" pitchFamily="2" charset="-122"/>
+                <a:cs typeface="+mn-cs"/>
+              </a:rPr>
+              <a:t>2.</a:t>
+            </a:r>
+            <a:r>
+              <a:rPr kumimoji="0" lang="zh-CN" altLang="en-US" sz="2400" b="0" i="0" u="none" strike="noStrike" kern="1200" cap="none" spc="0" normalizeH="0" baseline="0" noProof="0" dirty="0" smtClean="0">
+                <a:ln>
+                  <a:noFill/>
+                </a:ln>
+                <a:solidFill>
+                  <a:prstClr val="black"/>
+                </a:solidFill>
+                <a:effectLst/>
+                <a:uLnTx/>
+                <a:uFillTx/>
+                <a:latin typeface="等线" panose="020F0502020204030204"/>
+                <a:ea typeface="等线" panose="02010600030101010101" pitchFamily="2" charset="-122"/>
+                <a:cs typeface="+mn-cs"/>
+              </a:rPr>
+              <a:t>什么是集成开发环境？</a:t>
+            </a:r>
+            <a:endParaRPr kumimoji="0" lang="en-US" altLang="zh-CN" sz="2400" b="0" i="0" u="none" strike="noStrike" kern="1200" cap="none" spc="0" normalizeH="0" baseline="0" noProof="0" dirty="0" smtClean="0">
+              <a:ln>
+                <a:noFill/>
+              </a:ln>
+              <a:solidFill>
+                <a:prstClr val="black"/>
+              </a:solidFill>
+              <a:effectLst/>
+              <a:uLnTx/>
+              <a:uFillTx/>
+              <a:latin typeface="等线" panose="020F0502020204030204"/>
+              <a:ea typeface="等线" panose="02010600030101010101" pitchFamily="2" charset="-122"/>
+              <a:cs typeface="+mn-cs"/>
+            </a:endParaRPr>
+          </a:p>
+          <a:p>
+            <a:pPr marL="0" marR="0" lvl="0" indent="0" algn="l" defTabSz="914400" rtl="0" eaLnBrk="1" fontAlgn="auto" latinLnBrk="0" hangingPunct="1">
+              <a:lnSpc>
+                <a:spcPct val="100000"/>
+              </a:lnSpc>
+              <a:spcBef>
+                <a:spcPts val="0"/>
+              </a:spcBef>
+              <a:spcAft>
+                <a:spcPts val="0"/>
+              </a:spcAft>
+              <a:buClrTx/>
+              <a:buSzTx/>
+              <a:buFontTx/>
+              <a:buNone/>
+              <a:tabLst/>
+              <a:defRPr/>
+            </a:pPr>
+            <a:endParaRPr lang="en-US" altLang="zh-CN" sz="2400" dirty="0">
+              <a:solidFill>
+                <a:prstClr val="black"/>
+              </a:solidFill>
+              <a:latin typeface="等线" panose="020F0502020204030204"/>
+              <a:ea typeface="等线" panose="02010600030101010101" pitchFamily="2" charset="-122"/>
+            </a:endParaRPr>
+          </a:p>
+          <a:p>
+            <a:pPr marL="0" marR="0" lvl="0" indent="0" algn="l" defTabSz="914400" rtl="0" eaLnBrk="1" fontAlgn="auto" latinLnBrk="0" hangingPunct="1">
+              <a:lnSpc>
+                <a:spcPct val="100000"/>
+              </a:lnSpc>
+              <a:spcBef>
+                <a:spcPts val="0"/>
+              </a:spcBef>
+              <a:spcAft>
+                <a:spcPts val="0"/>
+              </a:spcAft>
+              <a:buClrTx/>
+              <a:buSzTx/>
+              <a:buFontTx/>
+              <a:buNone/>
+              <a:tabLst/>
+              <a:defRPr/>
+            </a:pPr>
+            <a:r>
+              <a:rPr kumimoji="0" lang="en-US" altLang="zh-CN" sz="2400" b="0" i="0" u="none" strike="noStrike" kern="1200" cap="none" spc="0" normalizeH="0" baseline="0" noProof="0" dirty="0" smtClean="0">
+                <a:ln>
+                  <a:noFill/>
+                </a:ln>
+                <a:solidFill>
+                  <a:prstClr val="black"/>
+                </a:solidFill>
+                <a:effectLst/>
+                <a:uLnTx/>
+                <a:uFillTx/>
+                <a:latin typeface="等线" panose="020F0502020204030204"/>
+                <a:ea typeface="等线" panose="02010600030101010101" pitchFamily="2" charset="-122"/>
+                <a:cs typeface="+mn-cs"/>
+              </a:rPr>
+              <a:t>3.</a:t>
+            </a:r>
+            <a:r>
+              <a:rPr kumimoji="0" lang="zh-CN" altLang="en-US" sz="2400" b="0" i="0" u="none" strike="noStrike" kern="1200" cap="none" spc="0" normalizeH="0" baseline="0" noProof="0" dirty="0" smtClean="0">
+                <a:ln>
+                  <a:noFill/>
+                </a:ln>
+                <a:solidFill>
+                  <a:prstClr val="black"/>
+                </a:solidFill>
+                <a:effectLst/>
+                <a:uLnTx/>
+                <a:uFillTx/>
+                <a:latin typeface="等线" panose="020F0502020204030204"/>
+                <a:ea typeface="等线" panose="02010600030101010101" pitchFamily="2" charset="-122"/>
+                <a:cs typeface="+mn-cs"/>
+              </a:rPr>
+              <a:t>编写第一个</a:t>
+            </a:r>
+            <a:r>
+              <a:rPr kumimoji="0" lang="en-US" altLang="zh-CN" sz="2400" b="0" i="0" u="none" strike="noStrike" kern="1200" cap="none" spc="0" normalizeH="0" baseline="0" noProof="0" dirty="0" smtClean="0">
+                <a:ln>
+                  <a:noFill/>
+                </a:ln>
+                <a:solidFill>
+                  <a:prstClr val="black"/>
+                </a:solidFill>
+                <a:effectLst/>
+                <a:uLnTx/>
+                <a:uFillTx/>
+                <a:latin typeface="等线" panose="020F0502020204030204"/>
+                <a:ea typeface="等线" panose="02010600030101010101" pitchFamily="2" charset="-122"/>
+                <a:cs typeface="+mn-cs"/>
+              </a:rPr>
+              <a:t>Java</a:t>
+            </a:r>
+            <a:r>
+              <a:rPr kumimoji="0" lang="zh-CN" altLang="en-US" sz="2400" b="0" i="0" u="none" strike="noStrike" kern="1200" cap="none" spc="0" normalizeH="0" baseline="0" noProof="0" dirty="0" smtClean="0">
+                <a:ln>
+                  <a:noFill/>
+                </a:ln>
+                <a:solidFill>
+                  <a:prstClr val="black"/>
+                </a:solidFill>
+                <a:effectLst/>
+                <a:uLnTx/>
+                <a:uFillTx/>
+                <a:latin typeface="等线" panose="020F0502020204030204"/>
+                <a:ea typeface="等线" panose="02010600030101010101" pitchFamily="2" charset="-122"/>
+                <a:cs typeface="+mn-cs"/>
+              </a:rPr>
+              <a:t>程序</a:t>
+            </a:r>
+            <a:endParaRPr kumimoji="0" lang="zh-CN" altLang="en-US" sz="2400" b="0" i="0" u="none" strike="noStrike" kern="1200" cap="none" spc="0" normalizeH="0" baseline="0" noProof="0" dirty="0">
+              <a:ln>
+                <a:noFill/>
+              </a:ln>
+              <a:solidFill>
+                <a:prstClr val="black"/>
+              </a:solidFill>
+              <a:effectLst/>
+              <a:uLnTx/>
+              <a:uFillTx/>
+              <a:latin typeface="等线" panose="020F0502020204030204"/>
+              <a:ea typeface="等线" panose="02010600030101010101" pitchFamily="2" charset="-122"/>
+              <a:cs typeface="+mn-cs"/>
+            </a:endParaRPr>
+          </a:p>
+        </p:txBody>
+      </p:sp>
+      <p:sp>
+        <p:nvSpPr>
+          <p:cNvPr id="8" name="矩形 7"/>
+          <p:cNvSpPr/>
+          <p:nvPr/>
+        </p:nvSpPr>
+        <p:spPr>
+          <a:xfrm>
+            <a:off x="143947" y="61547"/>
+            <a:ext cx="2291012" cy="369332"/>
+          </a:xfrm>
+          <a:prstGeom prst="rect">
+            <a:avLst/>
+          </a:prstGeom>
+        </p:spPr>
+        <p:txBody>
+          <a:bodyPr wrap="none">
+            <a:spAutoFit/>
+          </a:bodyPr>
+          <a:lstStyle/>
+          <a:p>
+            <a:pPr marL="0" marR="0" lvl="0" indent="0" algn="ctr" defTabSz="914400" rtl="0" eaLnBrk="1" fontAlgn="auto" latinLnBrk="0" hangingPunct="1">
+              <a:lnSpc>
+                <a:spcPct val="100000"/>
+              </a:lnSpc>
+              <a:spcBef>
+                <a:spcPts val="0"/>
+              </a:spcBef>
+              <a:spcAft>
+                <a:spcPts val="0"/>
+              </a:spcAft>
+              <a:buClrTx/>
+              <a:buSzTx/>
+              <a:buFontTx/>
+              <a:buNone/>
+              <a:tabLst/>
+              <a:defRPr/>
+            </a:pPr>
+            <a:r>
+              <a:rPr kumimoji="0" lang="en-US" altLang="zh-CN" sz="1800" b="0" i="0" u="none" strike="noStrike" kern="1200" cap="none" spc="0" normalizeH="0" baseline="0" noProof="0" dirty="0" smtClean="0">
+                <a:ln>
+                  <a:noFill/>
+                </a:ln>
+                <a:solidFill>
+                  <a:prstClr val="black"/>
+                </a:solidFill>
+                <a:effectLst/>
+                <a:uLnTx/>
+                <a:uFillTx/>
+                <a:latin typeface="等线" panose="020F0502020204030204"/>
+                <a:ea typeface="等线" panose="02010600030101010101" pitchFamily="2" charset="-122"/>
+                <a:cs typeface="+mn-cs"/>
+              </a:rPr>
+              <a:t>Session3 Hello World</a:t>
+            </a:r>
+          </a:p>
+        </p:txBody>
+      </p:sp>
+    </p:spTree>
+    <p:extLst>
+      <p:ext uri="{BB962C8B-B14F-4D97-AF65-F5344CB8AC3E}">
+        <p14:creationId xmlns:p14="http://schemas.microsoft.com/office/powerpoint/2010/main" val="2261237908"/>
+      </p:ext>
+    </p:extLst>
+  </p:cSld>
+  <p:clrMapOvr>
+    <a:masterClrMapping/>
+  </p:clrMapOvr>
+  <p:timing>
+    <p:tnLst>
+      <p:par>
+        <p:cTn id="1" dur="indefinite" restart="never" nodeType="tmRoot"/>
+      </p:par>
+    </p:tnLst>
+  </p:timing>
+</p:sld>
+</file>
+
+<file path=ppt/slides/slide8.xml><?xml version="1.0" encoding="utf-8"?>
 <p:sld xmlns:a="http://schemas.openxmlformats.org/drawingml/2006/main" xmlns:r="http://schemas.openxmlformats.org/officeDocument/2006/relationships" xmlns:p="http://schemas.openxmlformats.org/presentationml/2006/main">
   <p:cSld>
     <p:spTree>
